--- a/202301 - BCS/DevSecOps - The True Cost of Secure Transformation.pptx
+++ b/202301 - BCS/DevSecOps - The True Cost of Secure Transformation.pptx
@@ -7,7 +7,7 @@
     <p:sldMasterId id="2147483768" r:id="rId3"/>
   </p:sldMasterIdLst>
   <p:notesMasterIdLst>
-    <p:notesMasterId r:id="rId22"/>
+    <p:notesMasterId r:id="rId21"/>
   </p:notesMasterIdLst>
   <p:sldIdLst>
     <p:sldId id="378" r:id="rId4"/>
@@ -21,18 +21,17 @@
     <p:sldId id="388" r:id="rId12"/>
     <p:sldId id="390" r:id="rId13"/>
     <p:sldId id="391" r:id="rId14"/>
-    <p:sldId id="381" r:id="rId15"/>
-    <p:sldId id="392" r:id="rId16"/>
-    <p:sldId id="393" r:id="rId17"/>
-    <p:sldId id="384" r:id="rId18"/>
-    <p:sldId id="394" r:id="rId19"/>
-    <p:sldId id="385" r:id="rId20"/>
-    <p:sldId id="357" r:id="rId21"/>
+    <p:sldId id="392" r:id="rId15"/>
+    <p:sldId id="393" r:id="rId16"/>
+    <p:sldId id="394" r:id="rId17"/>
+    <p:sldId id="357" r:id="rId18"/>
+    <p:sldId id="385" r:id="rId19"/>
+    <p:sldId id="381" r:id="rId20"/>
   </p:sldIdLst>
   <p:sldSz cx="12192000" cy="6858000"/>
   <p:notesSz cx="6858000" cy="9144000"/>
   <p:custDataLst>
-    <p:tags r:id="rId23"/>
+    <p:tags r:id="rId22"/>
   </p:custDataLst>
   <p:defaultTextStyle>
     <a:defPPr>
@@ -720,94 +719,127 @@
           <a:lstStyle/>
           <a:p>
             <a:r>
-              <a:rPr lang="en-GB" dirty="0"/>
-              <a:t>In August 2019, GitHub was called out in a US lawsuit following the Capital One breach. The reason? Allowing social security numbers to be stored in a Git repository.</a:t>
-            </a:r>
-          </a:p>
-          <a:p>
-            <a:endParaRPr lang="en-GB" dirty="0"/>
-          </a:p>
-          <a:p>
-            <a:r>
-              <a:rPr lang="en-GB" dirty="0"/>
-              <a:t>In October 2019, </a:t>
-            </a:r>
-            <a:r>
               <a:rPr lang="en-GB" b="0" i="0" dirty="0">
                 <a:solidFill>
-                  <a:srgbClr val="070707"/>
+                  <a:srgbClr val="231F20"/>
                 </a:solidFill>
                 <a:effectLst/>
-                <a:latin typeface="Georgia" panose="02040502050405020303" pitchFamily="18" charset="0"/>
+                <a:latin typeface="Arimo"/>
               </a:rPr>
-              <a:t>one misstep from developers at Starbucks left exposed an API key that could be used by an attacker to access internal systems and manipulate the list of authorized users.  Lucky the vulnerability was reported as part of a bug bounty program and quickly resolved.</a:t>
-            </a:r>
-          </a:p>
-          <a:p>
+              <a:t>Info Security Magazine reported that more than 25,226 Common Vulnerabilities and Exposures (CVEs) were published last year alone; and increase of 25% from 2021.  A</a:t>
+            </a:r>
+            <a:r>
+              <a:rPr lang="en-GB" sz="1200" b="0" i="0" dirty="0">
+                <a:solidFill>
+                  <a:srgbClr val="231F20"/>
+                </a:solidFill>
+                <a:effectLst/>
+                <a:latin typeface="Arimo"/>
+              </a:rPr>
+              <a:t>lmost 70 per day!  This year already there are almost 2,000.</a:t>
+            </a:r>
+          </a:p>
+          <a:p>
+            <a:endParaRPr lang="en-GB" sz="1200" b="0" i="0" dirty="0">
+              <a:solidFill>
+                <a:srgbClr val="231F20"/>
+              </a:solidFill>
+              <a:effectLst/>
+              <a:latin typeface="Arimo"/>
+            </a:endParaRPr>
+          </a:p>
+          <a:p>
+            <a:r>
+              <a:rPr lang="en-GB" sz="1200" b="0" i="0" dirty="0">
+                <a:solidFill>
+                  <a:srgbClr val="231F20"/>
+                </a:solidFill>
+                <a:effectLst/>
+                <a:latin typeface="Arimo"/>
+              </a:rPr>
+              <a:t>Of those 26,000 CVEs 3.4% (860) had a CVSS score between 9 and 10, the most critical.</a:t>
+            </a:r>
             <a:endParaRPr lang="en-GB" b="0" i="0" dirty="0">
               <a:solidFill>
-                <a:srgbClr val="070707"/>
+                <a:srgbClr val="231F20"/>
               </a:solidFill>
               <a:effectLst/>
-              <a:latin typeface="Georgia" panose="02040502050405020303" pitchFamily="18" charset="0"/>
+              <a:latin typeface="Arimo"/>
+            </a:endParaRPr>
+          </a:p>
+          <a:p>
+            <a:endParaRPr lang="en-GB" b="0" i="0" dirty="0">
+              <a:solidFill>
+                <a:srgbClr val="231F20"/>
+              </a:solidFill>
+              <a:effectLst/>
+              <a:latin typeface="Arimo"/>
             </a:endParaRPr>
           </a:p>
           <a:p>
             <a:r>
               <a:rPr lang="en-GB" b="0" i="0" dirty="0">
                 <a:solidFill>
-                  <a:srgbClr val="070707"/>
+                  <a:srgbClr val="231F20"/>
                 </a:solidFill>
                 <a:effectLst/>
-                <a:latin typeface="Georgia" panose="02040502050405020303" pitchFamily="18" charset="0"/>
+                <a:latin typeface="Arimo"/>
               </a:rPr>
-              <a:t>In January 2021, a misconfigured Git server at Nissan North America lead to the leak of the source code of the company's mobile apps and internal tools. A Git server was left publicly exposed with a default username and password of admin/admin.</a:t>
+              <a:t>57% of cyberattack victims report that their breaches could have been prevented by installing an available patch and even more chilling, 34% of those victims knew of the vulnerability, but hadn’t taken action</a:t>
             </a:r>
           </a:p>
           <a:p>
             <a:endParaRPr lang="en-GB" b="0" i="0" dirty="0">
               <a:solidFill>
-                <a:srgbClr val="070707"/>
+                <a:srgbClr val="231F20"/>
               </a:solidFill>
               <a:effectLst/>
-              <a:latin typeface="Georgia" panose="02040502050405020303" pitchFamily="18" charset="0"/>
+              <a:latin typeface="Arimo"/>
             </a:endParaRPr>
           </a:p>
           <a:p>
             <a:r>
               <a:rPr lang="en-GB" b="0" i="0" dirty="0">
                 <a:solidFill>
-                  <a:srgbClr val="070707"/>
+                  <a:srgbClr val="231F20"/>
                 </a:solidFill>
                 <a:effectLst/>
-                <a:latin typeface="Georgia" panose="02040502050405020303" pitchFamily="18" charset="0"/>
+                <a:latin typeface="Arimo"/>
               </a:rPr>
-              <a:t>More recently, in December 2022, Okta reported a breach that included the unauthorised downloading of source code.  Access was possible through the use of stolen authorisation keys and could have been related to an extension phishing campaign in September of last year.</a:t>
-            </a:r>
-          </a:p>
-          <a:p>
+              <a:t>74% of companies say they simply can’t patch fast enough because the average time to patch is 102 days according to </a:t>
+            </a:r>
+            <a:r>
+              <a:rPr lang="en-GB" b="0" i="0" dirty="0" err="1">
+                <a:solidFill>
+                  <a:srgbClr val="231F20"/>
+                </a:solidFill>
+                <a:effectLst/>
+                <a:latin typeface="Arimo"/>
+              </a:rPr>
+              <a:t>Ponemon</a:t>
+            </a:r>
             <a:endParaRPr lang="en-GB" b="0" i="0" dirty="0">
               <a:solidFill>
-                <a:srgbClr val="070707"/>
+                <a:srgbClr val="231F20"/>
               </a:solidFill>
               <a:effectLst/>
-              <a:latin typeface="Georgia" panose="02040502050405020303" pitchFamily="18" charset="0"/>
+              <a:latin typeface="Arimo"/>
             </a:endParaRPr>
           </a:p>
           <a:p>
-            <a:r>
-              <a:rPr lang="en-GB" b="0" i="0" dirty="0">
-                <a:solidFill>
-                  <a:srgbClr val="070707"/>
-                </a:solidFill>
-                <a:effectLst/>
-                <a:latin typeface="Georgia" panose="02040502050405020303" pitchFamily="18" charset="0"/>
-              </a:rPr>
-              <a:t>While still reading and digesting the information around the Okta breach, a few days later we got news of an attack on Slack. The incident involves threat actors gaining access to Slack's externally hosted GitHub repositories via a "limited" number of Slack employee tokens that were stolen.</a:t>
-            </a:r>
-          </a:p>
-          <a:p>
-            <a:endParaRPr lang="en-GB" dirty="0"/>
+            <a:endParaRPr lang="en-GB" b="0" i="0" dirty="0">
+              <a:solidFill>
+                <a:srgbClr val="231F20"/>
+              </a:solidFill>
+              <a:effectLst/>
+              <a:latin typeface="Arimo"/>
+            </a:endParaRPr>
+          </a:p>
+          <a:p>
+            <a:r>
+              <a:rPr lang="en-GB" dirty="0"/>
+              <a:t>According to Forrester’s State of Application Security Report</a:t>
+            </a:r>
           </a:p>
         </p:txBody>
       </p:sp>
@@ -952,51 +984,51 @@
           <a:lstStyle/>
           <a:p>
             <a:r>
-              <a:rPr lang="en-GB" dirty="0" smtClean="0"/>
+              <a:rPr lang="en-GB" dirty="0"/>
               <a:t>One of my favourite concepts when talking about cloud is the ability to destroy and rebuild resources</a:t>
             </a:r>
             <a:r>
-              <a:rPr lang="en-GB" baseline="0" dirty="0" smtClean="0"/>
+              <a:rPr lang="en-GB" baseline="0" dirty="0"/>
               <a:t> and the idea of pets versus cattle.  I remember the last time I asked for a new, on premise, server.  After much form-filling, interrogation, and small brown envelopes in the hands of the right people, I finally got my server.  It was like a pet.  When it was ill I’d care for it by updating and patching software.  I’d feed it with new applications and libraries.  And, I’d never let it be turned off.  But in the cloud we have to think very differently.  Our resources shouldn’t be treated as pets; they should be seen as cattle.  When a head of cattle is ill, it is disposed of, and replaced.  This should be the same with our cloud assets.</a:t>
             </a:r>
           </a:p>
           <a:p>
-            <a:endParaRPr lang="en-GB" baseline="0" dirty="0" smtClean="0"/>
-          </a:p>
-          <a:p>
-            <a:r>
-              <a:rPr lang="en-GB" baseline="0" dirty="0" smtClean="0"/>
+            <a:endParaRPr lang="en-GB" baseline="0" dirty="0"/>
+          </a:p>
+          <a:p>
+            <a:r>
+              <a:rPr lang="en-GB" baseline="0" dirty="0"/>
               <a:t>Embracing this concepts helps us in a number of ways.  Setting up processes to destroy and recreate assets with the latest versions of software keeps us on top of any newly released vulnerabilities.  If we regularly rejuvenate our assets every 7 days, we limit the potential persistence of any issues.  A hacker can spend weeks trying to infiltrate a system and systems that get refreshed regularly are going to a more difficult target.</a:t>
             </a:r>
           </a:p>
           <a:p>
-            <a:endParaRPr lang="en-GB" baseline="0" dirty="0" smtClean="0"/>
-          </a:p>
-          <a:p>
-            <a:r>
-              <a:rPr lang="en-GB" baseline="0" dirty="0" smtClean="0"/>
+            <a:endParaRPr lang="en-GB" baseline="0" dirty="0"/>
+          </a:p>
+          <a:p>
+            <a:r>
+              <a:rPr lang="en-GB" baseline="0" dirty="0"/>
               <a:t>Patching, vulnerability management, and Cloud Security Posture Management are big topics, and I have a completely separate rant about them…. See me after class if you are interested.</a:t>
             </a:r>
           </a:p>
           <a:p>
-            <a:endParaRPr lang="en-GB" baseline="0" dirty="0" smtClean="0"/>
-          </a:p>
-          <a:p>
-            <a:r>
-              <a:rPr lang="en-GB" dirty="0" smtClean="0"/>
+            <a:endParaRPr lang="en-GB" baseline="0" dirty="0"/>
+          </a:p>
+          <a:p>
+            <a:r>
+              <a:rPr lang="en-GB" dirty="0"/>
               <a:t>Needless to say they are all important and creating</a:t>
             </a:r>
             <a:r>
-              <a:rPr lang="en-GB" baseline="0" dirty="0" smtClean="0"/>
+              <a:rPr lang="en-GB" baseline="0" dirty="0"/>
               <a:t> the people, process, and tooling is vital.  Knowing what you have in the cloud can be challenging due to the ephemeral nature of cloud resources, but understanding what your estate looks like is imperative.  You can’t protect what you don’t know about.</a:t>
             </a:r>
           </a:p>
           <a:p>
-            <a:endParaRPr lang="en-GB" baseline="0" dirty="0" smtClean="0"/>
-          </a:p>
-          <a:p>
-            <a:r>
-              <a:rPr lang="en-GB" baseline="0" dirty="0" smtClean="0"/>
+            <a:endParaRPr lang="en-GB" baseline="0" dirty="0"/>
+          </a:p>
+          <a:p>
+            <a:r>
+              <a:rPr lang="en-GB" baseline="0" dirty="0"/>
               <a:t>Using threat intelligence and insights into our cloud assets will help us understand what is a real risk and which are truly critical severity vulnerabilities for us.  Having a list of issues for an individual asset gives us limited information, what we really need is context.  If you remember one thing from this presentation about monitoring it should be this … Risks without context are meaningless.</a:t>
             </a:r>
             <a:endParaRPr lang="en-GB" dirty="0"/>
@@ -1084,23 +1116,418 @@
           <a:lstStyle/>
           <a:p>
             <a:r>
+              <a:rPr lang="en-GB" baseline="0" dirty="0"/>
+              <a:t>Google - borehole - fallout shelter</a:t>
+            </a:r>
+          </a:p>
+          <a:p>
+            <a:endParaRPr lang="en-GB" baseline="0" dirty="0"/>
+          </a:p>
+          <a:p>
+            <a:r>
+              <a:rPr lang="en-GB" baseline="0" dirty="0"/>
+              <a:t>Anti-best practice slides – don’t read</a:t>
+            </a:r>
+          </a:p>
+          <a:p>
+            <a:endParaRPr lang="en-GB" baseline="0" dirty="0"/>
+          </a:p>
+          <a:p>
+            <a:r>
+              <a:rPr lang="en-GB" baseline="0" dirty="0"/>
+              <a:t>Rush out and buy tools - we need people, processes, and technology.</a:t>
+            </a:r>
+          </a:p>
+          <a:p>
+            <a:endParaRPr lang="en-GB" baseline="0" dirty="0"/>
+          </a:p>
+          <a:p>
+            <a:r>
+              <a:rPr lang="en-GB" baseline="0" dirty="0"/>
+              <a:t>There are a lot of options!</a:t>
+            </a:r>
+            <a:endParaRPr lang="en-GB" dirty="0"/>
+          </a:p>
+        </p:txBody>
+      </p:sp>
+      <p:sp>
+        <p:nvSpPr>
+          <p:cNvPr id="4" name="Slide Number Placeholder 3"/>
+          <p:cNvSpPr>
+            <a:spLocks noGrp="1"/>
+          </p:cNvSpPr>
+          <p:nvPr>
+            <p:ph type="sldNum" sz="quarter" idx="10"/>
+          </p:nvPr>
+        </p:nvSpPr>
+        <p:spPr/>
+        <p:txBody>
+          <a:bodyPr/>
+          <a:lstStyle/>
+          <a:p>
+            <a:fld id="{2F5E53B0-EFB7-4B0E-B012-E676534541B5}" type="slidenum">
+              <a:rPr lang="en-GB" smtClean="0"/>
+              <a:t>12</a:t>
+            </a:fld>
+            <a:endParaRPr lang="en-GB"/>
+          </a:p>
+        </p:txBody>
+      </p:sp>
+    </p:spTree>
+    <p:extLst>
+      <p:ext uri="{BB962C8B-B14F-4D97-AF65-F5344CB8AC3E}">
+        <p14:creationId xmlns:p14="http://schemas.microsoft.com/office/powerpoint/2010/main" val="175091190"/>
+      </p:ext>
+    </p:extLst>
+  </p:cSld>
+  <p:clrMapOvr>
+    <a:masterClrMapping/>
+  </p:clrMapOvr>
+</p:notes>
+</file>
+
+<file path=ppt/notesSlides/notesSlide13.xml><?xml version="1.0" encoding="utf-8"?>
+<p:notes xmlns:a="http://schemas.openxmlformats.org/drawingml/2006/main" xmlns:r="http://schemas.openxmlformats.org/officeDocument/2006/relationships" xmlns:p="http://schemas.openxmlformats.org/presentationml/2006/main">
+  <p:cSld>
+    <p:spTree>
+      <p:nvGrpSpPr>
+        <p:cNvPr id="1" name=""/>
+        <p:cNvGrpSpPr/>
+        <p:nvPr/>
+      </p:nvGrpSpPr>
+      <p:grpSpPr>
+        <a:xfrm>
+          <a:off x="0" y="0"/>
+          <a:ext cx="0" cy="0"/>
+          <a:chOff x="0" y="0"/>
+          <a:chExt cx="0" cy="0"/>
+        </a:xfrm>
+      </p:grpSpPr>
+      <p:sp>
+        <p:nvSpPr>
+          <p:cNvPr id="2" name="Slide Image Placeholder 1"/>
+          <p:cNvSpPr>
+            <a:spLocks noGrp="1" noRot="1" noChangeAspect="1"/>
+          </p:cNvSpPr>
+          <p:nvPr>
+            <p:ph type="sldImg"/>
+          </p:nvPr>
+        </p:nvSpPr>
+        <p:spPr/>
+      </p:sp>
+      <p:sp>
+        <p:nvSpPr>
+          <p:cNvPr id="3" name="Notes Placeholder 2"/>
+          <p:cNvSpPr>
+            <a:spLocks noGrp="1"/>
+          </p:cNvSpPr>
+          <p:nvPr>
+            <p:ph type="body" idx="1"/>
+          </p:nvPr>
+        </p:nvSpPr>
+        <p:spPr/>
+        <p:txBody>
+          <a:bodyPr/>
+          <a:lstStyle/>
+          <a:p>
+            <a:r>
+              <a:rPr lang="en-GB" baseline="0" dirty="0"/>
+              <a:t>Leads to another problem – overwhelming</a:t>
+            </a:r>
+          </a:p>
+          <a:p>
+            <a:endParaRPr lang="en-GB" baseline="0" dirty="0"/>
+          </a:p>
+          <a:p>
+            <a:r>
+              <a:rPr lang="en-GB" baseline="0" dirty="0"/>
+              <a:t>Start small and build. Cloud Transformation - bake-in security</a:t>
+            </a:r>
+          </a:p>
+          <a:p>
+            <a:endParaRPr lang="en-GB" baseline="0" dirty="0"/>
+          </a:p>
+          <a:p>
+            <a:r>
+              <a:rPr lang="en-GB" baseline="0" dirty="0"/>
+              <a:t>Tools and processes – </a:t>
+            </a:r>
+            <a:r>
+              <a:rPr lang="en-GB" baseline="0" dirty="0" err="1"/>
+              <a:t>IaC</a:t>
+            </a:r>
+            <a:endParaRPr lang="en-GB" baseline="0" dirty="0"/>
+          </a:p>
+          <a:p>
+            <a:endParaRPr lang="en-GB" baseline="0" dirty="0"/>
+          </a:p>
+          <a:p>
+            <a:r>
+              <a:rPr lang="en-GB" baseline="0" dirty="0"/>
+              <a:t>Use native resources in the Cloud.</a:t>
+            </a:r>
+          </a:p>
+          <a:p>
+            <a:endParaRPr lang="en-GB" baseline="0" dirty="0"/>
+          </a:p>
+          <a:p>
+            <a:r>
+              <a:rPr lang="en-GB" baseline="0" dirty="0"/>
+              <a:t>Setting policies - without limiting innovation.</a:t>
+            </a:r>
+          </a:p>
+          <a:p>
+            <a:endParaRPr lang="en-GB" baseline="0" dirty="0"/>
+          </a:p>
+          <a:p>
+            <a:r>
+              <a:rPr lang="en-GB" baseline="0" dirty="0"/>
+              <a:t>Enable secure, reliable, and repeatable deployments for our operational teams and the Business.</a:t>
+            </a:r>
+            <a:endParaRPr lang="en-GB" dirty="0"/>
+          </a:p>
+        </p:txBody>
+      </p:sp>
+      <p:sp>
+        <p:nvSpPr>
+          <p:cNvPr id="4" name="Slide Number Placeholder 3"/>
+          <p:cNvSpPr>
+            <a:spLocks noGrp="1"/>
+          </p:cNvSpPr>
+          <p:nvPr>
+            <p:ph type="sldNum" sz="quarter" idx="10"/>
+          </p:nvPr>
+        </p:nvSpPr>
+        <p:spPr/>
+        <p:txBody>
+          <a:bodyPr/>
+          <a:lstStyle/>
+          <a:p>
+            <a:fld id="{2F5E53B0-EFB7-4B0E-B012-E676534541B5}" type="slidenum">
+              <a:rPr lang="en-GB" smtClean="0"/>
+              <a:t>13</a:t>
+            </a:fld>
+            <a:endParaRPr lang="en-GB"/>
+          </a:p>
+        </p:txBody>
+      </p:sp>
+    </p:spTree>
+    <p:extLst>
+      <p:ext uri="{BB962C8B-B14F-4D97-AF65-F5344CB8AC3E}">
+        <p14:creationId xmlns:p14="http://schemas.microsoft.com/office/powerpoint/2010/main" val="2662555705"/>
+      </p:ext>
+    </p:extLst>
+  </p:cSld>
+  <p:clrMapOvr>
+    <a:masterClrMapping/>
+  </p:clrMapOvr>
+</p:notes>
+</file>
+
+<file path=ppt/notesSlides/notesSlide14.xml><?xml version="1.0" encoding="utf-8"?>
+<p:notes xmlns:a="http://schemas.openxmlformats.org/drawingml/2006/main" xmlns:r="http://schemas.openxmlformats.org/officeDocument/2006/relationships" xmlns:p="http://schemas.openxmlformats.org/presentationml/2006/main">
+  <p:cSld>
+    <p:spTree>
+      <p:nvGrpSpPr>
+        <p:cNvPr id="1" name=""/>
+        <p:cNvGrpSpPr/>
+        <p:nvPr/>
+      </p:nvGrpSpPr>
+      <p:grpSpPr>
+        <a:xfrm>
+          <a:off x="0" y="0"/>
+          <a:ext cx="0" cy="0"/>
+          <a:chOff x="0" y="0"/>
+          <a:chExt cx="0" cy="0"/>
+        </a:xfrm>
+      </p:grpSpPr>
+      <p:sp>
+        <p:nvSpPr>
+          <p:cNvPr id="2" name="Slide Image Placeholder 1"/>
+          <p:cNvSpPr>
+            <a:spLocks noGrp="1" noRot="1" noChangeAspect="1"/>
+          </p:cNvSpPr>
+          <p:nvPr>
+            <p:ph type="sldImg"/>
+          </p:nvPr>
+        </p:nvSpPr>
+        <p:spPr/>
+      </p:sp>
+      <p:sp>
+        <p:nvSpPr>
+          <p:cNvPr id="3" name="Notes Placeholder 2"/>
+          <p:cNvSpPr>
+            <a:spLocks noGrp="1"/>
+          </p:cNvSpPr>
+          <p:nvPr>
+            <p:ph type="body" idx="1"/>
+          </p:nvPr>
+        </p:nvSpPr>
+        <p:spPr/>
+        <p:txBody>
+          <a:bodyPr/>
+          <a:lstStyle/>
+          <a:p>
+            <a:pPr marL="241584" indent="-241584">
+              <a:buAutoNum type="arabicPeriod"/>
+            </a:pPr>
+            <a:r>
+              <a:rPr lang="en-GB" dirty="0"/>
+              <a:t>Too often</a:t>
+            </a:r>
+            <a:r>
+              <a:rPr lang="en-GB" baseline="0" dirty="0"/>
+              <a:t> due to time pressures or the lack of capacity or capability, we lift and shift rather than use the enhanced features and resources that cloud platforms afford us.  The more you build the more you have to work.  A lot more maintenance is needed for a website that is built on a cloud VM than if using a native application (</a:t>
+            </a:r>
+            <a:r>
+              <a:rPr lang="en-GB" baseline="0" dirty="0" err="1"/>
+              <a:t>WebApp</a:t>
+            </a:r>
+            <a:r>
+              <a:rPr lang="en-GB" baseline="0" dirty="0"/>
+              <a:t>).  The cloud is more than just another data centre to support and maintain.  If you don’t use the benefits of the Cloud, you will be creating technical debt that will, in all likelihood, outlive your role.  Capitalise on data storage resources instead of a database server.  Use bastion resources instead of creating yet another VM as a </a:t>
+            </a:r>
+            <a:r>
+              <a:rPr lang="en-GB" baseline="0" dirty="0" err="1"/>
+              <a:t>jumpbox</a:t>
+            </a:r>
+            <a:r>
+              <a:rPr lang="en-GB" baseline="0" dirty="0"/>
+              <a:t>.  </a:t>
+            </a:r>
+          </a:p>
+          <a:p>
+            <a:pPr marL="241584" indent="-241584">
+              <a:buAutoNum type="arabicPeriod"/>
+            </a:pPr>
+            <a:r>
+              <a:rPr lang="en-GB" baseline="0" dirty="0"/>
+              <a:t>Code reviews, unit testing, integration testing, continuous monitoring, all these CAN be automated by investing in tooling … there are many companies here today that will gladly help you.  We can aim to automate everything, but we have to be realistic.  Not everything can, or will be automated.  For those manual processes that remain, spend time reviewing the process and make it as secure as you can.  Too often I build processes that are so complex that only a few people understand them (which opens a bigger can of worms), or deployment pipelines that stop in the middle to allow some manual manipulation.</a:t>
+            </a:r>
+          </a:p>
+          <a:p>
+            <a:pPr marL="241584" indent="-241584">
+              <a:buAutoNum type="arabicPeriod"/>
+            </a:pPr>
+            <a:r>
+              <a:rPr lang="en-GB" baseline="0" dirty="0"/>
+              <a:t>Policies are the guardrails that protect us from ourselves.  Use the to create a safe area for developers to work in.</a:t>
+            </a:r>
+          </a:p>
+          <a:p>
+            <a:pPr marL="241584" indent="-241584">
+              <a:buAutoNum type="arabicPeriod"/>
+            </a:pPr>
+            <a:r>
+              <a:rPr lang="en-GB" baseline="0" dirty="0"/>
+              <a:t>Having compliance statistics available isn’t the end of the story.  Use this data to praise the good, and highlight the bad.  </a:t>
+            </a:r>
+          </a:p>
+          <a:p>
+            <a:pPr marL="241584" indent="-241584">
+              <a:buAutoNum type="arabicPeriod"/>
+            </a:pPr>
+            <a:r>
+              <a:rPr lang="en-GB" baseline="0" dirty="0"/>
+              <a:t>Please, go out and support the companies here today, but no amount of budget spending on the newest, shiniest tools will fix all your problems.  Remember that companies grow great through a combination of People, Process, and Technology.  Create a culture of support, openness, and learning to retain the best staff.  Define processes to enable work to flow and establish clear lines of feedback to help improvement.  And, yes, invest in tooling.  Tooling will support your processes, and help your staff be more efficient.  </a:t>
+            </a:r>
+            <a:endParaRPr lang="en-GB" dirty="0"/>
+          </a:p>
+          <a:p>
+            <a:endParaRPr lang="en-GB" dirty="0"/>
+          </a:p>
+        </p:txBody>
+      </p:sp>
+      <p:sp>
+        <p:nvSpPr>
+          <p:cNvPr id="4" name="Slide Number Placeholder 3"/>
+          <p:cNvSpPr>
+            <a:spLocks noGrp="1"/>
+          </p:cNvSpPr>
+          <p:nvPr>
+            <p:ph type="sldNum" sz="quarter" idx="10"/>
+          </p:nvPr>
+        </p:nvSpPr>
+        <p:spPr/>
+        <p:txBody>
+          <a:bodyPr/>
+          <a:lstStyle/>
+          <a:p>
+            <a:fld id="{2F5E53B0-EFB7-4B0E-B012-E676534541B5}" type="slidenum">
+              <a:rPr lang="en-GB" smtClean="0"/>
+              <a:t>14</a:t>
+            </a:fld>
+            <a:endParaRPr lang="en-GB"/>
+          </a:p>
+        </p:txBody>
+      </p:sp>
+    </p:spTree>
+    <p:extLst>
+      <p:ext uri="{BB962C8B-B14F-4D97-AF65-F5344CB8AC3E}">
+        <p14:creationId xmlns:p14="http://schemas.microsoft.com/office/powerpoint/2010/main" val="3122189989"/>
+      </p:ext>
+    </p:extLst>
+  </p:cSld>
+  <p:clrMapOvr>
+    <a:masterClrMapping/>
+  </p:clrMapOvr>
+</p:notes>
+</file>
+
+<file path=ppt/notesSlides/notesSlide15.xml><?xml version="1.0" encoding="utf-8"?>
+<p:notes xmlns:a="http://schemas.openxmlformats.org/drawingml/2006/main" xmlns:r="http://schemas.openxmlformats.org/officeDocument/2006/relationships" xmlns:p="http://schemas.openxmlformats.org/presentationml/2006/main">
+  <p:cSld>
+    <p:spTree>
+      <p:nvGrpSpPr>
+        <p:cNvPr id="1" name=""/>
+        <p:cNvGrpSpPr/>
+        <p:nvPr/>
+      </p:nvGrpSpPr>
+      <p:grpSpPr>
+        <a:xfrm>
+          <a:off x="0" y="0"/>
+          <a:ext cx="0" cy="0"/>
+          <a:chOff x="0" y="0"/>
+          <a:chExt cx="0" cy="0"/>
+        </a:xfrm>
+      </p:grpSpPr>
+      <p:sp>
+        <p:nvSpPr>
+          <p:cNvPr id="2" name="Slide Image Placeholder 1"/>
+          <p:cNvSpPr>
+            <a:spLocks noGrp="1" noRot="1" noChangeAspect="1"/>
+          </p:cNvSpPr>
+          <p:nvPr>
+            <p:ph type="sldImg"/>
+          </p:nvPr>
+        </p:nvSpPr>
+        <p:spPr/>
+      </p:sp>
+      <p:sp>
+        <p:nvSpPr>
+          <p:cNvPr id="3" name="Notes Placeholder 2"/>
+          <p:cNvSpPr>
+            <a:spLocks noGrp="1"/>
+          </p:cNvSpPr>
+          <p:nvPr>
+            <p:ph type="body" idx="1"/>
+          </p:nvPr>
+        </p:nvSpPr>
+        <p:spPr/>
+        <p:txBody>
+          <a:bodyPr/>
+          <a:lstStyle/>
+          <a:p>
+            <a:r>
               <a:rPr lang="en-GB" b="0" i="0" dirty="0">
                 <a:effectLst/>
                 <a:latin typeface="-apple-system"/>
               </a:rPr>
               <a:t>Hot on the heels of Okta's source code breach, in December we had Slack experiencing a threat actor accessing their repositories using stolen (valid) tokens.</a:t>
             </a:r>
-            <a:r>
-              <a:rPr lang="en-GB" dirty="0"/>
-              <a:t/>
-            </a:r>
             <a:br>
               <a:rPr lang="en-GB" dirty="0"/>
             </a:br>
-            <a:r>
-              <a:rPr lang="en-GB" dirty="0"/>
-              <a:t/>
-            </a:r>
             <a:br>
               <a:rPr lang="en-GB" dirty="0"/>
             </a:br>
@@ -1111,17 +1538,9 @@
               </a:rPr>
               <a:t>Access tokens are an invaluable capability of working with remote services, including GitHub, but as always WE have to be careful as they can expose great power.</a:t>
             </a:r>
-            <a:r>
-              <a:rPr lang="en-GB" dirty="0"/>
-              <a:t/>
-            </a:r>
             <a:br>
               <a:rPr lang="en-GB" dirty="0"/>
             </a:br>
-            <a:r>
-              <a:rPr lang="en-GB" dirty="0"/>
-              <a:t/>
-            </a:r>
             <a:br>
               <a:rPr lang="en-GB" dirty="0"/>
             </a:br>
@@ -1132,10 +1551,6 @@
               </a:rPr>
               <a:t>Simple GitHub access token advice:</a:t>
             </a:r>
-            <a:r>
-              <a:rPr lang="en-GB" dirty="0"/>
-              <a:t/>
-            </a:r>
             <a:br>
               <a:rPr lang="en-GB" dirty="0"/>
             </a:br>
@@ -1146,10 +1561,6 @@
               </a:rPr>
               <a:t>- store tokens securely (always the first bit of advice in this type of post... don't write them down!)</a:t>
             </a:r>
-            <a:r>
-              <a:rPr lang="en-GB" dirty="0"/>
-              <a:t/>
-            </a:r>
             <a:br>
               <a:rPr lang="en-GB" dirty="0"/>
             </a:br>
@@ -1160,10 +1571,6 @@
               </a:rPr>
               <a:t>- use fine grained access tokens to enforce the principal of least privilege</a:t>
             </a:r>
-            <a:r>
-              <a:rPr lang="en-GB" dirty="0"/>
-              <a:t/>
-            </a:r>
             <a:br>
               <a:rPr lang="en-GB" dirty="0"/>
             </a:br>
@@ -1174,10 +1581,6 @@
               </a:rPr>
               <a:t>- create and enforce an expiration policy; the longer they exist, the more damage can be done</a:t>
             </a:r>
-            <a:r>
-              <a:rPr lang="en-GB" dirty="0"/>
-              <a:t/>
-            </a:r>
             <a:br>
               <a:rPr lang="en-GB" dirty="0"/>
             </a:br>
@@ -1188,9 +1591,172 @@
               </a:rPr>
               <a:t>- tokens don't just give access to code, they can allow access to Actions, so check their capabilities</a:t>
             </a:r>
-            <a:r>
+            <a:br>
               <a:rPr lang="en-GB" dirty="0"/>
-              <a:t/>
+            </a:br>
+            <a:r>
+              <a:rPr lang="en-GB" b="0" i="0" dirty="0">
+                <a:effectLst/>
+                <a:latin typeface="-apple-system"/>
+              </a:rPr>
+              <a:t>- and finally, understand why the token is needed; not every user or app needs access to repos.</a:t>
+            </a:r>
+            <a:endParaRPr lang="en-GB" dirty="0"/>
+          </a:p>
+        </p:txBody>
+      </p:sp>
+      <p:sp>
+        <p:nvSpPr>
+          <p:cNvPr id="4" name="Slide Number Placeholder 3"/>
+          <p:cNvSpPr>
+            <a:spLocks noGrp="1"/>
+          </p:cNvSpPr>
+          <p:nvPr>
+            <p:ph type="sldNum" sz="quarter" idx="10"/>
+          </p:nvPr>
+        </p:nvSpPr>
+        <p:spPr/>
+        <p:txBody>
+          <a:bodyPr/>
+          <a:lstStyle/>
+          <a:p>
+            <a:fld id="{2F5E53B0-EFB7-4B0E-B012-E676534541B5}" type="slidenum">
+              <a:rPr lang="en-GB" smtClean="0"/>
+              <a:t>16</a:t>
+            </a:fld>
+            <a:endParaRPr lang="en-GB"/>
+          </a:p>
+        </p:txBody>
+      </p:sp>
+    </p:spTree>
+    <p:extLst>
+      <p:ext uri="{BB962C8B-B14F-4D97-AF65-F5344CB8AC3E}">
+        <p14:creationId xmlns:p14="http://schemas.microsoft.com/office/powerpoint/2010/main" val="698011532"/>
+      </p:ext>
+    </p:extLst>
+  </p:cSld>
+  <p:clrMapOvr>
+    <a:masterClrMapping/>
+  </p:clrMapOvr>
+</p:notes>
+</file>
+
+<file path=ppt/notesSlides/notesSlide16.xml><?xml version="1.0" encoding="utf-8"?>
+<p:notes xmlns:a="http://schemas.openxmlformats.org/drawingml/2006/main" xmlns:r="http://schemas.openxmlformats.org/officeDocument/2006/relationships" xmlns:p="http://schemas.openxmlformats.org/presentationml/2006/main">
+  <p:cSld>
+    <p:spTree>
+      <p:nvGrpSpPr>
+        <p:cNvPr id="1" name=""/>
+        <p:cNvGrpSpPr/>
+        <p:nvPr/>
+      </p:nvGrpSpPr>
+      <p:grpSpPr>
+        <a:xfrm>
+          <a:off x="0" y="0"/>
+          <a:ext cx="0" cy="0"/>
+          <a:chOff x="0" y="0"/>
+          <a:chExt cx="0" cy="0"/>
+        </a:xfrm>
+      </p:grpSpPr>
+      <p:sp>
+        <p:nvSpPr>
+          <p:cNvPr id="2" name="Slide Image Placeholder 1"/>
+          <p:cNvSpPr>
+            <a:spLocks noGrp="1" noRot="1" noChangeAspect="1"/>
+          </p:cNvSpPr>
+          <p:nvPr>
+            <p:ph type="sldImg"/>
+          </p:nvPr>
+        </p:nvSpPr>
+        <p:spPr/>
+      </p:sp>
+      <p:sp>
+        <p:nvSpPr>
+          <p:cNvPr id="3" name="Notes Placeholder 2"/>
+          <p:cNvSpPr>
+            <a:spLocks noGrp="1"/>
+          </p:cNvSpPr>
+          <p:nvPr>
+            <p:ph type="body" idx="1"/>
+          </p:nvPr>
+        </p:nvSpPr>
+        <p:spPr/>
+        <p:txBody>
+          <a:bodyPr/>
+          <a:lstStyle/>
+          <a:p>
+            <a:r>
+              <a:rPr lang="en-GB" b="0" i="0" dirty="0">
+                <a:effectLst/>
+                <a:latin typeface="-apple-system"/>
+              </a:rPr>
+              <a:t>Hot on the heels of Okta's source code breach, in December we had Slack experiencing a threat actor accessing their repositories using stolen (valid) tokens.</a:t>
+            </a:r>
+            <a:br>
+              <a:rPr lang="en-GB" dirty="0"/>
+            </a:br>
+            <a:br>
+              <a:rPr lang="en-GB" dirty="0"/>
+            </a:br>
+            <a:r>
+              <a:rPr lang="en-GB" b="0" i="0" dirty="0">
+                <a:effectLst/>
+                <a:latin typeface="-apple-system"/>
+              </a:rPr>
+              <a:t>Access tokens are an invaluable capability of working with remote services, including GitHub, but as always WE have to be careful as they can expose great power.</a:t>
+            </a:r>
+            <a:br>
+              <a:rPr lang="en-GB" dirty="0"/>
+            </a:br>
+            <a:br>
+              <a:rPr lang="en-GB" dirty="0"/>
+            </a:br>
+            <a:r>
+              <a:rPr lang="en-GB" b="0" i="0" dirty="0">
+                <a:effectLst/>
+                <a:latin typeface="-apple-system"/>
+              </a:rPr>
+              <a:t>Simple GitHub access token advice:</a:t>
+            </a:r>
+            <a:br>
+              <a:rPr lang="en-GB" dirty="0"/>
+            </a:br>
+            <a:r>
+              <a:rPr lang="en-GB" b="0" i="0" dirty="0">
+                <a:effectLst/>
+                <a:latin typeface="-apple-system"/>
+              </a:rPr>
+              <a:t>- store tokens securely (always the first bit of advice in this type of post... don't write them down!)</a:t>
+            </a:r>
+            <a:br>
+              <a:rPr lang="en-GB" dirty="0"/>
+            </a:br>
+            <a:r>
+              <a:rPr lang="en-GB" b="0" i="0" dirty="0">
+                <a:effectLst/>
+                <a:latin typeface="-apple-system"/>
+              </a:rPr>
+              <a:t>- use fine grained access tokens to enforce the principal of least privilege</a:t>
+            </a:r>
+            <a:br>
+              <a:rPr lang="en-GB" dirty="0"/>
+            </a:br>
+            <a:r>
+              <a:rPr lang="en-GB" b="0" i="0" dirty="0">
+                <a:effectLst/>
+                <a:latin typeface="-apple-system"/>
+              </a:rPr>
+              <a:t>- create and enforce an expiration policy; the longer they exist, the more damage can be done</a:t>
+            </a:r>
+            <a:br>
+              <a:rPr lang="en-GB" dirty="0"/>
+            </a:br>
+            <a:r>
+              <a:rPr lang="en-GB" b="0" i="0" dirty="0">
+                <a:effectLst/>
+                <a:latin typeface="-apple-system"/>
+              </a:rPr>
+              <a:t>- tokens don't just give access to code, they can allow access to Actions, so check their capabilities</a:t>
             </a:r>
             <a:br>
               <a:rPr lang="en-GB" dirty="0"/>
@@ -1270,7 +1836,7 @@
                 <a:tabLst/>
                 <a:defRPr/>
               </a:pPr>
-              <a:t>12</a:t>
+              <a:t>17</a:t>
             </a:fld>
             <a:endParaRPr kumimoji="0" lang="en-GB" sz="1200" b="0" i="0" u="none" strike="noStrike" kern="1200" cap="none" spc="0" normalizeH="0" baseline="0" noProof="0">
               <a:ln>
@@ -1293,815 +1859,6 @@
     <p:extLst>
       <p:ext uri="{BB962C8B-B14F-4D97-AF65-F5344CB8AC3E}">
         <p14:creationId xmlns:p14="http://schemas.microsoft.com/office/powerpoint/2010/main" val="1742128816"/>
-      </p:ext>
-    </p:extLst>
-  </p:cSld>
-  <p:clrMapOvr>
-    <a:masterClrMapping/>
-  </p:clrMapOvr>
-</p:notes>
-</file>
-
-<file path=ppt/notesSlides/notesSlide13.xml><?xml version="1.0" encoding="utf-8"?>
-<p:notes xmlns:a="http://schemas.openxmlformats.org/drawingml/2006/main" xmlns:r="http://schemas.openxmlformats.org/officeDocument/2006/relationships" xmlns:p="http://schemas.openxmlformats.org/presentationml/2006/main">
-  <p:cSld>
-    <p:spTree>
-      <p:nvGrpSpPr>
-        <p:cNvPr id="1" name=""/>
-        <p:cNvGrpSpPr/>
-        <p:nvPr/>
-      </p:nvGrpSpPr>
-      <p:grpSpPr>
-        <a:xfrm>
-          <a:off x="0" y="0"/>
-          <a:ext cx="0" cy="0"/>
-          <a:chOff x="0" y="0"/>
-          <a:chExt cx="0" cy="0"/>
-        </a:xfrm>
-      </p:grpSpPr>
-      <p:sp>
-        <p:nvSpPr>
-          <p:cNvPr id="2" name="Slide Image Placeholder 1"/>
-          <p:cNvSpPr>
-            <a:spLocks noGrp="1" noRot="1" noChangeAspect="1"/>
-          </p:cNvSpPr>
-          <p:nvPr>
-            <p:ph type="sldImg"/>
-          </p:nvPr>
-        </p:nvSpPr>
-        <p:spPr/>
-      </p:sp>
-      <p:sp>
-        <p:nvSpPr>
-          <p:cNvPr id="3" name="Notes Placeholder 2"/>
-          <p:cNvSpPr>
-            <a:spLocks noGrp="1"/>
-          </p:cNvSpPr>
-          <p:nvPr>
-            <p:ph type="body" idx="1"/>
-          </p:nvPr>
-        </p:nvSpPr>
-        <p:spPr/>
-        <p:txBody>
-          <a:bodyPr/>
-          <a:lstStyle/>
-          <a:p>
-            <a:r>
-              <a:rPr lang="en-GB" baseline="0" dirty="0" smtClean="0"/>
-              <a:t>Google - borehole - fallout shelter</a:t>
-            </a:r>
-          </a:p>
-          <a:p>
-            <a:endParaRPr lang="en-GB" baseline="0" dirty="0" smtClean="0"/>
-          </a:p>
-          <a:p>
-            <a:r>
-              <a:rPr lang="en-GB" baseline="0" dirty="0" smtClean="0"/>
-              <a:t>Anti-best practice slides – don’t read</a:t>
-            </a:r>
-          </a:p>
-          <a:p>
-            <a:endParaRPr lang="en-GB" baseline="0" dirty="0" smtClean="0"/>
-          </a:p>
-          <a:p>
-            <a:r>
-              <a:rPr lang="en-GB" baseline="0" dirty="0" smtClean="0"/>
-              <a:t>Rush out and buy tools - we need people, processes, and technology.</a:t>
-            </a:r>
-          </a:p>
-          <a:p>
-            <a:endParaRPr lang="en-GB" baseline="0" dirty="0" smtClean="0"/>
-          </a:p>
-          <a:p>
-            <a:r>
-              <a:rPr lang="en-GB" baseline="0" dirty="0" smtClean="0"/>
-              <a:t>There are a lot of options!</a:t>
-            </a:r>
-            <a:endParaRPr lang="en-GB" dirty="0"/>
-          </a:p>
-        </p:txBody>
-      </p:sp>
-      <p:sp>
-        <p:nvSpPr>
-          <p:cNvPr id="4" name="Slide Number Placeholder 3"/>
-          <p:cNvSpPr>
-            <a:spLocks noGrp="1"/>
-          </p:cNvSpPr>
-          <p:nvPr>
-            <p:ph type="sldNum" sz="quarter" idx="10"/>
-          </p:nvPr>
-        </p:nvSpPr>
-        <p:spPr/>
-        <p:txBody>
-          <a:bodyPr/>
-          <a:lstStyle/>
-          <a:p>
-            <a:fld id="{2F5E53B0-EFB7-4B0E-B012-E676534541B5}" type="slidenum">
-              <a:rPr lang="en-GB" smtClean="0"/>
-              <a:t>13</a:t>
-            </a:fld>
-            <a:endParaRPr lang="en-GB"/>
-          </a:p>
-        </p:txBody>
-      </p:sp>
-    </p:spTree>
-    <p:extLst>
-      <p:ext uri="{BB962C8B-B14F-4D97-AF65-F5344CB8AC3E}">
-        <p14:creationId xmlns:p14="http://schemas.microsoft.com/office/powerpoint/2010/main" val="175091190"/>
-      </p:ext>
-    </p:extLst>
-  </p:cSld>
-  <p:clrMapOvr>
-    <a:masterClrMapping/>
-  </p:clrMapOvr>
-</p:notes>
-</file>
-
-<file path=ppt/notesSlides/notesSlide14.xml><?xml version="1.0" encoding="utf-8"?>
-<p:notes xmlns:a="http://schemas.openxmlformats.org/drawingml/2006/main" xmlns:r="http://schemas.openxmlformats.org/officeDocument/2006/relationships" xmlns:p="http://schemas.openxmlformats.org/presentationml/2006/main">
-  <p:cSld>
-    <p:spTree>
-      <p:nvGrpSpPr>
-        <p:cNvPr id="1" name=""/>
-        <p:cNvGrpSpPr/>
-        <p:nvPr/>
-      </p:nvGrpSpPr>
-      <p:grpSpPr>
-        <a:xfrm>
-          <a:off x="0" y="0"/>
-          <a:ext cx="0" cy="0"/>
-          <a:chOff x="0" y="0"/>
-          <a:chExt cx="0" cy="0"/>
-        </a:xfrm>
-      </p:grpSpPr>
-      <p:sp>
-        <p:nvSpPr>
-          <p:cNvPr id="2" name="Slide Image Placeholder 1"/>
-          <p:cNvSpPr>
-            <a:spLocks noGrp="1" noRot="1" noChangeAspect="1"/>
-          </p:cNvSpPr>
-          <p:nvPr>
-            <p:ph type="sldImg"/>
-          </p:nvPr>
-        </p:nvSpPr>
-        <p:spPr/>
-      </p:sp>
-      <p:sp>
-        <p:nvSpPr>
-          <p:cNvPr id="3" name="Notes Placeholder 2"/>
-          <p:cNvSpPr>
-            <a:spLocks noGrp="1"/>
-          </p:cNvSpPr>
-          <p:nvPr>
-            <p:ph type="body" idx="1"/>
-          </p:nvPr>
-        </p:nvSpPr>
-        <p:spPr/>
-        <p:txBody>
-          <a:bodyPr/>
-          <a:lstStyle/>
-          <a:p>
-            <a:r>
-              <a:rPr lang="en-GB" baseline="0" dirty="0" smtClean="0"/>
-              <a:t>Leads to another problem – overwhelming</a:t>
-            </a:r>
-          </a:p>
-          <a:p>
-            <a:endParaRPr lang="en-GB" baseline="0" dirty="0" smtClean="0"/>
-          </a:p>
-          <a:p>
-            <a:r>
-              <a:rPr lang="en-GB" baseline="0" dirty="0" smtClean="0"/>
-              <a:t>Start small and build. Cloud Transformation - bake-in security</a:t>
-            </a:r>
-          </a:p>
-          <a:p>
-            <a:endParaRPr lang="en-GB" baseline="0" dirty="0" smtClean="0"/>
-          </a:p>
-          <a:p>
-            <a:r>
-              <a:rPr lang="en-GB" baseline="0" dirty="0" smtClean="0"/>
-              <a:t>Tools and processes – </a:t>
-            </a:r>
-            <a:r>
-              <a:rPr lang="en-GB" baseline="0" dirty="0" err="1" smtClean="0"/>
-              <a:t>IaC</a:t>
-            </a:r>
-            <a:endParaRPr lang="en-GB" baseline="0" dirty="0" smtClean="0"/>
-          </a:p>
-          <a:p>
-            <a:endParaRPr lang="en-GB" baseline="0" dirty="0" smtClean="0"/>
-          </a:p>
-          <a:p>
-            <a:r>
-              <a:rPr lang="en-GB" baseline="0" dirty="0" smtClean="0"/>
-              <a:t>Use native resources in the Cloud.</a:t>
-            </a:r>
-          </a:p>
-          <a:p>
-            <a:endParaRPr lang="en-GB" baseline="0" dirty="0" smtClean="0"/>
-          </a:p>
-          <a:p>
-            <a:r>
-              <a:rPr lang="en-GB" baseline="0" dirty="0" smtClean="0"/>
-              <a:t>Setting policies - without limiting innovation.</a:t>
-            </a:r>
-          </a:p>
-          <a:p>
-            <a:endParaRPr lang="en-GB" baseline="0" dirty="0" smtClean="0"/>
-          </a:p>
-          <a:p>
-            <a:r>
-              <a:rPr lang="en-GB" baseline="0" dirty="0" smtClean="0"/>
-              <a:t>Enable secure, reliable, and repeatable deployments for our operational teams and the Business.</a:t>
-            </a:r>
-            <a:endParaRPr lang="en-GB" dirty="0"/>
-          </a:p>
-        </p:txBody>
-      </p:sp>
-      <p:sp>
-        <p:nvSpPr>
-          <p:cNvPr id="4" name="Slide Number Placeholder 3"/>
-          <p:cNvSpPr>
-            <a:spLocks noGrp="1"/>
-          </p:cNvSpPr>
-          <p:nvPr>
-            <p:ph type="sldNum" sz="quarter" idx="10"/>
-          </p:nvPr>
-        </p:nvSpPr>
-        <p:spPr/>
-        <p:txBody>
-          <a:bodyPr/>
-          <a:lstStyle/>
-          <a:p>
-            <a:fld id="{2F5E53B0-EFB7-4B0E-B012-E676534541B5}" type="slidenum">
-              <a:rPr lang="en-GB" smtClean="0"/>
-              <a:t>14</a:t>
-            </a:fld>
-            <a:endParaRPr lang="en-GB"/>
-          </a:p>
-        </p:txBody>
-      </p:sp>
-    </p:spTree>
-    <p:extLst>
-      <p:ext uri="{BB962C8B-B14F-4D97-AF65-F5344CB8AC3E}">
-        <p14:creationId xmlns:p14="http://schemas.microsoft.com/office/powerpoint/2010/main" val="2662555705"/>
-      </p:ext>
-    </p:extLst>
-  </p:cSld>
-  <p:clrMapOvr>
-    <a:masterClrMapping/>
-  </p:clrMapOvr>
-</p:notes>
-</file>
-
-<file path=ppt/notesSlides/notesSlide15.xml><?xml version="1.0" encoding="utf-8"?>
-<p:notes xmlns:a="http://schemas.openxmlformats.org/drawingml/2006/main" xmlns:r="http://schemas.openxmlformats.org/officeDocument/2006/relationships" xmlns:p="http://schemas.openxmlformats.org/presentationml/2006/main">
-  <p:cSld>
-    <p:spTree>
-      <p:nvGrpSpPr>
-        <p:cNvPr id="1" name=""/>
-        <p:cNvGrpSpPr/>
-        <p:nvPr/>
-      </p:nvGrpSpPr>
-      <p:grpSpPr>
-        <a:xfrm>
-          <a:off x="0" y="0"/>
-          <a:ext cx="0" cy="0"/>
-          <a:chOff x="0" y="0"/>
-          <a:chExt cx="0" cy="0"/>
-        </a:xfrm>
-      </p:grpSpPr>
-      <p:sp>
-        <p:nvSpPr>
-          <p:cNvPr id="2" name="Slide Image Placeholder 1"/>
-          <p:cNvSpPr>
-            <a:spLocks noGrp="1" noRot="1" noChangeAspect="1"/>
-          </p:cNvSpPr>
-          <p:nvPr>
-            <p:ph type="sldImg"/>
-          </p:nvPr>
-        </p:nvSpPr>
-        <p:spPr/>
-      </p:sp>
-      <p:sp>
-        <p:nvSpPr>
-          <p:cNvPr id="3" name="Notes Placeholder 2"/>
-          <p:cNvSpPr>
-            <a:spLocks noGrp="1"/>
-          </p:cNvSpPr>
-          <p:nvPr>
-            <p:ph type="body" idx="1"/>
-          </p:nvPr>
-        </p:nvSpPr>
-        <p:spPr/>
-        <p:txBody>
-          <a:bodyPr/>
-          <a:lstStyle/>
-          <a:p>
-            <a:r>
-              <a:rPr lang="en-GB" b="0" i="0" dirty="0">
-                <a:effectLst/>
-                <a:latin typeface="-apple-system"/>
-              </a:rPr>
-              <a:t>Hot on the heels of Okta's source code breach, in December we had Slack experiencing a threat actor accessing their repositories using stolen (valid) tokens.</a:t>
-            </a:r>
-            <a:r>
-              <a:rPr lang="en-GB" dirty="0"/>
-              <a:t/>
-            </a:r>
-            <a:br>
-              <a:rPr lang="en-GB" dirty="0"/>
-            </a:br>
-            <a:r>
-              <a:rPr lang="en-GB" dirty="0"/>
-              <a:t/>
-            </a:r>
-            <a:br>
-              <a:rPr lang="en-GB" dirty="0"/>
-            </a:br>
-            <a:r>
-              <a:rPr lang="en-GB" b="0" i="0" dirty="0">
-                <a:effectLst/>
-                <a:latin typeface="-apple-system"/>
-              </a:rPr>
-              <a:t>Access tokens are an invaluable capability of working with remote services, including GitHub, but as always WE have to be careful as they can expose great power.</a:t>
-            </a:r>
-            <a:r>
-              <a:rPr lang="en-GB" dirty="0"/>
-              <a:t/>
-            </a:r>
-            <a:br>
-              <a:rPr lang="en-GB" dirty="0"/>
-            </a:br>
-            <a:r>
-              <a:rPr lang="en-GB" dirty="0"/>
-              <a:t/>
-            </a:r>
-            <a:br>
-              <a:rPr lang="en-GB" dirty="0"/>
-            </a:br>
-            <a:r>
-              <a:rPr lang="en-GB" b="0" i="0" dirty="0">
-                <a:effectLst/>
-                <a:latin typeface="-apple-system"/>
-              </a:rPr>
-              <a:t>Simple GitHub access token advice:</a:t>
-            </a:r>
-            <a:r>
-              <a:rPr lang="en-GB" dirty="0"/>
-              <a:t/>
-            </a:r>
-            <a:br>
-              <a:rPr lang="en-GB" dirty="0"/>
-            </a:br>
-            <a:r>
-              <a:rPr lang="en-GB" b="0" i="0" dirty="0">
-                <a:effectLst/>
-                <a:latin typeface="-apple-system"/>
-              </a:rPr>
-              <a:t>- store tokens securely (always the first bit of advice in this type of post... don't write them down!)</a:t>
-            </a:r>
-            <a:r>
-              <a:rPr lang="en-GB" dirty="0"/>
-              <a:t/>
-            </a:r>
-            <a:br>
-              <a:rPr lang="en-GB" dirty="0"/>
-            </a:br>
-            <a:r>
-              <a:rPr lang="en-GB" b="0" i="0" dirty="0">
-                <a:effectLst/>
-                <a:latin typeface="-apple-system"/>
-              </a:rPr>
-              <a:t>- use fine grained access tokens to enforce the principal of least privilege</a:t>
-            </a:r>
-            <a:r>
-              <a:rPr lang="en-GB" dirty="0"/>
-              <a:t/>
-            </a:r>
-            <a:br>
-              <a:rPr lang="en-GB" dirty="0"/>
-            </a:br>
-            <a:r>
-              <a:rPr lang="en-GB" b="0" i="0" dirty="0">
-                <a:effectLst/>
-                <a:latin typeface="-apple-system"/>
-              </a:rPr>
-              <a:t>- create and enforce an expiration policy; the longer they exist, the more damage can be done</a:t>
-            </a:r>
-            <a:r>
-              <a:rPr lang="en-GB" dirty="0"/>
-              <a:t/>
-            </a:r>
-            <a:br>
-              <a:rPr lang="en-GB" dirty="0"/>
-            </a:br>
-            <a:r>
-              <a:rPr lang="en-GB" b="0" i="0" dirty="0">
-                <a:effectLst/>
-                <a:latin typeface="-apple-system"/>
-              </a:rPr>
-              <a:t>- tokens don't just give access to code, they can allow access to Actions, so check their capabilities</a:t>
-            </a:r>
-            <a:r>
-              <a:rPr lang="en-GB" dirty="0"/>
-              <a:t/>
-            </a:r>
-            <a:br>
-              <a:rPr lang="en-GB" dirty="0"/>
-            </a:br>
-            <a:r>
-              <a:rPr lang="en-GB" b="0" i="0" dirty="0">
-                <a:effectLst/>
-                <a:latin typeface="-apple-system"/>
-              </a:rPr>
-              <a:t>- and finally, understand why the token is needed; not every user or app needs access to repos.</a:t>
-            </a:r>
-            <a:endParaRPr lang="en-GB" dirty="0"/>
-          </a:p>
-        </p:txBody>
-      </p:sp>
-      <p:sp>
-        <p:nvSpPr>
-          <p:cNvPr id="4" name="Slide Number Placeholder 3"/>
-          <p:cNvSpPr>
-            <a:spLocks noGrp="1"/>
-          </p:cNvSpPr>
-          <p:nvPr>
-            <p:ph type="sldNum" sz="quarter" idx="10"/>
-          </p:nvPr>
-        </p:nvSpPr>
-        <p:spPr/>
-        <p:txBody>
-          <a:bodyPr/>
-          <a:lstStyle/>
-          <a:p>
-            <a:fld id="{2F5E53B0-EFB7-4B0E-B012-E676534541B5}" type="slidenum">
-              <a:rPr lang="en-GB" smtClean="0"/>
-              <a:t>15</a:t>
-            </a:fld>
-            <a:endParaRPr lang="en-GB"/>
-          </a:p>
-        </p:txBody>
-      </p:sp>
-    </p:spTree>
-    <p:extLst>
-      <p:ext uri="{BB962C8B-B14F-4D97-AF65-F5344CB8AC3E}">
-        <p14:creationId xmlns:p14="http://schemas.microsoft.com/office/powerpoint/2010/main" val="3254932877"/>
-      </p:ext>
-    </p:extLst>
-  </p:cSld>
-  <p:clrMapOvr>
-    <a:masterClrMapping/>
-  </p:clrMapOvr>
-</p:notes>
-</file>
-
-<file path=ppt/notesSlides/notesSlide16.xml><?xml version="1.0" encoding="utf-8"?>
-<p:notes xmlns:a="http://schemas.openxmlformats.org/drawingml/2006/main" xmlns:r="http://schemas.openxmlformats.org/officeDocument/2006/relationships" xmlns:p="http://schemas.openxmlformats.org/presentationml/2006/main">
-  <p:cSld>
-    <p:spTree>
-      <p:nvGrpSpPr>
-        <p:cNvPr id="1" name=""/>
-        <p:cNvGrpSpPr/>
-        <p:nvPr/>
-      </p:nvGrpSpPr>
-      <p:grpSpPr>
-        <a:xfrm>
-          <a:off x="0" y="0"/>
-          <a:ext cx="0" cy="0"/>
-          <a:chOff x="0" y="0"/>
-          <a:chExt cx="0" cy="0"/>
-        </a:xfrm>
-      </p:grpSpPr>
-      <p:sp>
-        <p:nvSpPr>
-          <p:cNvPr id="2" name="Slide Image Placeholder 1"/>
-          <p:cNvSpPr>
-            <a:spLocks noGrp="1" noRot="1" noChangeAspect="1"/>
-          </p:cNvSpPr>
-          <p:nvPr>
-            <p:ph type="sldImg"/>
-          </p:nvPr>
-        </p:nvSpPr>
-        <p:spPr/>
-      </p:sp>
-      <p:sp>
-        <p:nvSpPr>
-          <p:cNvPr id="3" name="Notes Placeholder 2"/>
-          <p:cNvSpPr>
-            <a:spLocks noGrp="1"/>
-          </p:cNvSpPr>
-          <p:nvPr>
-            <p:ph type="body" idx="1"/>
-          </p:nvPr>
-        </p:nvSpPr>
-        <p:spPr/>
-        <p:txBody>
-          <a:bodyPr/>
-          <a:lstStyle/>
-          <a:p>
-            <a:pPr marL="241584" indent="-241584">
-              <a:buAutoNum type="arabicPeriod"/>
-            </a:pPr>
-            <a:r>
-              <a:rPr lang="en-GB" dirty="0" smtClean="0"/>
-              <a:t>Too often</a:t>
-            </a:r>
-            <a:r>
-              <a:rPr lang="en-GB" baseline="0" dirty="0" smtClean="0"/>
-              <a:t> due to time pressures or the lack of capacity or capability, we lift and shift rather than use the enhanced features and resources that cloud platforms afford us.  The more you build the more you have to work.  A lot more maintenance is needed for a website that is built on a cloud VM than if using a native application (</a:t>
-            </a:r>
-            <a:r>
-              <a:rPr lang="en-GB" baseline="0" dirty="0" err="1" smtClean="0"/>
-              <a:t>WebApp</a:t>
-            </a:r>
-            <a:r>
-              <a:rPr lang="en-GB" baseline="0" dirty="0" smtClean="0"/>
-              <a:t>).  The cloud is more than just another data centre to support and maintain.  If you don’t use the benefits of the Cloud, you will be creating technical debt that will, in all likelihood, outlive your role.  Capitalise on data storage resources instead of a database server.  Use bastion resources instead of creating yet another VM as a </a:t>
-            </a:r>
-            <a:r>
-              <a:rPr lang="en-GB" baseline="0" dirty="0" err="1" smtClean="0"/>
-              <a:t>jumpbox</a:t>
-            </a:r>
-            <a:r>
-              <a:rPr lang="en-GB" baseline="0" dirty="0" smtClean="0"/>
-              <a:t>.  </a:t>
-            </a:r>
-          </a:p>
-          <a:p>
-            <a:pPr marL="241584" indent="-241584">
-              <a:buAutoNum type="arabicPeriod"/>
-            </a:pPr>
-            <a:r>
-              <a:rPr lang="en-GB" baseline="0" dirty="0" smtClean="0"/>
-              <a:t>Code reviews, unit testing, integration testing, continuous monitoring, all these CAN be automated by investing in tooling … there are many companies here today that will gladly help you.  We can aim to automate everything, but we have to be realistic.  Not everything can, or will be automated.  For those manual processes that remain, spend time reviewing the process and make it as secure as you can.  Too often I build processes that are so complex that only a few people understand them (which opens a bigger can of worms), or deployment pipelines that stop in the middle to allow some manual manipulation.</a:t>
-            </a:r>
-          </a:p>
-          <a:p>
-            <a:pPr marL="241584" indent="-241584">
-              <a:buAutoNum type="arabicPeriod"/>
-            </a:pPr>
-            <a:r>
-              <a:rPr lang="en-GB" baseline="0" dirty="0" smtClean="0"/>
-              <a:t>Policies are the guardrails that protect us from ourselves.  Use the to create a safe area for developers to work in.</a:t>
-            </a:r>
-          </a:p>
-          <a:p>
-            <a:pPr marL="241584" indent="-241584">
-              <a:buAutoNum type="arabicPeriod"/>
-            </a:pPr>
-            <a:r>
-              <a:rPr lang="en-GB" baseline="0" dirty="0" smtClean="0"/>
-              <a:t>Having compliance statistics available isn’t the end of the story.  Use this data to praise the good, and highlight the bad.  </a:t>
-            </a:r>
-          </a:p>
-          <a:p>
-            <a:pPr marL="241584" indent="-241584">
-              <a:buAutoNum type="arabicPeriod"/>
-            </a:pPr>
-            <a:r>
-              <a:rPr lang="en-GB" baseline="0" dirty="0" smtClean="0"/>
-              <a:t>Please, go out and support the companies here today, but no amount of budget spending on the newest, shiniest tools will fix all your problems.  Remember that companies grow great through a combination of People, Process, and Technology.  Create a culture of support, openness, and learning to retain the best staff.  Define processes to enable work to flow and establish clear lines of feedback to help improvement.  And, yes, invest in tooling.  Tooling will support your processes, and help your staff be more efficient.  </a:t>
-            </a:r>
-            <a:endParaRPr lang="en-GB" dirty="0" smtClean="0"/>
-          </a:p>
-          <a:p>
-            <a:endParaRPr lang="en-GB" dirty="0"/>
-          </a:p>
-        </p:txBody>
-      </p:sp>
-      <p:sp>
-        <p:nvSpPr>
-          <p:cNvPr id="4" name="Slide Number Placeholder 3"/>
-          <p:cNvSpPr>
-            <a:spLocks noGrp="1"/>
-          </p:cNvSpPr>
-          <p:nvPr>
-            <p:ph type="sldNum" sz="quarter" idx="10"/>
-          </p:nvPr>
-        </p:nvSpPr>
-        <p:spPr/>
-        <p:txBody>
-          <a:bodyPr/>
-          <a:lstStyle/>
-          <a:p>
-            <a:fld id="{2F5E53B0-EFB7-4B0E-B012-E676534541B5}" type="slidenum">
-              <a:rPr lang="en-GB" smtClean="0"/>
-              <a:t>16</a:t>
-            </a:fld>
-            <a:endParaRPr lang="en-GB"/>
-          </a:p>
-        </p:txBody>
-      </p:sp>
-    </p:spTree>
-    <p:extLst>
-      <p:ext uri="{BB962C8B-B14F-4D97-AF65-F5344CB8AC3E}">
-        <p14:creationId xmlns:p14="http://schemas.microsoft.com/office/powerpoint/2010/main" val="3122189989"/>
-      </p:ext>
-    </p:extLst>
-  </p:cSld>
-  <p:clrMapOvr>
-    <a:masterClrMapping/>
-  </p:clrMapOvr>
-</p:notes>
-</file>
-
-<file path=ppt/notesSlides/notesSlide17.xml><?xml version="1.0" encoding="utf-8"?>
-<p:notes xmlns:a="http://schemas.openxmlformats.org/drawingml/2006/main" xmlns:r="http://schemas.openxmlformats.org/officeDocument/2006/relationships" xmlns:p="http://schemas.openxmlformats.org/presentationml/2006/main">
-  <p:cSld>
-    <p:spTree>
-      <p:nvGrpSpPr>
-        <p:cNvPr id="1" name=""/>
-        <p:cNvGrpSpPr/>
-        <p:nvPr/>
-      </p:nvGrpSpPr>
-      <p:grpSpPr>
-        <a:xfrm>
-          <a:off x="0" y="0"/>
-          <a:ext cx="0" cy="0"/>
-          <a:chOff x="0" y="0"/>
-          <a:chExt cx="0" cy="0"/>
-        </a:xfrm>
-      </p:grpSpPr>
-      <p:sp>
-        <p:nvSpPr>
-          <p:cNvPr id="2" name="Slide Image Placeholder 1"/>
-          <p:cNvSpPr>
-            <a:spLocks noGrp="1" noRot="1" noChangeAspect="1"/>
-          </p:cNvSpPr>
-          <p:nvPr>
-            <p:ph type="sldImg"/>
-          </p:nvPr>
-        </p:nvSpPr>
-        <p:spPr/>
-      </p:sp>
-      <p:sp>
-        <p:nvSpPr>
-          <p:cNvPr id="3" name="Notes Placeholder 2"/>
-          <p:cNvSpPr>
-            <a:spLocks noGrp="1"/>
-          </p:cNvSpPr>
-          <p:nvPr>
-            <p:ph type="body" idx="1"/>
-          </p:nvPr>
-        </p:nvSpPr>
-        <p:spPr/>
-        <p:txBody>
-          <a:bodyPr/>
-          <a:lstStyle/>
-          <a:p>
-            <a:r>
-              <a:rPr lang="en-GB" b="0" i="0" dirty="0">
-                <a:effectLst/>
-                <a:latin typeface="-apple-system"/>
-              </a:rPr>
-              <a:t>Hot on the heels of Okta's source code breach, in December we had Slack experiencing a threat actor accessing their repositories using stolen (valid) tokens.</a:t>
-            </a:r>
-            <a:r>
-              <a:rPr lang="en-GB" dirty="0"/>
-              <a:t/>
-            </a:r>
-            <a:br>
-              <a:rPr lang="en-GB" dirty="0"/>
-            </a:br>
-            <a:r>
-              <a:rPr lang="en-GB" dirty="0"/>
-              <a:t/>
-            </a:r>
-            <a:br>
-              <a:rPr lang="en-GB" dirty="0"/>
-            </a:br>
-            <a:r>
-              <a:rPr lang="en-GB" b="0" i="0" dirty="0">
-                <a:effectLst/>
-                <a:latin typeface="-apple-system"/>
-              </a:rPr>
-              <a:t>Access tokens are an invaluable capability of working with remote services, including GitHub, but as always WE have to be careful as they can expose great power.</a:t>
-            </a:r>
-            <a:r>
-              <a:rPr lang="en-GB" dirty="0"/>
-              <a:t/>
-            </a:r>
-            <a:br>
-              <a:rPr lang="en-GB" dirty="0"/>
-            </a:br>
-            <a:r>
-              <a:rPr lang="en-GB" dirty="0"/>
-              <a:t/>
-            </a:r>
-            <a:br>
-              <a:rPr lang="en-GB" dirty="0"/>
-            </a:br>
-            <a:r>
-              <a:rPr lang="en-GB" b="0" i="0" dirty="0">
-                <a:effectLst/>
-                <a:latin typeface="-apple-system"/>
-              </a:rPr>
-              <a:t>Simple GitHub access token advice:</a:t>
-            </a:r>
-            <a:r>
-              <a:rPr lang="en-GB" dirty="0"/>
-              <a:t/>
-            </a:r>
-            <a:br>
-              <a:rPr lang="en-GB" dirty="0"/>
-            </a:br>
-            <a:r>
-              <a:rPr lang="en-GB" b="0" i="0" dirty="0">
-                <a:effectLst/>
-                <a:latin typeface="-apple-system"/>
-              </a:rPr>
-              <a:t>- store tokens securely (always the first bit of advice in this type of post... don't write them down!)</a:t>
-            </a:r>
-            <a:r>
-              <a:rPr lang="en-GB" dirty="0"/>
-              <a:t/>
-            </a:r>
-            <a:br>
-              <a:rPr lang="en-GB" dirty="0"/>
-            </a:br>
-            <a:r>
-              <a:rPr lang="en-GB" b="0" i="0" dirty="0">
-                <a:effectLst/>
-                <a:latin typeface="-apple-system"/>
-              </a:rPr>
-              <a:t>- use fine grained access tokens to enforce the principal of least privilege</a:t>
-            </a:r>
-            <a:r>
-              <a:rPr lang="en-GB" dirty="0"/>
-              <a:t/>
-            </a:r>
-            <a:br>
-              <a:rPr lang="en-GB" dirty="0"/>
-            </a:br>
-            <a:r>
-              <a:rPr lang="en-GB" b="0" i="0" dirty="0">
-                <a:effectLst/>
-                <a:latin typeface="-apple-system"/>
-              </a:rPr>
-              <a:t>- create and enforce an expiration policy; the longer they exist, the more damage can be done</a:t>
-            </a:r>
-            <a:r>
-              <a:rPr lang="en-GB" dirty="0"/>
-              <a:t/>
-            </a:r>
-            <a:br>
-              <a:rPr lang="en-GB" dirty="0"/>
-            </a:br>
-            <a:r>
-              <a:rPr lang="en-GB" b="0" i="0" dirty="0">
-                <a:effectLst/>
-                <a:latin typeface="-apple-system"/>
-              </a:rPr>
-              <a:t>- tokens don't just give access to code, they can allow access to Actions, so check their capabilities</a:t>
-            </a:r>
-            <a:r>
-              <a:rPr lang="en-GB" dirty="0"/>
-              <a:t/>
-            </a:r>
-            <a:br>
-              <a:rPr lang="en-GB" dirty="0"/>
-            </a:br>
-            <a:r>
-              <a:rPr lang="en-GB" b="0" i="0" dirty="0">
-                <a:effectLst/>
-                <a:latin typeface="-apple-system"/>
-              </a:rPr>
-              <a:t>- and finally, understand why the token is needed; not every user or app needs access to repos.</a:t>
-            </a:r>
-            <a:endParaRPr lang="en-GB" dirty="0"/>
-          </a:p>
-        </p:txBody>
-      </p:sp>
-      <p:sp>
-        <p:nvSpPr>
-          <p:cNvPr id="4" name="Slide Number Placeholder 3"/>
-          <p:cNvSpPr>
-            <a:spLocks noGrp="1"/>
-          </p:cNvSpPr>
-          <p:nvPr>
-            <p:ph type="sldNum" sz="quarter" idx="10"/>
-          </p:nvPr>
-        </p:nvSpPr>
-        <p:spPr/>
-        <p:txBody>
-          <a:bodyPr/>
-          <a:lstStyle/>
-          <a:p>
-            <a:fld id="{2F5E53B0-EFB7-4B0E-B012-E676534541B5}" type="slidenum">
-              <a:rPr lang="en-GB" smtClean="0"/>
-              <a:t>17</a:t>
-            </a:fld>
-            <a:endParaRPr lang="en-GB"/>
-          </a:p>
-        </p:txBody>
-      </p:sp>
-    </p:spTree>
-    <p:extLst>
-      <p:ext uri="{BB962C8B-B14F-4D97-AF65-F5344CB8AC3E}">
-        <p14:creationId xmlns:p14="http://schemas.microsoft.com/office/powerpoint/2010/main" val="698011532"/>
       </p:ext>
     </p:extLst>
   </p:cSld>
@@ -2537,18 +2294,10 @@
                   <a:schemeClr val="tx1"/>
                 </a:solidFill>
               </a:rPr>
-              <a:t>The payments landscape continues to change at a rapid pace, reflecting changes in the needs of households and companies, changes in technology, and an evolving regulatory landscape. The Bank has operated the Real-Time Gross Settlement (RTGS) system since its introduction in 1996. RTGS lies at the heart of every payment in the UK and on average settles over £720 billion on an average day; broadly equivalent to the UK’s GDP every three days. RTGS settled </a:t>
-            </a:r>
-            <a:r>
-              <a:rPr lang="en-GB" sz="700" dirty="0" smtClean="0">
-                <a:solidFill>
-                  <a:schemeClr val="tx1"/>
-                </a:solidFill>
-              </a:rPr>
-              <a:t>£</a:t>
-            </a:r>
-            <a:r>
-              <a:rPr lang="en-GB" sz="700" smtClean="0">
+              <a:t>The payments landscape continues to change at a rapid pace, reflecting changes in the needs of households and companies, changes in technology, and an evolving regulatory landscape. The Bank has operated the Real-Time Gross Settlement (RTGS) system since its introduction in 1996. RTGS lies at the heart of every payment in the UK and on average settles over £720 billion on an average day; broadly equivalent to the UK’s GDP every three days. RTGS settled £</a:t>
+            </a:r>
+            <a:r>
+              <a:rPr lang="en-GB" sz="700">
                 <a:solidFill>
                   <a:schemeClr val="tx1"/>
                 </a:solidFill>
@@ -2561,23 +2310,7 @@
                   <a:schemeClr val="tx1"/>
                 </a:solidFill>
               </a:rPr>
-              <a:t> on its peak value day (</a:t>
-            </a:r>
-            <a:r>
-              <a:rPr lang="en-GB" sz="700" dirty="0" smtClean="0">
-                <a:solidFill>
-                  <a:schemeClr val="tx1"/>
-                </a:solidFill>
-              </a:rPr>
-              <a:t>30 September </a:t>
-            </a:r>
-            <a:r>
-              <a:rPr lang="en-GB" sz="700" dirty="0">
-                <a:solidFill>
-                  <a:schemeClr val="tx1"/>
-                </a:solidFill>
-              </a:rPr>
-              <a:t>2022) in the period. Banks and other financial institutions use accounts in RTGS to settle money owed to each other through the UK’s payment systems. The successful management and operation of RTGS directly supports the Bank’s mission to promote the good of the people of the United Kingdom by maintaining monetary and financial stability. As well as providing settlement services, RTGS is also the mechanism through which the Bank implements monetary policy decisions and provides liquidity to the UK’s financial system</a:t>
+              <a:t> on its peak value day (30 September 2022) in the period. Banks and other financial institutions use accounts in RTGS to settle money owed to each other through the UK’s payment systems. The successful management and operation of RTGS directly supports the Bank’s mission to promote the good of the people of the United Kingdom by maintaining monetary and financial stability. As well as providing settlement services, RTGS is also the mechanism through which the Bank implements monetary policy decisions and provides liquidity to the UK’s financial system</a:t>
             </a:r>
           </a:p>
           <a:p>
@@ -2872,60 +2605,60 @@
           <a:lstStyle/>
           <a:p>
             <a:r>
-              <a:rPr lang="en-GB" dirty="0" smtClean="0"/>
+              <a:rPr lang="en-GB" dirty="0"/>
               <a:t>So, how</a:t>
             </a:r>
             <a:r>
-              <a:rPr lang="en-GB" baseline="0" dirty="0" smtClean="0"/>
+              <a:rPr lang="en-GB" baseline="0" dirty="0"/>
               <a:t> do we fix it, and where should Security live in the SDLC?  Well … everywhere.</a:t>
             </a:r>
           </a:p>
           <a:p>
             <a:r>
-              <a:rPr lang="en-GB" baseline="0" dirty="0" smtClean="0"/>
+              <a:rPr lang="en-GB" baseline="0" dirty="0"/>
               <a:t>Work must be done to create a culture of collaboration between development, operations, and security with engagement being established as the earliest stages of a project or change, and running throughout the lifecycle.</a:t>
             </a:r>
           </a:p>
           <a:p>
-            <a:endParaRPr lang="en-GB" baseline="0" dirty="0" smtClean="0"/>
-          </a:p>
-          <a:p>
-            <a:r>
-              <a:rPr lang="en-GB" baseline="0" dirty="0" smtClean="0"/>
+            <a:endParaRPr lang="en-GB" baseline="0" dirty="0"/>
+          </a:p>
+          <a:p>
+            <a:r>
+              <a:rPr lang="en-GB" baseline="0" dirty="0"/>
               <a:t>Too often Security, like testing, is an afterthought.  Problems are found too </a:t>
             </a:r>
             <a:r>
-              <a:rPr lang="en-GB" baseline="0" dirty="0" err="1" smtClean="0"/>
+              <a:rPr lang="en-GB" baseline="0" dirty="0" err="1"/>
               <a:t>lates</a:t>
             </a:r>
             <a:r>
-              <a:rPr lang="en-GB" baseline="0" dirty="0" smtClean="0"/>
+              <a:rPr lang="en-GB" baseline="0" dirty="0"/>
               <a:t> to be corrected in time, and the system moves forward, running at risk.  Here starts the technical debt spiral.  Promises of, “we’ll fix this later” are rarely delivered due to other pressures.</a:t>
             </a:r>
           </a:p>
           <a:p>
-            <a:endParaRPr lang="en-GB" baseline="0" dirty="0" smtClean="0"/>
-          </a:p>
-          <a:p>
-            <a:r>
-              <a:rPr lang="en-GB" baseline="0" dirty="0" smtClean="0"/>
+            <a:endParaRPr lang="en-GB" baseline="0" dirty="0"/>
+          </a:p>
+          <a:p>
+            <a:r>
+              <a:rPr lang="en-GB" baseline="0" dirty="0"/>
               <a:t>Add in Cloud to this situation and part of this debt could lead to a major compromise or data breach.</a:t>
             </a:r>
           </a:p>
           <a:p>
-            <a:endParaRPr lang="en-GB" baseline="0" dirty="0" smtClean="0"/>
-          </a:p>
-          <a:p>
-            <a:r>
-              <a:rPr lang="en-GB" baseline="0" dirty="0" smtClean="0"/>
+            <a:endParaRPr lang="en-GB" baseline="0" dirty="0"/>
+          </a:p>
+          <a:p>
+            <a:r>
+              <a:rPr lang="en-GB" baseline="0" dirty="0"/>
               <a:t>As part of the culture change required to fully adopt </a:t>
             </a:r>
             <a:r>
-              <a:rPr lang="en-GB" baseline="0" dirty="0" err="1" smtClean="0"/>
+              <a:rPr lang="en-GB" baseline="0" dirty="0" err="1"/>
               <a:t>DevSecOps</a:t>
             </a:r>
             <a:r>
-              <a:rPr lang="en-GB" baseline="0" dirty="0" smtClean="0"/>
+              <a:rPr lang="en-GB" baseline="0" dirty="0"/>
               <a:t>, Security must work closely with Development and Operations, and most importantly, be an enabler.</a:t>
             </a:r>
           </a:p>
@@ -3247,69 +2980,69 @@
           <a:lstStyle/>
           <a:p>
             <a:r>
-              <a:rPr lang="en-GB" dirty="0" smtClean="0"/>
+              <a:rPr lang="en-GB" dirty="0"/>
               <a:t>In real terms, developers within an organisation fall within the “80/20” divide.  80% typically work on legacy systems fixing bugs and adding features to an already established application</a:t>
             </a:r>
           </a:p>
           <a:p>
-            <a:endParaRPr lang="en-GB" baseline="0" dirty="0" smtClean="0"/>
-          </a:p>
-          <a:p>
-            <a:r>
-              <a:rPr lang="en-GB" baseline="0" dirty="0" smtClean="0"/>
+            <a:endParaRPr lang="en-GB" baseline="0" dirty="0"/>
+          </a:p>
+          <a:p>
+            <a:r>
+              <a:rPr lang="en-GB" baseline="0" dirty="0"/>
               <a:t>The other 20% are, typically, more senior or proactive </a:t>
             </a:r>
             <a:r>
-              <a:rPr lang="en-GB" baseline="0" dirty="0" err="1" smtClean="0"/>
+              <a:rPr lang="en-GB" baseline="0" dirty="0" err="1"/>
               <a:t>devs</a:t>
             </a:r>
             <a:r>
-              <a:rPr lang="en-GB" baseline="0" dirty="0" smtClean="0"/>
+              <a:rPr lang="en-GB" baseline="0" dirty="0"/>
               <a:t> that want to use all the cool new tools and resources.  They will seek out new processes and work with the latest, possibly less established, components, but are highly trusted.</a:t>
             </a:r>
           </a:p>
           <a:p>
-            <a:endParaRPr lang="en-GB" baseline="0" dirty="0" smtClean="0"/>
-          </a:p>
-          <a:p>
-            <a:r>
-              <a:rPr lang="en-GB" baseline="0" dirty="0" smtClean="0"/>
+            <a:endParaRPr lang="en-GB" baseline="0" dirty="0"/>
+          </a:p>
+          <a:p>
+            <a:r>
+              <a:rPr lang="en-GB" baseline="0" dirty="0"/>
               <a:t>Security must support these groups in different ways.  The 80s need the capability to produce security code, have processes to support peer review, understand the resources available in the Cloud, and have a clearly defined toolset to develop and test what they write.  SAST and DAST tools, when combined with a clear feedback loop helps re-enforce positive behaviour.  </a:t>
             </a:r>
           </a:p>
           <a:p>
-            <a:endParaRPr lang="en-GB" baseline="0" dirty="0" smtClean="0"/>
-          </a:p>
-          <a:p>
-            <a:r>
-              <a:rPr lang="en-GB" baseline="0" dirty="0" smtClean="0"/>
+            <a:endParaRPr lang="en-GB" baseline="0" dirty="0"/>
+          </a:p>
+          <a:p>
+            <a:r>
+              <a:rPr lang="en-GB" baseline="0" dirty="0"/>
               <a:t>A virtual community of Secure Code Champions can be leveraged to support development teams.  This serves a number of purposes; it gives an opportunity for those interested in increasing their security knowledge through support and training; the team can act as a first point of contact and help triage security questions; they can help imbed processes such as threat modelling directly into the teams workflow.</a:t>
             </a:r>
           </a:p>
           <a:p>
-            <a:endParaRPr lang="en-GB" baseline="0" dirty="0" smtClean="0"/>
-          </a:p>
-          <a:p>
-            <a:r>
-              <a:rPr lang="en-GB" baseline="0" dirty="0" smtClean="0"/>
+            <a:endParaRPr lang="en-GB" baseline="0" dirty="0"/>
+          </a:p>
+          <a:p>
+            <a:r>
+              <a:rPr lang="en-GB" baseline="0" dirty="0"/>
               <a:t>Re-use, especially of open source components, is at the centre of a modern and efficient development team, but it also has the ability to introduce security issues.  The log4j vulnerability is still fresh in our minds.  Again, Security must be an enabler and support the use of open source components, but this must be done is a controlled manner.  The culture must move away from developers just jumping onto the internet and grabbing libraries and instead have access to a curated collection of components.  </a:t>
             </a:r>
           </a:p>
           <a:p>
-            <a:endParaRPr lang="en-GB" baseline="0" dirty="0" smtClean="0"/>
-          </a:p>
-          <a:p>
-            <a:r>
-              <a:rPr lang="en-GB" baseline="0" dirty="0" smtClean="0"/>
+            <a:endParaRPr lang="en-GB" baseline="0" dirty="0"/>
+          </a:p>
+          <a:p>
+            <a:r>
+              <a:rPr lang="en-GB" baseline="0" dirty="0"/>
               <a:t>Similarly, the ambition to use containers is noble, but can inadvertently introduce vulnerabilities.  An approved list of images should be created, and maintained, to allow developers to work quickly and efficiently. </a:t>
             </a:r>
           </a:p>
           <a:p>
-            <a:endParaRPr lang="en-GB" baseline="0" dirty="0" smtClean="0"/>
-          </a:p>
-          <a:p>
-            <a:r>
-              <a:rPr lang="en-GB" baseline="0" dirty="0" smtClean="0"/>
+            <a:endParaRPr lang="en-GB" baseline="0" dirty="0"/>
+          </a:p>
+          <a:p>
+            <a:r>
+              <a:rPr lang="en-GB" baseline="0" dirty="0"/>
               <a:t>Things for the 20% can be “slightly” less restricted and should be allowed to innovate by trying new things.  Being part of a “high trust, virtual, team” they should have a deeper understanding of security concerns but be enabled to test-drive new tooling and components.  Although the trust level is much higher, they should still play within a walled garden.  By creating this safe space for innovation and creating a process for new, approved, ways of working to be made available with the 80s, technical improvement can be seen across all teams.</a:t>
             </a:r>
           </a:p>
@@ -3400,92 +3133,41 @@
           <a:p>
             <a:r>
               <a:rPr lang="en-GB" dirty="0"/>
-              <a:t>In August 2019, GitHub was called out in a US lawsuit following the Capital One breach. The reason? Allowing social security numbers to be stored in a Git repository.</a:t>
-            </a:r>
-          </a:p>
-          <a:p>
-            <a:endParaRPr lang="en-GB" dirty="0"/>
-          </a:p>
-          <a:p>
-            <a:r>
-              <a:rPr lang="en-GB" dirty="0"/>
-              <a:t>In October 2019, </a:t>
-            </a:r>
+              <a:t>Source: Veracode</a:t>
+            </a:r>
+          </a:p>
+          <a:p>
             <a:r>
               <a:rPr lang="en-GB" b="0" i="0" dirty="0">
                 <a:solidFill>
-                  <a:srgbClr val="070707"/>
+                  <a:srgbClr val="242626"/>
                 </a:solidFill>
                 <a:effectLst/>
-                <a:latin typeface="Georgia" panose="02040502050405020303" pitchFamily="18" charset="0"/>
+                <a:latin typeface="Fira Sans" panose="020B0503050000020004" pitchFamily="34" charset="0"/>
               </a:rPr>
-              <a:t>one misstep from developers at Starbucks left exposed an API key that could be used by an attacker to access internal systems and manipulate the list of authorized users.  Lucky the vulnerability was reported as part of a bug bounty program and quickly resolved.</a:t>
+              <a:t>a scan of 130,000 applications found that nearly 68% of apps had a security flaw that fell into the OWASP Top 10.</a:t>
             </a:r>
           </a:p>
           <a:p>
             <a:endParaRPr lang="en-GB" b="0" i="0" dirty="0">
               <a:solidFill>
-                <a:srgbClr val="070707"/>
+                <a:srgbClr val="242626"/>
               </a:solidFill>
               <a:effectLst/>
-              <a:latin typeface="Georgia" panose="02040502050405020303" pitchFamily="18" charset="0"/>
+              <a:latin typeface="Fira Sans" panose="020B0503050000020004" pitchFamily="34" charset="0"/>
             </a:endParaRPr>
           </a:p>
           <a:p>
             <a:r>
               <a:rPr lang="en-GB" b="0" i="0" dirty="0">
                 <a:solidFill>
-                  <a:srgbClr val="070707"/>
+                  <a:srgbClr val="242626"/>
                 </a:solidFill>
                 <a:effectLst/>
-                <a:latin typeface="Georgia" panose="02040502050405020303" pitchFamily="18" charset="0"/>
+                <a:latin typeface="Fira Sans" panose="020B0503050000020004" pitchFamily="34" charset="0"/>
               </a:rPr>
-              <a:t>In January 2021, a misconfigured Git server at Nissan North America lead to the leak of the source code of the company's mobile apps and internal tools. A Git server was left publicly exposed with a default username and password of admin/admin.</a:t>
-            </a:r>
-          </a:p>
-          <a:p>
-            <a:endParaRPr lang="en-GB" b="0" i="0" dirty="0">
-              <a:solidFill>
-                <a:srgbClr val="070707"/>
-              </a:solidFill>
-              <a:effectLst/>
-              <a:latin typeface="Georgia" panose="02040502050405020303" pitchFamily="18" charset="0"/>
-            </a:endParaRPr>
-          </a:p>
-          <a:p>
-            <a:r>
-              <a:rPr lang="en-GB" b="0" i="0" dirty="0">
-                <a:solidFill>
-                  <a:srgbClr val="070707"/>
-                </a:solidFill>
-                <a:effectLst/>
-                <a:latin typeface="Georgia" panose="02040502050405020303" pitchFamily="18" charset="0"/>
-              </a:rPr>
-              <a:t>More recently, in December 2022, Okta reported a breach that included the unauthorised downloading of source code.  Access was possible through the use of stolen authorisation keys and could have been related to an extension phishing campaign in September of last year.</a:t>
-            </a:r>
-          </a:p>
-          <a:p>
-            <a:endParaRPr lang="en-GB" b="0" i="0" dirty="0">
-              <a:solidFill>
-                <a:srgbClr val="070707"/>
-              </a:solidFill>
-              <a:effectLst/>
-              <a:latin typeface="Georgia" panose="02040502050405020303" pitchFamily="18" charset="0"/>
-            </a:endParaRPr>
-          </a:p>
-          <a:p>
-            <a:r>
-              <a:rPr lang="en-GB" b="0" i="0" dirty="0">
-                <a:solidFill>
-                  <a:srgbClr val="070707"/>
-                </a:solidFill>
-                <a:effectLst/>
-                <a:latin typeface="Georgia" panose="02040502050405020303" pitchFamily="18" charset="0"/>
-              </a:rPr>
-              <a:t>While still reading and digesting the information around the Okta breach, a few days later we got news of an attack on Slack. The incident involves threat actors gaining access to Slack's externally hosted GitHub repositories via a "limited" number of Slack employee tokens that were stolen.</a:t>
-            </a:r>
-          </a:p>
-          <a:p>
+              <a:t>Graph source: Dynatrace Global CISO report 2023</a:t>
+            </a:r>
             <a:endParaRPr lang="en-GB" dirty="0"/>
           </a:p>
         </p:txBody>
@@ -3648,55 +3330,55 @@
               <a:defRPr/>
             </a:pPr>
             <a:r>
-              <a:rPr lang="en-GB" dirty="0" smtClean="0"/>
+              <a:rPr lang="en-GB" dirty="0"/>
               <a:t>Cloud automation and Everything as Code should be major considerations of the </a:t>
             </a:r>
             <a:r>
-              <a:rPr lang="en-GB" dirty="0" err="1" smtClean="0"/>
+              <a:rPr lang="en-GB" dirty="0" err="1"/>
               <a:t>DevSecOps</a:t>
             </a:r>
             <a:r>
-              <a:rPr lang="en-GB" dirty="0" smtClean="0"/>
+              <a:rPr lang="en-GB" dirty="0"/>
               <a:t> culture.  Replacing manual processes in application installation and configuration will provide predictable, reliable, secure, and faster deployments.</a:t>
             </a:r>
           </a:p>
           <a:p>
-            <a:endParaRPr lang="en-GB" dirty="0" smtClean="0"/>
-          </a:p>
-          <a:p>
-            <a:r>
-              <a:rPr lang="en-GB" dirty="0" smtClean="0"/>
+            <a:endParaRPr lang="en-GB" dirty="0"/>
+          </a:p>
+          <a:p>
+            <a:r>
+              <a:rPr lang="en-GB" dirty="0"/>
               <a:t>Documenting use</a:t>
             </a:r>
             <a:r>
-              <a:rPr lang="en-GB" baseline="0" dirty="0" smtClean="0"/>
+              <a:rPr lang="en-GB" baseline="0" dirty="0"/>
               <a:t> cases and understanding what we are trying to achieve is hugely important.  This will prevent us from over-engineering a solution.  This may be a challenge for some developers, it certainly was for me.  I took any opportunity to use new technology, even if it wasn’t completely necessary.</a:t>
             </a:r>
           </a:p>
           <a:p>
-            <a:endParaRPr lang="en-GB" baseline="0" dirty="0" smtClean="0"/>
-          </a:p>
-          <a:p>
-            <a:r>
-              <a:rPr lang="en-GB" baseline="0" dirty="0" smtClean="0"/>
+            <a:endParaRPr lang="en-GB" baseline="0" dirty="0"/>
+          </a:p>
+          <a:p>
+            <a:r>
+              <a:rPr lang="en-GB" baseline="0" dirty="0"/>
               <a:t>Everything as Code is a great concept and can bring great advantages, but remember code needs to be protected.  You must provide the same controls for Infrastructure code as you do application code.  Protected branches in version control, code reviews, and authorised pull requests should all be implemented.</a:t>
             </a:r>
           </a:p>
           <a:p>
-            <a:endParaRPr lang="en-GB" baseline="0" dirty="0" smtClean="0"/>
-          </a:p>
-          <a:p>
-            <a:r>
-              <a:rPr lang="en-GB" baseline="0" dirty="0" smtClean="0"/>
+            <a:endParaRPr lang="en-GB" baseline="0" dirty="0"/>
+          </a:p>
+          <a:p>
+            <a:r>
+              <a:rPr lang="en-GB" baseline="0" dirty="0"/>
               <a:t>A major trigger topic for me is how we use the cloud.  There will always be a need for “lifting and shifting” on premise infrastructure into the cloud, but this should be the exception.  The cloud provides cost and efficiency benefits through the use of cloud native resources and SaaS solutions.  If we stick to our traditional VM-centric architecture, we will simply be creating another data centre and continue accruing technical debt.  No matter where you own the VM, you will be responsible for the support and maintenance including patching.</a:t>
             </a:r>
           </a:p>
           <a:p>
-            <a:endParaRPr lang="en-GB" baseline="0" dirty="0" smtClean="0"/>
-          </a:p>
-          <a:p>
-            <a:r>
-              <a:rPr lang="en-GB" baseline="0" dirty="0" smtClean="0"/>
+            <a:endParaRPr lang="en-GB" baseline="0" dirty="0"/>
+          </a:p>
+          <a:p>
+            <a:r>
+              <a:rPr lang="en-GB" baseline="0" dirty="0"/>
               <a:t>Efforts should be made to support developer in their use of cloud native resource, and we should be willing to challenge the use of VMs.</a:t>
             </a:r>
             <a:endParaRPr lang="en-GB" dirty="0"/>
@@ -24998,22 +24680,311 @@
           <a:p>
             <a:r>
               <a:rPr lang="en-GB" dirty="0"/>
-              <a:t>The “Scary” </a:t>
-            </a:r>
-            <a:r>
-              <a:rPr lang="en-GB" dirty="0" smtClean="0"/>
-              <a:t>Slide No.3</a:t>
-            </a:r>
-            <a:endParaRPr lang="en-GB" dirty="0"/>
-          </a:p>
-        </p:txBody>
-      </p:sp>
+              <a:t>Scary Slide No.3</a:t>
+            </a:r>
+          </a:p>
+        </p:txBody>
+      </p:sp>
+      <p:grpSp>
+        <p:nvGrpSpPr>
+          <p:cNvPr id="11" name="Group 10">
+            <a:extLst>
+              <a:ext uri="{FF2B5EF4-FFF2-40B4-BE49-F238E27FC236}">
+                <a16:creationId xmlns:a16="http://schemas.microsoft.com/office/drawing/2014/main" id="{B7462295-6911-DD73-9061-9E5718164AF6}"/>
+              </a:ext>
+            </a:extLst>
+          </p:cNvPr>
+          <p:cNvGrpSpPr/>
+          <p:nvPr/>
+        </p:nvGrpSpPr>
+        <p:grpSpPr>
+          <a:xfrm>
+            <a:off x="5565070" y="2795299"/>
+            <a:ext cx="6253775" cy="1323439"/>
+            <a:chOff x="1212574" y="2027583"/>
+            <a:chExt cx="6253775" cy="1323439"/>
+          </a:xfrm>
+        </p:grpSpPr>
+        <p:sp>
+          <p:nvSpPr>
+            <p:cNvPr id="5" name="TextBox 4">
+              <a:extLst>
+                <a:ext uri="{FF2B5EF4-FFF2-40B4-BE49-F238E27FC236}">
+                  <a16:creationId xmlns:a16="http://schemas.microsoft.com/office/drawing/2014/main" id="{93706CB0-A118-B135-104D-DBFC999C74E4}"/>
+                </a:ext>
+              </a:extLst>
+            </p:cNvPr>
+            <p:cNvSpPr txBox="1"/>
+            <p:nvPr/>
+          </p:nvSpPr>
+          <p:spPr>
+            <a:xfrm>
+              <a:off x="1212574" y="2027583"/>
+              <a:ext cx="1957587" cy="1323439"/>
+            </a:xfrm>
+            <a:prstGeom prst="rect">
+              <a:avLst/>
+            </a:prstGeom>
+            <a:noFill/>
+          </p:spPr>
+          <p:txBody>
+            <a:bodyPr wrap="none" rtlCol="0">
+              <a:spAutoFit/>
+            </a:bodyPr>
+            <a:lstStyle/>
+            <a:p>
+              <a:r>
+                <a:rPr lang="en-GB" sz="8000" dirty="0"/>
+                <a:t>57%</a:t>
+              </a:r>
+            </a:p>
+          </p:txBody>
+        </p:sp>
+        <p:sp>
+          <p:nvSpPr>
+            <p:cNvPr id="7" name="TextBox 6">
+              <a:extLst>
+                <a:ext uri="{FF2B5EF4-FFF2-40B4-BE49-F238E27FC236}">
+                  <a16:creationId xmlns:a16="http://schemas.microsoft.com/office/drawing/2014/main" id="{DFEBE9A0-969F-DBD9-6FBC-42EEA382559D}"/>
+                </a:ext>
+              </a:extLst>
+            </p:cNvPr>
+            <p:cNvSpPr txBox="1"/>
+            <p:nvPr/>
+          </p:nvSpPr>
+          <p:spPr>
+            <a:xfrm>
+              <a:off x="3170160" y="2175733"/>
+              <a:ext cx="4296189" cy="1015663"/>
+            </a:xfrm>
+            <a:prstGeom prst="rect">
+              <a:avLst/>
+            </a:prstGeom>
+            <a:noFill/>
+          </p:spPr>
+          <p:txBody>
+            <a:bodyPr wrap="square">
+              <a:spAutoFit/>
+            </a:bodyPr>
+            <a:lstStyle/>
+            <a:p>
+              <a:r>
+                <a:rPr lang="en-GB" sz="2000" b="0" i="0" dirty="0">
+                  <a:solidFill>
+                    <a:srgbClr val="231F20"/>
+                  </a:solidFill>
+                  <a:effectLst/>
+                  <a:latin typeface="Arimo"/>
+                </a:rPr>
+                <a:t>report that their breaches could have been prevented by installing an available patch </a:t>
+              </a:r>
+              <a:endParaRPr lang="en-GB" sz="2000" dirty="0"/>
+            </a:p>
+          </p:txBody>
+        </p:sp>
+      </p:grpSp>
+      <p:grpSp>
+        <p:nvGrpSpPr>
+          <p:cNvPr id="10" name="Group 9">
+            <a:extLst>
+              <a:ext uri="{FF2B5EF4-FFF2-40B4-BE49-F238E27FC236}">
+                <a16:creationId xmlns:a16="http://schemas.microsoft.com/office/drawing/2014/main" id="{7BFE012B-5007-3BF6-633B-BC175F3126FA}"/>
+              </a:ext>
+            </a:extLst>
+          </p:cNvPr>
+          <p:cNvGrpSpPr/>
+          <p:nvPr/>
+        </p:nvGrpSpPr>
+        <p:grpSpPr>
+          <a:xfrm>
+            <a:off x="5565071" y="4668338"/>
+            <a:ext cx="6253774" cy="1323439"/>
+            <a:chOff x="1212574" y="3997116"/>
+            <a:chExt cx="6253774" cy="1323439"/>
+          </a:xfrm>
+        </p:grpSpPr>
+        <p:sp>
+          <p:nvSpPr>
+            <p:cNvPr id="8" name="TextBox 7">
+              <a:extLst>
+                <a:ext uri="{FF2B5EF4-FFF2-40B4-BE49-F238E27FC236}">
+                  <a16:creationId xmlns:a16="http://schemas.microsoft.com/office/drawing/2014/main" id="{94AC696F-54E2-41D9-26EF-5987E505498C}"/>
+                </a:ext>
+              </a:extLst>
+            </p:cNvPr>
+            <p:cNvSpPr txBox="1"/>
+            <p:nvPr/>
+          </p:nvSpPr>
+          <p:spPr>
+            <a:xfrm>
+              <a:off x="1212574" y="3997116"/>
+              <a:ext cx="1957587" cy="1323439"/>
+            </a:xfrm>
+            <a:prstGeom prst="rect">
+              <a:avLst/>
+            </a:prstGeom>
+            <a:noFill/>
+          </p:spPr>
+          <p:txBody>
+            <a:bodyPr wrap="none" rtlCol="0">
+              <a:spAutoFit/>
+            </a:bodyPr>
+            <a:lstStyle/>
+            <a:p>
+              <a:r>
+                <a:rPr lang="en-GB" sz="8000" dirty="0"/>
+                <a:t>34%</a:t>
+              </a:r>
+            </a:p>
+          </p:txBody>
+        </p:sp>
+        <p:sp>
+          <p:nvSpPr>
+            <p:cNvPr id="9" name="TextBox 8">
+              <a:extLst>
+                <a:ext uri="{FF2B5EF4-FFF2-40B4-BE49-F238E27FC236}">
+                  <a16:creationId xmlns:a16="http://schemas.microsoft.com/office/drawing/2014/main" id="{936970A4-70E7-FBE7-F9E8-AFB1DA3C5F79}"/>
+                </a:ext>
+              </a:extLst>
+            </p:cNvPr>
+            <p:cNvSpPr txBox="1"/>
+            <p:nvPr/>
+          </p:nvSpPr>
+          <p:spPr>
+            <a:xfrm>
+              <a:off x="3170159" y="4304892"/>
+              <a:ext cx="4296189" cy="707886"/>
+            </a:xfrm>
+            <a:prstGeom prst="rect">
+              <a:avLst/>
+            </a:prstGeom>
+            <a:noFill/>
+          </p:spPr>
+          <p:txBody>
+            <a:bodyPr wrap="square">
+              <a:spAutoFit/>
+            </a:bodyPr>
+            <a:lstStyle/>
+            <a:p>
+              <a:r>
+                <a:rPr lang="en-GB" sz="2000" b="0" i="0" dirty="0">
+                  <a:solidFill>
+                    <a:srgbClr val="231F20"/>
+                  </a:solidFill>
+                  <a:effectLst/>
+                  <a:latin typeface="Arimo"/>
+                </a:rPr>
+                <a:t>victims knew of the vulnerability, but hadn’t taken action</a:t>
+              </a:r>
+              <a:endParaRPr lang="en-GB" sz="2000" dirty="0"/>
+            </a:p>
+          </p:txBody>
+        </p:sp>
+      </p:grpSp>
+      <p:grpSp>
+        <p:nvGrpSpPr>
+          <p:cNvPr id="15" name="Group 14">
+            <a:extLst>
+              <a:ext uri="{FF2B5EF4-FFF2-40B4-BE49-F238E27FC236}">
+                <a16:creationId xmlns:a16="http://schemas.microsoft.com/office/drawing/2014/main" id="{C34E0240-5BAB-6040-15C9-61DD94CE2FD4}"/>
+              </a:ext>
+            </a:extLst>
+          </p:cNvPr>
+          <p:cNvGrpSpPr/>
+          <p:nvPr/>
+        </p:nvGrpSpPr>
+        <p:grpSpPr>
+          <a:xfrm>
+            <a:off x="468000" y="1407001"/>
+            <a:ext cx="7175192" cy="1323439"/>
+            <a:chOff x="1212574" y="2027583"/>
+            <a:chExt cx="4678849" cy="1323439"/>
+          </a:xfrm>
+        </p:grpSpPr>
+        <p:sp>
+          <p:nvSpPr>
+            <p:cNvPr id="20" name="TextBox 19">
+              <a:extLst>
+                <a:ext uri="{FF2B5EF4-FFF2-40B4-BE49-F238E27FC236}">
+                  <a16:creationId xmlns:a16="http://schemas.microsoft.com/office/drawing/2014/main" id="{C63498B5-3F1F-1AFF-7041-8709EF4211B7}"/>
+                </a:ext>
+              </a:extLst>
+            </p:cNvPr>
+            <p:cNvSpPr txBox="1"/>
+            <p:nvPr/>
+          </p:nvSpPr>
+          <p:spPr>
+            <a:xfrm>
+              <a:off x="1212574" y="2027583"/>
+              <a:ext cx="1981047" cy="1323439"/>
+            </a:xfrm>
+            <a:prstGeom prst="rect">
+              <a:avLst/>
+            </a:prstGeom>
+            <a:noFill/>
+          </p:spPr>
+          <p:txBody>
+            <a:bodyPr wrap="none" rtlCol="0">
+              <a:spAutoFit/>
+            </a:bodyPr>
+            <a:lstStyle/>
+            <a:p>
+              <a:r>
+                <a:rPr lang="en-GB" sz="8000" dirty="0"/>
+                <a:t>25,226</a:t>
+              </a:r>
+            </a:p>
+          </p:txBody>
+        </p:sp>
+        <p:sp>
+          <p:nvSpPr>
+            <p:cNvPr id="21" name="TextBox 20">
+              <a:extLst>
+                <a:ext uri="{FF2B5EF4-FFF2-40B4-BE49-F238E27FC236}">
+                  <a16:creationId xmlns:a16="http://schemas.microsoft.com/office/drawing/2014/main" id="{4F037FA7-1122-C78D-EF9E-64B6618096D6}"/>
+                </a:ext>
+              </a:extLst>
+            </p:cNvPr>
+            <p:cNvSpPr txBox="1"/>
+            <p:nvPr/>
+          </p:nvSpPr>
+          <p:spPr>
+            <a:xfrm>
+              <a:off x="3181192" y="2179782"/>
+              <a:ext cx="2710231" cy="1015663"/>
+            </a:xfrm>
+            <a:prstGeom prst="rect">
+              <a:avLst/>
+            </a:prstGeom>
+            <a:noFill/>
+          </p:spPr>
+          <p:txBody>
+            <a:bodyPr wrap="square">
+              <a:spAutoFit/>
+            </a:bodyPr>
+            <a:lstStyle/>
+            <a:p>
+              <a:r>
+                <a:rPr lang="en-GB" sz="2000" b="0" i="0" dirty="0">
+                  <a:solidFill>
+                    <a:srgbClr val="231F20"/>
+                  </a:solidFill>
+                  <a:effectLst/>
+                  <a:latin typeface="Arimo"/>
+                </a:rPr>
+                <a:t>Common Vulnerabilities and Exposures (CVEs) were published last year alone.</a:t>
+              </a:r>
+              <a:endParaRPr lang="en-GB" sz="2000" dirty="0"/>
+            </a:p>
+          </p:txBody>
+        </p:sp>
+      </p:grpSp>
       <p:pic>
         <p:nvPicPr>
-          <p:cNvPr id="3" name="Picture 2">
+          <p:cNvPr id="23" name="Picture 22">
             <a:extLst>
               <a:ext uri="{FF2B5EF4-FFF2-40B4-BE49-F238E27FC236}">
-                <a16:creationId xmlns:a16="http://schemas.microsoft.com/office/drawing/2014/main" id="{9424FEFE-A104-78F7-92FE-6FB4A430E2AA}"/>
+                <a16:creationId xmlns:a16="http://schemas.microsoft.com/office/drawing/2014/main" id="{913FB54E-8C43-C8B8-FBBC-7E0F13FE5B44}"/>
               </a:ext>
             </a:extLst>
           </p:cNvPr>
@@ -25023,443 +24994,19 @@
           <p:nvPr/>
         </p:nvPicPr>
         <p:blipFill>
-          <a:blip r:embed="rId3" cstate="print">
-            <a:extLst>
-              <a:ext uri="{28A0092B-C50C-407E-A947-70E740481C1C}">
-                <a14:useLocalDpi xmlns:a14="http://schemas.microsoft.com/office/drawing/2010/main" val="0"/>
-              </a:ext>
-            </a:extLst>
-          </a:blip>
+          <a:blip r:embed="rId3"/>
           <a:stretch>
             <a:fillRect/>
           </a:stretch>
         </p:blipFill>
         <p:spPr>
           <a:xfrm>
-            <a:off x="446400" y="1370014"/>
-            <a:ext cx="1401968" cy="1401968"/>
+            <a:off x="468000" y="2817115"/>
+            <a:ext cx="4891272" cy="3136983"/>
           </a:xfrm>
           <a:prstGeom prst="rect">
             <a:avLst/>
           </a:prstGeom>
-        </p:spPr>
-      </p:pic>
-      <p:pic>
-        <p:nvPicPr>
-          <p:cNvPr id="16" name="Picture 8" descr="https://cdn-assets-cloud.frontify.com/local/frontify/h_lNxVXLqrDqb2kyrixW3lMmUl7n-aBRzJUzyvzD7_8rM4T8YBavHo52jxwf_gydvqlXwly7FDF4dfXM1nxq266zJ5t-IODrYAZ-QLB1Lkpbq-3bitgPRXaHnm-Carpb?width=2400">
-            <a:extLst>
-              <a:ext uri="{FF2B5EF4-FFF2-40B4-BE49-F238E27FC236}">
-                <a16:creationId xmlns:a16="http://schemas.microsoft.com/office/drawing/2014/main" id="{DA61E991-F7AE-9D1E-1D57-FECE172A7455}"/>
-              </a:ext>
-            </a:extLst>
-          </p:cNvPr>
-          <p:cNvPicPr>
-            <a:picLocks noChangeAspect="1" noChangeArrowheads="1"/>
-          </p:cNvPicPr>
-          <p:nvPr/>
-        </p:nvPicPr>
-        <p:blipFill>
-          <a:blip r:embed="rId4" cstate="print">
-            <a:extLst>
-              <a:ext uri="{28A0092B-C50C-407E-A947-70E740481C1C}">
-                <a14:useLocalDpi xmlns:a14="http://schemas.microsoft.com/office/drawing/2010/main" val="0"/>
-              </a:ext>
-            </a:extLst>
-          </a:blip>
-          <a:srcRect/>
-          <a:stretch>
-            <a:fillRect/>
-          </a:stretch>
-        </p:blipFill>
-        <p:spPr bwMode="auto">
-          <a:xfrm>
-            <a:off x="2639724" y="2251936"/>
-            <a:ext cx="1401968" cy="1401968"/>
-          </a:xfrm>
-          <a:prstGeom prst="rect">
-            <a:avLst/>
-          </a:prstGeom>
-          <a:noFill/>
-          <a:extLst>
-            <a:ext uri="{909E8E84-426E-40DD-AFC4-6F175D3DCCD1}">
-              <a14:hiddenFill xmlns:a14="http://schemas.microsoft.com/office/drawing/2010/main">
-                <a:solidFill>
-                  <a:srgbClr val="FFFFFF"/>
-                </a:solidFill>
-              </a14:hiddenFill>
-            </a:ext>
-          </a:extLst>
-        </p:spPr>
-      </p:pic>
-      <p:pic>
-        <p:nvPicPr>
-          <p:cNvPr id="17" name="Picture 2" descr="https://cdn-assets-cloud.frontify.com/local/frontify/h_lNxVXLqrDqb2kyrixW3lMmUl7n-aBRzJUzyvzD7_9BO9ltE3q1OOCfZo6Sa2lu4hurhgheSFrsN6Uqg9sObFbfnRcsb-x4wlnvnOlya05xcmlG9hid3qk4bfYHz6Uc?width=2400">
-            <a:extLst>
-              <a:ext uri="{FF2B5EF4-FFF2-40B4-BE49-F238E27FC236}">
-                <a16:creationId xmlns:a16="http://schemas.microsoft.com/office/drawing/2014/main" id="{36F5F150-5AF8-2B38-D1A6-59FD766ED06B}"/>
-              </a:ext>
-            </a:extLst>
-          </p:cNvPr>
-          <p:cNvPicPr>
-            <a:picLocks noChangeAspect="1" noChangeArrowheads="1"/>
-          </p:cNvPicPr>
-          <p:nvPr/>
-        </p:nvPicPr>
-        <p:blipFill>
-          <a:blip r:embed="rId5" cstate="print">
-            <a:extLst>
-              <a:ext uri="{28A0092B-C50C-407E-A947-70E740481C1C}">
-                <a14:useLocalDpi xmlns:a14="http://schemas.microsoft.com/office/drawing/2010/main" val="0"/>
-              </a:ext>
-            </a:extLst>
-          </a:blip>
-          <a:srcRect/>
-          <a:stretch>
-            <a:fillRect/>
-          </a:stretch>
-        </p:blipFill>
-        <p:spPr bwMode="auto">
-          <a:xfrm>
-            <a:off x="5673972" y="1650407"/>
-            <a:ext cx="1401968" cy="1401968"/>
-          </a:xfrm>
-          <a:prstGeom prst="rect">
-            <a:avLst/>
-          </a:prstGeom>
-          <a:noFill/>
-          <a:extLst>
-            <a:ext uri="{909E8E84-426E-40DD-AFC4-6F175D3DCCD1}">
-              <a14:hiddenFill xmlns:a14="http://schemas.microsoft.com/office/drawing/2010/main">
-                <a:solidFill>
-                  <a:srgbClr val="FFFFFF"/>
-                </a:solidFill>
-              </a14:hiddenFill>
-            </a:ext>
-          </a:extLst>
-        </p:spPr>
-      </p:pic>
-      <p:pic>
-        <p:nvPicPr>
-          <p:cNvPr id="18" name="Picture 6" descr="https://cdn-assets-cloud.frontify.com/local/frontify/h_lNxVXLqrDqb2kyrixW3lMmUl7n-aBRzJUzyvzD7_9Uhf5d0UJ_AbGaOOErGV1dpZfd_31MPu2MY7DreHz2YPhrtFEK32kTuVVdvw71U793k69iIq1Y3qrI7mgkSCFL?width=2400">
-            <a:extLst>
-              <a:ext uri="{FF2B5EF4-FFF2-40B4-BE49-F238E27FC236}">
-                <a16:creationId xmlns:a16="http://schemas.microsoft.com/office/drawing/2014/main" id="{CB1F3EF9-86FC-E984-BC27-699E93CC3EE7}"/>
-              </a:ext>
-            </a:extLst>
-          </p:cNvPr>
-          <p:cNvPicPr>
-            <a:picLocks noChangeAspect="1" noChangeArrowheads="1"/>
-          </p:cNvPicPr>
-          <p:nvPr/>
-        </p:nvPicPr>
-        <p:blipFill>
-          <a:blip r:embed="rId6" cstate="print">
-            <a:extLst>
-              <a:ext uri="{28A0092B-C50C-407E-A947-70E740481C1C}">
-                <a14:useLocalDpi xmlns:a14="http://schemas.microsoft.com/office/drawing/2010/main" val="0"/>
-              </a:ext>
-            </a:extLst>
-          </a:blip>
-          <a:srcRect/>
-          <a:stretch>
-            <a:fillRect/>
-          </a:stretch>
-        </p:blipFill>
-        <p:spPr bwMode="auto">
-          <a:xfrm>
-            <a:off x="3217084" y="3919958"/>
-            <a:ext cx="1484125" cy="1484125"/>
-          </a:xfrm>
-          <a:prstGeom prst="rect">
-            <a:avLst/>
-          </a:prstGeom>
-          <a:noFill/>
-          <a:extLst>
-            <a:ext uri="{909E8E84-426E-40DD-AFC4-6F175D3DCCD1}">
-              <a14:hiddenFill xmlns:a14="http://schemas.microsoft.com/office/drawing/2010/main">
-                <a:solidFill>
-                  <a:srgbClr val="FFFFFF"/>
-                </a:solidFill>
-              </a14:hiddenFill>
-            </a:ext>
-          </a:extLst>
-        </p:spPr>
-      </p:pic>
-      <p:pic>
-        <p:nvPicPr>
-          <p:cNvPr id="19" name="Picture 18">
-            <a:extLst>
-              <a:ext uri="{FF2B5EF4-FFF2-40B4-BE49-F238E27FC236}">
-                <a16:creationId xmlns:a16="http://schemas.microsoft.com/office/drawing/2014/main" id="{9238B451-1FBE-22D7-D460-E60E51B6DCE7}"/>
-              </a:ext>
-            </a:extLst>
-          </p:cNvPr>
-          <p:cNvPicPr>
-            <a:picLocks noChangeAspect="1"/>
-          </p:cNvPicPr>
-          <p:nvPr/>
-        </p:nvPicPr>
-        <p:blipFill>
-          <a:blip r:embed="rId7" cstate="print">
-            <a:extLst>
-              <a:ext uri="{28A0092B-C50C-407E-A947-70E740481C1C}">
-                <a14:useLocalDpi xmlns:a14="http://schemas.microsoft.com/office/drawing/2010/main" val="0"/>
-              </a:ext>
-            </a:extLst>
-          </a:blip>
-          <a:stretch>
-            <a:fillRect/>
-          </a:stretch>
-        </p:blipFill>
-        <p:spPr>
-          <a:xfrm>
-            <a:off x="10242434" y="4286826"/>
-            <a:ext cx="1274067" cy="1271019"/>
-          </a:xfrm>
-          <a:prstGeom prst="rect">
-            <a:avLst/>
-          </a:prstGeom>
-          <a:scene3d>
-            <a:camera prst="orthographicFront">
-              <a:rot lat="0" lon="20699996" rev="0"/>
-            </a:camera>
-            <a:lightRig rig="threePt" dir="t"/>
-          </a:scene3d>
-        </p:spPr>
-      </p:pic>
-      <p:pic>
-        <p:nvPicPr>
-          <p:cNvPr id="2050" name="Picture 2" descr="Starbucks - Wikipedia">
-            <a:extLst>
-              <a:ext uri="{FF2B5EF4-FFF2-40B4-BE49-F238E27FC236}">
-                <a16:creationId xmlns:a16="http://schemas.microsoft.com/office/drawing/2014/main" id="{3C60C8F3-64C1-78F3-ADFA-D2B75FEAF5F6}"/>
-              </a:ext>
-            </a:extLst>
-          </p:cNvPr>
-          <p:cNvPicPr>
-            <a:picLocks noChangeAspect="1" noChangeArrowheads="1"/>
-          </p:cNvPicPr>
-          <p:nvPr/>
-        </p:nvPicPr>
-        <p:blipFill>
-          <a:blip r:embed="rId8">
-            <a:extLst>
-              <a:ext uri="{28A0092B-C50C-407E-A947-70E740481C1C}">
-                <a14:useLocalDpi xmlns:a14="http://schemas.microsoft.com/office/drawing/2010/main" val="0"/>
-              </a:ext>
-            </a:extLst>
-          </a:blip>
-          <a:srcRect/>
-          <a:stretch>
-            <a:fillRect/>
-          </a:stretch>
-        </p:blipFill>
-        <p:spPr bwMode="auto">
-          <a:xfrm>
-            <a:off x="8224423" y="994673"/>
-            <a:ext cx="2124075" cy="2152650"/>
-          </a:xfrm>
-          <a:prstGeom prst="rect">
-            <a:avLst/>
-          </a:prstGeom>
-          <a:noFill/>
-          <a:extLst>
-            <a:ext uri="{909E8E84-426E-40DD-AFC4-6F175D3DCCD1}">
-              <a14:hiddenFill xmlns:a14="http://schemas.microsoft.com/office/drawing/2010/main">
-                <a:solidFill>
-                  <a:srgbClr val="FFFFFF"/>
-                </a:solidFill>
-              </a14:hiddenFill>
-            </a:ext>
-          </a:extLst>
-        </p:spPr>
-      </p:pic>
-      <p:pic>
-        <p:nvPicPr>
-          <p:cNvPr id="2052" name="Picture 4">
-            <a:extLst>
-              <a:ext uri="{FF2B5EF4-FFF2-40B4-BE49-F238E27FC236}">
-                <a16:creationId xmlns:a16="http://schemas.microsoft.com/office/drawing/2014/main" id="{27F4DD1E-B043-C29E-5C87-E0D3A3A59E44}"/>
-              </a:ext>
-            </a:extLst>
-          </p:cNvPr>
-          <p:cNvPicPr>
-            <a:picLocks noChangeAspect="1" noChangeArrowheads="1"/>
-          </p:cNvPicPr>
-          <p:nvPr/>
-        </p:nvPicPr>
-        <p:blipFill>
-          <a:blip r:embed="rId9">
-            <a:extLst>
-              <a:ext uri="{28A0092B-C50C-407E-A947-70E740481C1C}">
-                <a14:useLocalDpi xmlns:a14="http://schemas.microsoft.com/office/drawing/2010/main" val="0"/>
-              </a:ext>
-            </a:extLst>
-          </a:blip>
-          <a:srcRect/>
-          <a:stretch>
-            <a:fillRect/>
-          </a:stretch>
-        </p:blipFill>
-        <p:spPr bwMode="auto">
-          <a:xfrm>
-            <a:off x="3884096" y="3350423"/>
-            <a:ext cx="3571875" cy="1276350"/>
-          </a:xfrm>
-          <a:prstGeom prst="rect">
-            <a:avLst/>
-          </a:prstGeom>
-          <a:noFill/>
-          <a:extLst>
-            <a:ext uri="{909E8E84-426E-40DD-AFC4-6F175D3DCCD1}">
-              <a14:hiddenFill xmlns:a14="http://schemas.microsoft.com/office/drawing/2010/main">
-                <a:solidFill>
-                  <a:srgbClr val="FFFFFF"/>
-                </a:solidFill>
-              </a14:hiddenFill>
-            </a:ext>
-          </a:extLst>
-        </p:spPr>
-      </p:pic>
-      <p:pic>
-        <p:nvPicPr>
-          <p:cNvPr id="2054" name="Picture 6" descr="Nissan Vector Logo - Download Free SVG Icon | Worldvectorlogo">
-            <a:extLst>
-              <a:ext uri="{FF2B5EF4-FFF2-40B4-BE49-F238E27FC236}">
-                <a16:creationId xmlns:a16="http://schemas.microsoft.com/office/drawing/2014/main" id="{A1274645-954B-B1FD-730E-476195B0D061}"/>
-              </a:ext>
-            </a:extLst>
-          </p:cNvPr>
-          <p:cNvPicPr>
-            <a:picLocks noChangeAspect="1" noChangeArrowheads="1"/>
-          </p:cNvPicPr>
-          <p:nvPr/>
-        </p:nvPicPr>
-        <p:blipFill>
-          <a:blip r:embed="rId10">
-            <a:extLst>
-              <a:ext uri="{28A0092B-C50C-407E-A947-70E740481C1C}">
-                <a14:useLocalDpi xmlns:a14="http://schemas.microsoft.com/office/drawing/2010/main" val="0"/>
-              </a:ext>
-            </a:extLst>
-          </a:blip>
-          <a:srcRect/>
-          <a:stretch>
-            <a:fillRect/>
-          </a:stretch>
-        </p:blipFill>
-        <p:spPr bwMode="auto">
-          <a:xfrm>
-            <a:off x="325149" y="2908131"/>
-            <a:ext cx="2314575" cy="1981200"/>
-          </a:xfrm>
-          <a:prstGeom prst="rect">
-            <a:avLst/>
-          </a:prstGeom>
-          <a:noFill/>
-          <a:extLst>
-            <a:ext uri="{909E8E84-426E-40DD-AFC4-6F175D3DCCD1}">
-              <a14:hiddenFill xmlns:a14="http://schemas.microsoft.com/office/drawing/2010/main">
-                <a:solidFill>
-                  <a:srgbClr val="FFFFFF"/>
-                </a:solidFill>
-              </a14:hiddenFill>
-            </a:ext>
-          </a:extLst>
-        </p:spPr>
-      </p:pic>
-      <p:pic>
-        <p:nvPicPr>
-          <p:cNvPr id="2056" name="Picture 8" descr="Identity | Okta">
-            <a:extLst>
-              <a:ext uri="{FF2B5EF4-FFF2-40B4-BE49-F238E27FC236}">
-                <a16:creationId xmlns:a16="http://schemas.microsoft.com/office/drawing/2014/main" id="{0DCBFED8-284D-720A-A777-4BF2A1D8B2C2}"/>
-              </a:ext>
-            </a:extLst>
-          </p:cNvPr>
-          <p:cNvPicPr>
-            <a:picLocks noChangeAspect="1" noChangeArrowheads="1"/>
-          </p:cNvPicPr>
-          <p:nvPr/>
-        </p:nvPicPr>
-        <p:blipFill>
-          <a:blip r:embed="rId11">
-            <a:extLst>
-              <a:ext uri="{28A0092B-C50C-407E-A947-70E740481C1C}">
-                <a14:useLocalDpi xmlns:a14="http://schemas.microsoft.com/office/drawing/2010/main" val="0"/>
-              </a:ext>
-            </a:extLst>
-          </a:blip>
-          <a:srcRect/>
-          <a:stretch>
-            <a:fillRect/>
-          </a:stretch>
-        </p:blipFill>
-        <p:spPr bwMode="auto">
-          <a:xfrm>
-            <a:off x="5608121" y="4807353"/>
-            <a:ext cx="3695700" cy="1238250"/>
-          </a:xfrm>
-          <a:prstGeom prst="rect">
-            <a:avLst/>
-          </a:prstGeom>
-          <a:noFill/>
-          <a:extLst>
-            <a:ext uri="{909E8E84-426E-40DD-AFC4-6F175D3DCCD1}">
-              <a14:hiddenFill xmlns:a14="http://schemas.microsoft.com/office/drawing/2010/main">
-                <a:solidFill>
-                  <a:srgbClr val="FFFFFF"/>
-                </a:solidFill>
-              </a14:hiddenFill>
-            </a:ext>
-          </a:extLst>
-        </p:spPr>
-      </p:pic>
-      <p:pic>
-        <p:nvPicPr>
-          <p:cNvPr id="2058" name="Picture 10">
-            <a:extLst>
-              <a:ext uri="{FF2B5EF4-FFF2-40B4-BE49-F238E27FC236}">
-                <a16:creationId xmlns:a16="http://schemas.microsoft.com/office/drawing/2014/main" id="{22225019-A219-F0C0-EAF5-F1459C349007}"/>
-              </a:ext>
-            </a:extLst>
-          </p:cNvPr>
-          <p:cNvPicPr>
-            <a:picLocks noChangeAspect="1" noChangeArrowheads="1"/>
-          </p:cNvPicPr>
-          <p:nvPr/>
-        </p:nvPicPr>
-        <p:blipFill>
-          <a:blip r:embed="rId12">
-            <a:extLst>
-              <a:ext uri="{28A0092B-C50C-407E-A947-70E740481C1C}">
-                <a14:useLocalDpi xmlns:a14="http://schemas.microsoft.com/office/drawing/2010/main" val="0"/>
-              </a:ext>
-            </a:extLst>
-          </a:blip>
-          <a:srcRect/>
-          <a:stretch>
-            <a:fillRect/>
-          </a:stretch>
-        </p:blipFill>
-        <p:spPr bwMode="auto">
-          <a:xfrm>
-            <a:off x="1221395" y="5373608"/>
-            <a:ext cx="4238625" cy="1076325"/>
-          </a:xfrm>
-          <a:prstGeom prst="rect">
-            <a:avLst/>
-          </a:prstGeom>
-          <a:noFill/>
-          <a:extLst>
-            <a:ext uri="{909E8E84-426E-40DD-AFC4-6F175D3DCCD1}">
-              <a14:hiddenFill xmlns:a14="http://schemas.microsoft.com/office/drawing/2010/main">
-                <a:solidFill>
-                  <a:srgbClr val="FFFFFF"/>
-                </a:solidFill>
-              </a14:hiddenFill>
-            </a:ext>
-          </a:extLst>
         </p:spPr>
       </p:pic>
     </p:spTree>
@@ -25472,13 +25019,6 @@
   <p:clrMapOvr>
     <a:masterClrMapping/>
   </p:clrMapOvr>
-  <p:timing>
-    <p:tnLst>
-      <p:par>
-        <p:cTn id="1" dur="indefinite" restart="never" nodeType="tmRoot"/>
-      </p:par>
-    </p:tnLst>
-  </p:timing>
 </p:sld>
 </file>
 
@@ -25515,7 +25055,7 @@
           <a:lstStyle/>
           <a:p>
             <a:r>
-              <a:rPr lang="en-GB" smtClean="0"/>
+              <a:rPr lang="en-GB"/>
               <a:t>Document classification: GREEN</a:t>
             </a:r>
             <a:endParaRPr lang="en-GB" dirty="0"/>
@@ -26122,13 +25662,6 @@
   <p:clrMapOvr>
     <a:masterClrMapping/>
   </p:clrMapOvr>
-  <p:timing>
-    <p:tnLst>
-      <p:par>
-        <p:cTn id="1" dur="indefinite" restart="never" nodeType="tmRoot"/>
-      </p:par>
-    </p:tnLst>
-  </p:timing>
 </p:sld>
 </file>
 
@@ -26164,639 +25697,8 @@
           <a:bodyPr/>
           <a:lstStyle/>
           <a:p>
-            <a:pPr marL="0" marR="0" lvl="0" indent="0" algn="ctr" defTabSz="914400" rtl="0" eaLnBrk="1" fontAlgn="auto" latinLnBrk="0" hangingPunct="1">
-              <a:lnSpc>
-                <a:spcPct val="100000"/>
-              </a:lnSpc>
-              <a:spcBef>
-                <a:spcPts val="0"/>
-              </a:spcBef>
-              <a:spcAft>
-                <a:spcPts val="0"/>
-              </a:spcAft>
-              <a:buClrTx/>
-              <a:buSzTx/>
-              <a:buFontTx/>
-              <a:buNone/>
-              <a:tabLst/>
-              <a:defRPr/>
-            </a:pPr>
-            <a:r>
-              <a:rPr kumimoji="0" lang="en-GB" sz="1200" b="0" i="0" u="none" strike="noStrike" kern="1200" cap="none" spc="0" normalizeH="0" baseline="0" noProof="0">
-                <a:ln>
-                  <a:noFill/>
-                </a:ln>
-                <a:solidFill>
-                  <a:srgbClr val="000000">
-                    <a:tint val="75000"/>
-                  </a:srgbClr>
-                </a:solidFill>
-                <a:effectLst/>
-                <a:uLnTx/>
-                <a:uFillTx/>
-                <a:latin typeface="Arial" panose="020B0604020202020204" pitchFamily="34" charset="0"/>
-                <a:ea typeface="+mn-ea"/>
-                <a:cs typeface="Arial" panose="020B0604020202020204" pitchFamily="34" charset="0"/>
-              </a:rPr>
-              <a:t>Document classification: GREEN</a:t>
-            </a:r>
-            <a:endParaRPr kumimoji="0" lang="en-GB" sz="1200" b="0" i="0" u="none" strike="noStrike" kern="1200" cap="none" spc="0" normalizeH="0" baseline="0" noProof="0" dirty="0">
-              <a:ln>
-                <a:noFill/>
-              </a:ln>
-              <a:solidFill>
-                <a:srgbClr val="000000">
-                  <a:tint val="75000"/>
-                </a:srgbClr>
-              </a:solidFill>
-              <a:effectLst/>
-              <a:uLnTx/>
-              <a:uFillTx/>
-              <a:latin typeface="Arial" panose="020B0604020202020204" pitchFamily="34" charset="0"/>
-              <a:ea typeface="+mn-ea"/>
-              <a:cs typeface="Arial" panose="020B0604020202020204" pitchFamily="34" charset="0"/>
-            </a:endParaRPr>
-          </a:p>
-        </p:txBody>
-      </p:sp>
-      <p:sp>
-        <p:nvSpPr>
-          <p:cNvPr id="4" name="Title 3"/>
-          <p:cNvSpPr>
-            <a:spLocks noGrp="1"/>
-          </p:cNvSpPr>
-          <p:nvPr>
-            <p:ph type="title"/>
-          </p:nvPr>
-        </p:nvSpPr>
-        <p:spPr/>
-        <p:txBody>
-          <a:bodyPr/>
-          <a:lstStyle/>
-          <a:p>
-            <a:r>
-              <a:rPr lang="en-GB" dirty="0"/>
-              <a:t>Title</a:t>
-            </a:r>
-          </a:p>
-        </p:txBody>
-      </p:sp>
-      <p:grpSp>
-        <p:nvGrpSpPr>
-          <p:cNvPr id="6" name="Group 5"/>
-          <p:cNvGrpSpPr/>
-          <p:nvPr/>
-        </p:nvGrpSpPr>
-        <p:grpSpPr>
-          <a:xfrm>
-            <a:off x="5075158" y="1453198"/>
-            <a:ext cx="1401969" cy="3172241"/>
-            <a:chOff x="5075158" y="1453198"/>
-            <a:chExt cx="1711618" cy="3872885"/>
-          </a:xfrm>
-        </p:grpSpPr>
-        <p:sp>
-          <p:nvSpPr>
-            <p:cNvPr id="7" name="Rectangle 6"/>
-            <p:cNvSpPr/>
-            <p:nvPr/>
-          </p:nvSpPr>
-          <p:spPr>
-            <a:xfrm>
-              <a:off x="5880734" y="3148296"/>
-              <a:ext cx="110367" cy="2177787"/>
-            </a:xfrm>
-            <a:prstGeom prst="rect">
-              <a:avLst/>
-            </a:prstGeom>
-          </p:spPr>
-          <p:style>
-            <a:lnRef idx="2">
-              <a:schemeClr val="accent1">
-                <a:shade val="50000"/>
-              </a:schemeClr>
-            </a:lnRef>
-            <a:fillRef idx="1">
-              <a:schemeClr val="accent1"/>
-            </a:fillRef>
-            <a:effectRef idx="0">
-              <a:schemeClr val="accent1"/>
-            </a:effectRef>
-            <a:fontRef idx="minor">
-              <a:schemeClr val="lt1"/>
-            </a:fontRef>
-          </p:style>
-          <p:txBody>
-            <a:bodyPr rtlCol="0" anchor="ctr"/>
-            <a:lstStyle/>
-            <a:p>
-              <a:pPr marL="0" marR="0" lvl="0" indent="0" algn="ctr" defTabSz="914400" rtl="0" eaLnBrk="1" fontAlgn="auto" latinLnBrk="0" hangingPunct="1">
-                <a:lnSpc>
-                  <a:spcPct val="100000"/>
-                </a:lnSpc>
-                <a:spcBef>
-                  <a:spcPts val="0"/>
-                </a:spcBef>
-                <a:spcAft>
-                  <a:spcPts val="0"/>
-                </a:spcAft>
-                <a:buClrTx/>
-                <a:buSzTx/>
-                <a:buFontTx/>
-                <a:buNone/>
-                <a:tabLst/>
-                <a:defRPr/>
-              </a:pPr>
-              <a:endParaRPr kumimoji="0" lang="en-GB" sz="1800" b="0" i="0" u="none" strike="noStrike" kern="1200" cap="none" spc="0" normalizeH="0" baseline="0" noProof="0">
-                <a:ln>
-                  <a:noFill/>
-                </a:ln>
-                <a:solidFill>
-                  <a:srgbClr val="FFFFFF"/>
-                </a:solidFill>
-                <a:effectLst/>
-                <a:uLnTx/>
-                <a:uFillTx/>
-                <a:latin typeface="Calibri" panose="020F0502020204030204"/>
-                <a:ea typeface="+mn-ea"/>
-                <a:cs typeface="+mn-cs"/>
-              </a:endParaRPr>
-            </a:p>
-          </p:txBody>
-        </p:sp>
-        <p:grpSp>
-          <p:nvGrpSpPr>
-            <p:cNvPr id="8" name="Group 7"/>
-            <p:cNvGrpSpPr/>
-            <p:nvPr/>
-          </p:nvGrpSpPr>
-          <p:grpSpPr>
-            <a:xfrm>
-              <a:off x="5075158" y="1453198"/>
-              <a:ext cx="1711618" cy="2494548"/>
-              <a:chOff x="2276346" y="1214618"/>
-              <a:chExt cx="2926488" cy="4265125"/>
-            </a:xfrm>
-          </p:grpSpPr>
-          <p:pic>
-            <p:nvPicPr>
-              <p:cNvPr id="9" name="Picture 8" descr="File:You shall not pass sign.svg"/>
-              <p:cNvPicPr>
-                <a:picLocks noChangeAspect="1" noChangeArrowheads="1"/>
-              </p:cNvPicPr>
-              <p:nvPr/>
-            </p:nvPicPr>
-            <p:blipFill>
-              <a:blip r:embed="rId3" cstate="print">
-                <a:extLst>
-                  <a:ext uri="{28A0092B-C50C-407E-A947-70E740481C1C}">
-                    <a14:useLocalDpi xmlns:a14="http://schemas.microsoft.com/office/drawing/2010/main" val="0"/>
-                  </a:ext>
-                </a:extLst>
-              </a:blip>
-              <a:srcRect/>
-              <a:stretch>
-                <a:fillRect/>
-              </a:stretch>
-            </p:blipFill>
-            <p:spPr bwMode="auto">
-              <a:xfrm>
-                <a:off x="2276346" y="1214618"/>
-                <a:ext cx="2926488" cy="4265125"/>
-              </a:xfrm>
-              <a:prstGeom prst="rect">
-                <a:avLst/>
-              </a:prstGeom>
-              <a:noFill/>
-              <a:extLst>
-                <a:ext uri="{909E8E84-426E-40DD-AFC4-6F175D3DCCD1}">
-                  <a14:hiddenFill xmlns:a14="http://schemas.microsoft.com/office/drawing/2010/main">
-                    <a:solidFill>
-                      <a:srgbClr val="FFFFFF"/>
-                    </a:solidFill>
-                  </a14:hiddenFill>
-                </a:ext>
-              </a:extLst>
-            </p:spPr>
-          </p:pic>
-          <p:sp>
-            <p:nvSpPr>
-              <p:cNvPr id="10" name="TextBox 9"/>
-              <p:cNvSpPr txBox="1"/>
-              <p:nvPr/>
-            </p:nvSpPr>
-            <p:spPr>
-              <a:xfrm rot="20077301">
-                <a:off x="2477970" y="4288270"/>
-                <a:ext cx="948859" cy="578852"/>
-              </a:xfrm>
-              <a:prstGeom prst="rect">
-                <a:avLst/>
-              </a:prstGeom>
-              <a:solidFill>
-                <a:schemeClr val="accent2">
-                  <a:lumMod val="75000"/>
-                </a:schemeClr>
-              </a:solidFill>
-              <a:ln>
-                <a:solidFill>
-                  <a:schemeClr val="bg1"/>
-                </a:solidFill>
-              </a:ln>
-            </p:spPr>
-            <p:txBody>
-              <a:bodyPr wrap="none" rtlCol="0">
-                <a:spAutoFit/>
-              </a:bodyPr>
-              <a:lstStyle/>
-              <a:p>
-                <a:pPr marL="0" marR="0" lvl="0" indent="0" algn="ctr" defTabSz="914400" rtl="0" eaLnBrk="1" fontAlgn="auto" latinLnBrk="0" hangingPunct="1">
-                  <a:lnSpc>
-                    <a:spcPct val="100000"/>
-                  </a:lnSpc>
-                  <a:spcBef>
-                    <a:spcPts val="0"/>
-                  </a:spcBef>
-                  <a:spcAft>
-                    <a:spcPts val="0"/>
-                  </a:spcAft>
-                  <a:buClrTx/>
-                  <a:buSzTx/>
-                  <a:buFontTx/>
-                  <a:buNone/>
-                  <a:tabLst/>
-                  <a:defRPr/>
-                </a:pPr>
-                <a:r>
-                  <a:rPr kumimoji="0" lang="en-GB" sz="1600" b="0" i="0" u="none" strike="noStrike" kern="1200" cap="none" spc="0" normalizeH="0" baseline="0" noProof="0" dirty="0">
-                    <a:ln>
-                      <a:noFill/>
-                    </a:ln>
-                    <a:solidFill>
-                      <a:srgbClr val="FFFFFF"/>
-                    </a:solidFill>
-                    <a:effectLst/>
-                    <a:uLnTx/>
-                    <a:uFillTx/>
-                    <a:latin typeface="Lucida Console" panose="020B0609040504020204" pitchFamily="49" charset="0"/>
-                    <a:ea typeface="+mn-ea"/>
-                    <a:cs typeface="+mn-cs"/>
-                  </a:rPr>
-                  <a:t>Dev</a:t>
-                </a:r>
-                <a:endParaRPr kumimoji="0" lang="en-GB" sz="4800" b="0" i="0" u="none" strike="noStrike" kern="1200" cap="none" spc="0" normalizeH="0" baseline="0" noProof="0" dirty="0">
-                  <a:ln>
-                    <a:noFill/>
-                  </a:ln>
-                  <a:solidFill>
-                    <a:srgbClr val="FFFFFF"/>
-                  </a:solidFill>
-                  <a:effectLst/>
-                  <a:uLnTx/>
-                  <a:uFillTx/>
-                  <a:latin typeface="Lucida Console" panose="020B0609040504020204" pitchFamily="49" charset="0"/>
-                  <a:ea typeface="+mn-ea"/>
-                  <a:cs typeface="+mn-cs"/>
-                </a:endParaRPr>
-              </a:p>
-            </p:txBody>
-          </p:sp>
-        </p:grpSp>
-      </p:grpSp>
-      <p:pic>
-        <p:nvPicPr>
-          <p:cNvPr id="11" name="Picture 4" descr="https://cdn-assets-cloud.frontify.com/s3/frontify-cloud-files-us/eyJwYXRoIjoiZnJvbnRpZnlcL2FjY291bnRzXC84MVwvMTQwMDg3XC9wcm9qZWN0c1wvMjcwOTIzXC9hc3NldHNcLzMyXC80ODUwNzY4XC9jMzIzNjU5NjFlNDM0OGU2MGZhZTlkZWE5NmQzOTE5Ny0xNjAzOTcxNzgxLnBuZyJ9:frontify:AK8MnPf0byW7hQMsVWbxHC5-Wl5OhXqOOocallbPm7w?width=2400"/>
-          <p:cNvPicPr>
-            <a:picLocks noChangeAspect="1" noChangeArrowheads="1"/>
-          </p:cNvPicPr>
-          <p:nvPr/>
-        </p:nvPicPr>
-        <p:blipFill>
-          <a:blip r:embed="rId4">
-            <a:extLst>
-              <a:ext uri="{28A0092B-C50C-407E-A947-70E740481C1C}">
-                <a14:useLocalDpi xmlns:a14="http://schemas.microsoft.com/office/drawing/2010/main" val="0"/>
-              </a:ext>
-            </a:extLst>
-          </a:blip>
-          <a:srcRect/>
-          <a:stretch>
-            <a:fillRect/>
-          </a:stretch>
-        </p:blipFill>
-        <p:spPr bwMode="auto">
-          <a:xfrm>
-            <a:off x="7512339" y="1699161"/>
-            <a:ext cx="3021281" cy="3021281"/>
-          </a:xfrm>
-          <a:prstGeom prst="rect">
-            <a:avLst/>
-          </a:prstGeom>
-          <a:noFill/>
-          <a:extLst>
-            <a:ext uri="{909E8E84-426E-40DD-AFC4-6F175D3DCCD1}">
-              <a14:hiddenFill xmlns:a14="http://schemas.microsoft.com/office/drawing/2010/main">
-                <a:solidFill>
-                  <a:srgbClr val="FFFFFF"/>
-                </a:solidFill>
-              </a14:hiddenFill>
-            </a:ext>
-          </a:extLst>
-        </p:spPr>
-      </p:pic>
-      <p:pic>
-        <p:nvPicPr>
-          <p:cNvPr id="12" name="Picture 6" descr="https://cdn-assets-cloud.frontify.com/s3/frontify-cloud-files-us/eyJwYXRoIjoiZnJvbnRpZnlcL2FjY291bnRzXC84MVwvMTQwMDg3XC9wcm9qZWN0c1wvMjcwOTIzXC9hc3NldHNcL2RhXC80ODUwNzY0XC9iZjU2YmFmODViMDJiMDEwOTBiM2FhMzY3M2JjZmU0NS0xNjAzOTcxNzc5LnBuZyJ9:frontify:vPx79-5-G5_QcJz6wAkKyrz6M0ElPcPyHi746lWx8Ac?width=2400"/>
-          <p:cNvPicPr>
-            <a:picLocks noChangeAspect="1" noChangeArrowheads="1"/>
-          </p:cNvPicPr>
-          <p:nvPr/>
-        </p:nvPicPr>
-        <p:blipFill>
-          <a:blip r:embed="rId5">
-            <a:extLst>
-              <a:ext uri="{28A0092B-C50C-407E-A947-70E740481C1C}">
-                <a14:useLocalDpi xmlns:a14="http://schemas.microsoft.com/office/drawing/2010/main" val="0"/>
-              </a:ext>
-            </a:extLst>
-          </a:blip>
-          <a:srcRect/>
-          <a:stretch>
-            <a:fillRect/>
-          </a:stretch>
-        </p:blipFill>
-        <p:spPr bwMode="auto">
-          <a:xfrm>
-            <a:off x="924669" y="1699161"/>
-            <a:ext cx="2838202" cy="2838202"/>
-          </a:xfrm>
-          <a:prstGeom prst="rect">
-            <a:avLst/>
-          </a:prstGeom>
-          <a:noFill/>
-          <a:extLst>
-            <a:ext uri="{909E8E84-426E-40DD-AFC4-6F175D3DCCD1}">
-              <a14:hiddenFill xmlns:a14="http://schemas.microsoft.com/office/drawing/2010/main">
-                <a:solidFill>
-                  <a:srgbClr val="FFFFFF"/>
-                </a:solidFill>
-              </a14:hiddenFill>
-            </a:ext>
-          </a:extLst>
-        </p:spPr>
-      </p:pic>
-      <p:sp>
-        <p:nvSpPr>
-          <p:cNvPr id="13" name="TextBox 12"/>
-          <p:cNvSpPr txBox="1"/>
-          <p:nvPr/>
-        </p:nvSpPr>
-        <p:spPr>
-          <a:xfrm>
-            <a:off x="1749478" y="4784257"/>
-            <a:ext cx="1295547" cy="830997"/>
-          </a:xfrm>
-          <a:prstGeom prst="rect">
-            <a:avLst/>
-          </a:prstGeom>
-          <a:solidFill>
-            <a:srgbClr val="00B050"/>
-          </a:solidFill>
-          <a:ln>
-            <a:solidFill>
-              <a:schemeClr val="bg1"/>
-            </a:solidFill>
-          </a:ln>
-        </p:spPr>
-        <p:txBody>
-          <a:bodyPr wrap="none" rtlCol="0">
-            <a:spAutoFit/>
-          </a:bodyPr>
-          <a:lstStyle/>
-          <a:p>
-            <a:pPr marL="0" marR="0" lvl="0" indent="0" algn="ctr" defTabSz="914400" rtl="0" eaLnBrk="1" fontAlgn="auto" latinLnBrk="0" hangingPunct="1">
-              <a:lnSpc>
-                <a:spcPct val="100000"/>
-              </a:lnSpc>
-              <a:spcBef>
-                <a:spcPts val="0"/>
-              </a:spcBef>
-              <a:spcAft>
-                <a:spcPts val="0"/>
-              </a:spcAft>
-              <a:buClrTx/>
-              <a:buSzTx/>
-              <a:buFontTx/>
-              <a:buNone/>
-              <a:tabLst/>
-              <a:defRPr/>
-            </a:pPr>
-            <a:r>
-              <a:rPr kumimoji="0" lang="en-GB" sz="4800" b="0" i="0" u="none" strike="noStrike" kern="1200" cap="none" spc="0" normalizeH="0" baseline="0" noProof="0" dirty="0">
-                <a:ln>
-                  <a:noFill/>
-                </a:ln>
-                <a:solidFill>
-                  <a:srgbClr val="FFFFFF"/>
-                </a:solidFill>
-                <a:effectLst/>
-                <a:uLnTx/>
-                <a:uFillTx/>
-                <a:latin typeface="Arial" panose="020B0604020202020204" pitchFamily="34" charset="0"/>
-                <a:ea typeface="+mn-ea"/>
-                <a:cs typeface="Arial" panose="020B0604020202020204" pitchFamily="34" charset="0"/>
-              </a:rPr>
-              <a:t>Dev</a:t>
-            </a:r>
-          </a:p>
-        </p:txBody>
-      </p:sp>
-      <p:sp>
-        <p:nvSpPr>
-          <p:cNvPr id="14" name="TextBox 13"/>
-          <p:cNvSpPr txBox="1"/>
-          <p:nvPr/>
-        </p:nvSpPr>
-        <p:spPr>
-          <a:xfrm>
-            <a:off x="5152502" y="4784258"/>
-            <a:ext cx="1245854" cy="830997"/>
-          </a:xfrm>
-          <a:prstGeom prst="rect">
-            <a:avLst/>
-          </a:prstGeom>
-          <a:solidFill>
-            <a:srgbClr val="0070C0"/>
-          </a:solidFill>
-          <a:ln>
-            <a:solidFill>
-              <a:schemeClr val="bg1"/>
-            </a:solidFill>
-          </a:ln>
-        </p:spPr>
-        <p:txBody>
-          <a:bodyPr wrap="none" rtlCol="0">
-            <a:spAutoFit/>
-          </a:bodyPr>
-          <a:lstStyle/>
-          <a:p>
-            <a:pPr marL="0" marR="0" lvl="0" indent="0" algn="ctr" defTabSz="914400" rtl="0" eaLnBrk="1" fontAlgn="auto" latinLnBrk="0" hangingPunct="1">
-              <a:lnSpc>
-                <a:spcPct val="100000"/>
-              </a:lnSpc>
-              <a:spcBef>
-                <a:spcPts val="0"/>
-              </a:spcBef>
-              <a:spcAft>
-                <a:spcPts val="0"/>
-              </a:spcAft>
-              <a:buClrTx/>
-              <a:buSzTx/>
-              <a:buFontTx/>
-              <a:buNone/>
-              <a:tabLst/>
-              <a:defRPr/>
-            </a:pPr>
-            <a:r>
-              <a:rPr kumimoji="0" lang="en-GB" sz="4800" b="0" i="0" u="none" strike="noStrike" kern="1200" cap="none" spc="0" normalizeH="0" baseline="0" noProof="0" dirty="0">
-                <a:ln>
-                  <a:noFill/>
-                </a:ln>
-                <a:solidFill>
-                  <a:srgbClr val="000000"/>
-                </a:solidFill>
-                <a:effectLst/>
-                <a:uLnTx/>
-                <a:uFillTx/>
-                <a:latin typeface="Arial" panose="020B0604020202020204" pitchFamily="34" charset="0"/>
-                <a:ea typeface="+mn-ea"/>
-                <a:cs typeface="Arial" panose="020B0604020202020204" pitchFamily="34" charset="0"/>
-              </a:rPr>
-              <a:t>Sec</a:t>
-            </a:r>
-          </a:p>
-        </p:txBody>
-      </p:sp>
-      <p:sp>
-        <p:nvSpPr>
-          <p:cNvPr id="15" name="TextBox 14"/>
-          <p:cNvSpPr txBox="1"/>
-          <p:nvPr/>
-        </p:nvSpPr>
-        <p:spPr>
-          <a:xfrm>
-            <a:off x="8496216" y="4784257"/>
-            <a:ext cx="1314784" cy="830997"/>
-          </a:xfrm>
-          <a:prstGeom prst="rect">
-            <a:avLst/>
-          </a:prstGeom>
-          <a:solidFill>
-            <a:srgbClr val="00B050"/>
-          </a:solidFill>
-          <a:ln>
-            <a:solidFill>
-              <a:schemeClr val="bg1"/>
-            </a:solidFill>
-          </a:ln>
-        </p:spPr>
-        <p:txBody>
-          <a:bodyPr wrap="none" rtlCol="0">
-            <a:spAutoFit/>
-          </a:bodyPr>
-          <a:lstStyle/>
-          <a:p>
-            <a:pPr marL="0" marR="0" lvl="0" indent="0" algn="ctr" defTabSz="914400" rtl="0" eaLnBrk="1" fontAlgn="auto" latinLnBrk="0" hangingPunct="1">
-              <a:lnSpc>
-                <a:spcPct val="100000"/>
-              </a:lnSpc>
-              <a:spcBef>
-                <a:spcPts val="0"/>
-              </a:spcBef>
-              <a:spcAft>
-                <a:spcPts val="0"/>
-              </a:spcAft>
-              <a:buClrTx/>
-              <a:buSzTx/>
-              <a:buFontTx/>
-              <a:buNone/>
-              <a:tabLst/>
-              <a:defRPr/>
-            </a:pPr>
-            <a:r>
-              <a:rPr kumimoji="0" lang="en-GB" sz="4800" b="0" i="0" u="none" strike="noStrike" kern="1200" cap="none" spc="0" normalizeH="0" baseline="0" noProof="0" dirty="0">
-                <a:ln>
-                  <a:noFill/>
-                </a:ln>
-                <a:solidFill>
-                  <a:srgbClr val="FFFFFF"/>
-                </a:solidFill>
-                <a:effectLst/>
-                <a:uLnTx/>
-                <a:uFillTx/>
-                <a:latin typeface="Arial" panose="020B0604020202020204" pitchFamily="34" charset="0"/>
-                <a:ea typeface="+mn-ea"/>
-                <a:cs typeface="Arial" panose="020B0604020202020204" pitchFamily="34" charset="0"/>
-              </a:rPr>
-              <a:t>Ops</a:t>
-            </a:r>
-          </a:p>
-        </p:txBody>
-      </p:sp>
-    </p:spTree>
-    <p:extLst>
-      <p:ext uri="{BB962C8B-B14F-4D97-AF65-F5344CB8AC3E}">
-        <p14:creationId xmlns:p14="http://schemas.microsoft.com/office/powerpoint/2010/main" val="562706707"/>
-      </p:ext>
-    </p:extLst>
-  </p:cSld>
-  <p:clrMapOvr>
-    <a:masterClrMapping/>
-  </p:clrMapOvr>
-  <p:timing>
-    <p:tnLst>
-      <p:par>
-        <p:cTn id="1" dur="indefinite" restart="never" nodeType="tmRoot"/>
-      </p:par>
-    </p:tnLst>
-  </p:timing>
-</p:sld>
-</file>
-
-<file path=ppt/slides/slide13.xml><?xml version="1.0" encoding="utf-8"?>
-<p:sld xmlns:a="http://schemas.openxmlformats.org/drawingml/2006/main" xmlns:r="http://schemas.openxmlformats.org/officeDocument/2006/relationships" xmlns:p="http://schemas.openxmlformats.org/presentationml/2006/main">
-  <p:cSld>
-    <p:spTree>
-      <p:nvGrpSpPr>
-        <p:cNvPr id="1" name=""/>
-        <p:cNvGrpSpPr/>
-        <p:nvPr/>
-      </p:nvGrpSpPr>
-      <p:grpSpPr>
-        <a:xfrm>
-          <a:off x="0" y="0"/>
-          <a:ext cx="0" cy="0"/>
-          <a:chOff x="0" y="0"/>
-          <a:chExt cx="0" cy="0"/>
-        </a:xfrm>
-      </p:grpSpPr>
-      <p:sp>
-        <p:nvSpPr>
-          <p:cNvPr id="2" name="Footer Placeholder 1"/>
-          <p:cNvSpPr>
-            <a:spLocks noGrp="1"/>
-          </p:cNvSpPr>
-          <p:nvPr>
-            <p:ph type="ftr" sz="quarter" idx="11"/>
-          </p:nvPr>
-        </p:nvSpPr>
-        <p:spPr/>
-        <p:txBody>
-          <a:bodyPr/>
-          <a:lstStyle/>
-          <a:p>
-            <a:r>
-              <a:rPr lang="en-GB" smtClean="0"/>
+            <a:r>
+              <a:rPr lang="en-GB"/>
               <a:t>Document classification: GREEN</a:t>
             </a:r>
             <a:endParaRPr lang="en-GB" dirty="0"/>
@@ -28810,26 +27712,15 @@
                 </a:rPr>
                 <a:t>Process Chain </a:t>
               </a:r>
-              <a:endParaRPr lang="en-GB" sz="2000" dirty="0" smtClean="0">
-                <a:latin typeface="Arial" panose="020B0604020202020204" pitchFamily="34" charset="0"/>
-                <a:cs typeface="Arial" panose="020B0604020202020204" pitchFamily="34" charset="0"/>
-              </a:endParaRPr>
             </a:p>
             <a:p>
               <a:pPr algn="ctr"/>
-              <a:r>
-                <a:rPr lang="en-GB" sz="2000" dirty="0" smtClean="0">
-                  <a:latin typeface="Arial" panose="020B0604020202020204" pitchFamily="34" charset="0"/>
-                  <a:cs typeface="Arial" panose="020B0604020202020204" pitchFamily="34" charset="0"/>
-                </a:rPr>
-                <a:t>(</a:t>
-              </a:r>
               <a:r>
                 <a:rPr lang="en-GB" sz="2000" dirty="0">
                   <a:latin typeface="Arial" panose="020B0604020202020204" pitchFamily="34" charset="0"/>
                   <a:cs typeface="Arial" panose="020B0604020202020204" pitchFamily="34" charset="0"/>
                 </a:rPr>
-                <a:t>abridged!)</a:t>
+                <a:t>(abridged!)</a:t>
               </a:r>
               <a:endParaRPr lang="en-US" sz="2000" noProof="1">
                 <a:solidFill>
@@ -29018,7 +27909,7 @@
             <a:p>
               <a:pPr algn="ctr"/>
               <a:r>
-                <a:rPr lang="en-GB" sz="2400" dirty="0" smtClean="0">
+                <a:rPr lang="en-GB" sz="2400" dirty="0">
                   <a:latin typeface="Arial" panose="020B0604020202020204" pitchFamily="34" charset="0"/>
                   <a:cs typeface="Arial" panose="020B0604020202020204" pitchFamily="34" charset="0"/>
                 </a:rPr>
@@ -29161,7 +28052,7 @@
                 <a:buChar char="•"/>
               </a:pPr>
               <a:r>
-                <a:rPr lang="en-US" sz="1200" dirty="0" smtClean="0">
+                <a:rPr lang="en-US" sz="1200" dirty="0">
                   <a:latin typeface="Arial" panose="020B0604020202020204" pitchFamily="34" charset="0"/>
                   <a:cs typeface="Arial" panose="020B0604020202020204" pitchFamily="34" charset="0"/>
                 </a:rPr>
@@ -29183,7 +28074,7 @@
                 <a:buChar char="•"/>
               </a:pPr>
               <a:r>
-                <a:rPr lang="en-US" sz="1200" dirty="0" smtClean="0">
+                <a:rPr lang="en-US" sz="1200" dirty="0">
                   <a:latin typeface="Arial" panose="020B0604020202020204" pitchFamily="34" charset="0"/>
                   <a:cs typeface="Arial" panose="020B0604020202020204" pitchFamily="34" charset="0"/>
                 </a:rPr>
@@ -29196,7 +28087,7 @@
                 <a:buChar char="•"/>
               </a:pPr>
               <a:r>
-                <a:rPr lang="en-US" sz="1200" dirty="0" smtClean="0">
+                <a:rPr lang="en-US" sz="1200" dirty="0">
                   <a:latin typeface="Arial" panose="020B0604020202020204" pitchFamily="34" charset="0"/>
                   <a:cs typeface="Arial" panose="020B0604020202020204" pitchFamily="34" charset="0"/>
                 </a:rPr>
@@ -29209,7 +28100,7 @@
                 <a:buChar char="•"/>
               </a:pPr>
               <a:r>
-                <a:rPr lang="en-US" sz="1200" dirty="0" smtClean="0">
+                <a:rPr lang="en-US" sz="1200" dirty="0">
                   <a:latin typeface="Arial" panose="020B0604020202020204" pitchFamily="34" charset="0"/>
                   <a:cs typeface="Arial" panose="020B0604020202020204" pitchFamily="34" charset="0"/>
                 </a:rPr>
@@ -29222,7 +28113,7 @@
                 <a:buChar char="•"/>
               </a:pPr>
               <a:r>
-                <a:rPr lang="en-US" sz="1200" dirty="0" smtClean="0">
+                <a:rPr lang="en-US" sz="1200" dirty="0">
                   <a:latin typeface="Arial" panose="020B0604020202020204" pitchFamily="34" charset="0"/>
                   <a:cs typeface="Arial" panose="020B0604020202020204" pitchFamily="34" charset="0"/>
                 </a:rPr>
@@ -29235,7 +28126,7 @@
                 <a:buChar char="•"/>
               </a:pPr>
               <a:r>
-                <a:rPr lang="en-US" sz="1200" dirty="0" smtClean="0">
+                <a:rPr lang="en-US" sz="1200" dirty="0">
                   <a:latin typeface="Arial" panose="020B0604020202020204" pitchFamily="34" charset="0"/>
                   <a:cs typeface="Arial" panose="020B0604020202020204" pitchFamily="34" charset="0"/>
                 </a:rPr>
@@ -29248,7 +28139,7 @@
                 <a:buChar char="•"/>
               </a:pPr>
               <a:r>
-                <a:rPr lang="en-US" sz="1200" dirty="0" smtClean="0">
+                <a:rPr lang="en-US" sz="1200" dirty="0">
                   <a:latin typeface="Arial" panose="020B0604020202020204" pitchFamily="34" charset="0"/>
                   <a:cs typeface="Arial" panose="020B0604020202020204" pitchFamily="34" charset="0"/>
                 </a:rPr>
@@ -29432,7 +28323,7 @@
             <a:p>
               <a:pPr algn="ctr"/>
               <a:r>
-                <a:rPr lang="en-GB" sz="2400" dirty="0" smtClean="0">
+                <a:rPr lang="en-GB" sz="2400" dirty="0">
                   <a:latin typeface="Arial" panose="020B0604020202020204" pitchFamily="34" charset="0"/>
                   <a:cs typeface="Arial" panose="020B0604020202020204" pitchFamily="34" charset="0"/>
                 </a:rPr>
@@ -29575,7 +28466,7 @@
                 <a:buChar char="•"/>
               </a:pPr>
               <a:r>
-                <a:rPr lang="en-US" sz="1200" dirty="0" smtClean="0">
+                <a:rPr lang="en-US" sz="1200" dirty="0">
                   <a:latin typeface="Arial" panose="020B0604020202020204" pitchFamily="34" charset="0"/>
                   <a:cs typeface="Arial" panose="020B0604020202020204" pitchFamily="34" charset="0"/>
                 </a:rPr>
@@ -29588,7 +28479,7 @@
                 <a:buChar char="•"/>
               </a:pPr>
               <a:r>
-                <a:rPr lang="en-US" sz="1200" dirty="0" smtClean="0">
+                <a:rPr lang="en-US" sz="1200" dirty="0">
                   <a:latin typeface="Arial" panose="020B0604020202020204" pitchFamily="34" charset="0"/>
                   <a:cs typeface="Arial" panose="020B0604020202020204" pitchFamily="34" charset="0"/>
                 </a:rPr>
@@ -29601,7 +28492,7 @@
                 <a:buChar char="•"/>
               </a:pPr>
               <a:r>
-                <a:rPr lang="en-US" sz="1200" dirty="0" smtClean="0">
+                <a:rPr lang="en-US" sz="1200" dirty="0">
                   <a:latin typeface="Arial" panose="020B0604020202020204" pitchFamily="34" charset="0"/>
                   <a:cs typeface="Arial" panose="020B0604020202020204" pitchFamily="34" charset="0"/>
                 </a:rPr>
@@ -29614,7 +28505,7 @@
                 <a:buChar char="•"/>
               </a:pPr>
               <a:r>
-                <a:rPr lang="en-US" sz="1200" dirty="0" smtClean="0">
+                <a:rPr lang="en-US" sz="1200" dirty="0">
                   <a:latin typeface="Arial" panose="020B0604020202020204" pitchFamily="34" charset="0"/>
                   <a:cs typeface="Arial" panose="020B0604020202020204" pitchFamily="34" charset="0"/>
                 </a:rPr>
@@ -29627,7 +28518,7 @@
                 <a:buChar char="•"/>
               </a:pPr>
               <a:r>
-                <a:rPr lang="en-US" sz="1200" dirty="0" smtClean="0">
+                <a:rPr lang="en-US" sz="1200" dirty="0">
                   <a:latin typeface="Arial" panose="020B0604020202020204" pitchFamily="34" charset="0"/>
                   <a:cs typeface="Arial" panose="020B0604020202020204" pitchFamily="34" charset="0"/>
                 </a:rPr>
@@ -29640,7 +28531,7 @@
                 <a:buChar char="•"/>
               </a:pPr>
               <a:r>
-                <a:rPr lang="en-US" sz="1200" dirty="0" smtClean="0">
+                <a:rPr lang="en-US" sz="1200" dirty="0">
                   <a:latin typeface="Arial" panose="020B0604020202020204" pitchFamily="34" charset="0"/>
                   <a:cs typeface="Arial" panose="020B0604020202020204" pitchFamily="34" charset="0"/>
                 </a:rPr>
@@ -29794,7 +28685,7 @@
             <a:p>
               <a:pPr algn="ctr"/>
               <a:r>
-                <a:rPr lang="en-GB" sz="2400" dirty="0" smtClean="0">
+                <a:rPr lang="en-GB" sz="2400" dirty="0">
                   <a:latin typeface="Arial" panose="020B0604020202020204" pitchFamily="34" charset="0"/>
                   <a:cs typeface="Arial" panose="020B0604020202020204" pitchFamily="34" charset="0"/>
                 </a:rPr>
@@ -29937,7 +28828,7 @@
                 <a:buChar char="•"/>
               </a:pPr>
               <a:r>
-                <a:rPr lang="en-US" sz="1200" dirty="0" smtClean="0">
+                <a:rPr lang="en-US" sz="1200" dirty="0">
                   <a:latin typeface="Arial" panose="020B0604020202020204" pitchFamily="34" charset="0"/>
                   <a:cs typeface="Arial" panose="020B0604020202020204" pitchFamily="34" charset="0"/>
                 </a:rPr>
@@ -29959,7 +28850,7 @@
                 <a:buChar char="•"/>
               </a:pPr>
               <a:r>
-                <a:rPr lang="en-US" sz="1200" dirty="0" smtClean="0">
+                <a:rPr lang="en-US" sz="1200" dirty="0">
                   <a:latin typeface="Arial" panose="020B0604020202020204" pitchFamily="34" charset="0"/>
                   <a:cs typeface="Arial" panose="020B0604020202020204" pitchFamily="34" charset="0"/>
                 </a:rPr>
@@ -29972,7 +28863,7 @@
                 <a:buChar char="•"/>
               </a:pPr>
               <a:r>
-                <a:rPr lang="en-US" sz="1200" dirty="0" smtClean="0">
+                <a:rPr lang="en-US" sz="1200" dirty="0">
                   <a:latin typeface="Arial" panose="020B0604020202020204" pitchFamily="34" charset="0"/>
                   <a:cs typeface="Arial" panose="020B0604020202020204" pitchFamily="34" charset="0"/>
                 </a:rPr>
@@ -29985,7 +28876,7 @@
                 <a:buChar char="•"/>
               </a:pPr>
               <a:r>
-                <a:rPr lang="en-US" sz="1200" dirty="0" smtClean="0">
+                <a:rPr lang="en-US" sz="1200" dirty="0">
                   <a:latin typeface="Arial" panose="020B0604020202020204" pitchFamily="34" charset="0"/>
                   <a:cs typeface="Arial" panose="020B0604020202020204" pitchFamily="34" charset="0"/>
                 </a:rPr>
@@ -29998,7 +28889,7 @@
                 <a:buChar char="•"/>
               </a:pPr>
               <a:r>
-                <a:rPr lang="en-US" sz="1200" dirty="0" smtClean="0">
+                <a:rPr lang="en-US" sz="1200" dirty="0">
                   <a:latin typeface="Arial" panose="020B0604020202020204" pitchFamily="34" charset="0"/>
                   <a:cs typeface="Arial" panose="020B0604020202020204" pitchFamily="34" charset="0"/>
                 </a:rPr>
@@ -30011,7 +28902,7 @@
                 <a:buChar char="•"/>
               </a:pPr>
               <a:r>
-                <a:rPr lang="en-US" sz="1200" dirty="0" smtClean="0">
+                <a:rPr lang="en-US" sz="1200" dirty="0">
                   <a:latin typeface="Arial" panose="020B0604020202020204" pitchFamily="34" charset="0"/>
                   <a:cs typeface="Arial" panose="020B0604020202020204" pitchFamily="34" charset="0"/>
                 </a:rPr>
@@ -30225,7 +29116,7 @@
             <a:p>
               <a:pPr algn="ctr"/>
               <a:r>
-                <a:rPr lang="en-GB" sz="2400" dirty="0" smtClean="0">
+                <a:rPr lang="en-GB" sz="2400" dirty="0">
                   <a:latin typeface="Arial" panose="020B0604020202020204" pitchFamily="34" charset="0"/>
                   <a:cs typeface="Arial" panose="020B0604020202020204" pitchFamily="34" charset="0"/>
                 </a:rPr>
@@ -30368,7 +29259,7 @@
                 <a:buChar char="•"/>
               </a:pPr>
               <a:r>
-                <a:rPr lang="en-US" sz="1200" dirty="0" smtClean="0">
+                <a:rPr lang="en-US" sz="1200" dirty="0">
                   <a:latin typeface="Arial" panose="020B0604020202020204" pitchFamily="34" charset="0"/>
                   <a:cs typeface="Arial" panose="020B0604020202020204" pitchFamily="34" charset="0"/>
                 </a:rPr>
@@ -30381,7 +29272,7 @@
                 <a:buChar char="•"/>
               </a:pPr>
               <a:r>
-                <a:rPr lang="en-US" sz="1200" dirty="0" smtClean="0">
+                <a:rPr lang="en-US" sz="1200" dirty="0">
                   <a:latin typeface="Arial" panose="020B0604020202020204" pitchFamily="34" charset="0"/>
                   <a:cs typeface="Arial" panose="020B0604020202020204" pitchFamily="34" charset="0"/>
                 </a:rPr>
@@ -30403,7 +29294,7 @@
                 <a:buChar char="•"/>
               </a:pPr>
               <a:r>
-                <a:rPr lang="en-US" sz="1200" dirty="0" smtClean="0">
+                <a:rPr lang="en-US" sz="1200" dirty="0">
                   <a:latin typeface="Arial" panose="020B0604020202020204" pitchFamily="34" charset="0"/>
                   <a:cs typeface="Arial" panose="020B0604020202020204" pitchFamily="34" charset="0"/>
                 </a:rPr>
@@ -30416,7 +29307,7 @@
                 <a:buChar char="•"/>
               </a:pPr>
               <a:r>
-                <a:rPr lang="en-US" sz="1200" dirty="0" smtClean="0">
+                <a:rPr lang="en-US" sz="1200" dirty="0">
                   <a:latin typeface="Arial" panose="020B0604020202020204" pitchFamily="34" charset="0"/>
                   <a:cs typeface="Arial" panose="020B0604020202020204" pitchFamily="34" charset="0"/>
                 </a:rPr>
@@ -30429,7 +29320,7 @@
                 <a:buChar char="•"/>
               </a:pPr>
               <a:r>
-                <a:rPr lang="en-US" sz="1200" dirty="0" smtClean="0">
+                <a:rPr lang="en-US" sz="1200" dirty="0">
                   <a:latin typeface="Arial" panose="020B0604020202020204" pitchFamily="34" charset="0"/>
                   <a:cs typeface="Arial" panose="020B0604020202020204" pitchFamily="34" charset="0"/>
                 </a:rPr>
@@ -30442,7 +29333,7 @@
                 <a:buChar char="•"/>
               </a:pPr>
               <a:r>
-                <a:rPr lang="en-US" sz="1200" dirty="0" smtClean="0">
+                <a:rPr lang="en-US" sz="1200" dirty="0">
                   <a:latin typeface="Arial" panose="020B0604020202020204" pitchFamily="34" charset="0"/>
                   <a:cs typeface="Arial" panose="020B0604020202020204" pitchFamily="34" charset="0"/>
                 </a:rPr>
@@ -30455,7 +29346,7 @@
                 <a:buChar char="•"/>
               </a:pPr>
               <a:r>
-                <a:rPr lang="en-US" sz="1200" dirty="0" smtClean="0">
+                <a:rPr lang="en-US" sz="1200" dirty="0">
                   <a:latin typeface="Arial" panose="020B0604020202020204" pitchFamily="34" charset="0"/>
                   <a:cs typeface="Arial" panose="020B0604020202020204" pitchFamily="34" charset="0"/>
                 </a:rPr>
@@ -30669,7 +29560,7 @@
             <a:p>
               <a:pPr algn="ctr"/>
               <a:r>
-                <a:rPr lang="en-GB" sz="2400" dirty="0" smtClean="0">
+                <a:rPr lang="en-GB" sz="2400" dirty="0">
                   <a:latin typeface="Arial" panose="020B0604020202020204" pitchFamily="34" charset="0"/>
                   <a:cs typeface="Arial" panose="020B0604020202020204" pitchFamily="34" charset="0"/>
                 </a:rPr>
@@ -30812,7 +29703,7 @@
                 <a:buChar char="•"/>
               </a:pPr>
               <a:r>
-                <a:rPr lang="en-US" sz="1200" dirty="0" smtClean="0">
+                <a:rPr lang="en-US" sz="1200" dirty="0">
                   <a:latin typeface="Arial" panose="020B0604020202020204" pitchFamily="34" charset="0"/>
                   <a:cs typeface="Arial" panose="020B0604020202020204" pitchFamily="34" charset="0"/>
                 </a:rPr>
@@ -30825,7 +29716,7 @@
                 <a:buChar char="•"/>
               </a:pPr>
               <a:r>
-                <a:rPr lang="en-US" sz="1200" dirty="0" smtClean="0">
+                <a:rPr lang="en-US" sz="1200" dirty="0">
                   <a:latin typeface="Arial" panose="020B0604020202020204" pitchFamily="34" charset="0"/>
                   <a:cs typeface="Arial" panose="020B0604020202020204" pitchFamily="34" charset="0"/>
                 </a:rPr>
@@ -30847,7 +29738,7 @@
                 <a:buChar char="•"/>
               </a:pPr>
               <a:r>
-                <a:rPr lang="en-US" sz="1200" dirty="0" smtClean="0">
+                <a:rPr lang="en-US" sz="1200" dirty="0">
                   <a:latin typeface="Arial" panose="020B0604020202020204" pitchFamily="34" charset="0"/>
                   <a:cs typeface="Arial" panose="020B0604020202020204" pitchFamily="34" charset="0"/>
                 </a:rPr>
@@ -30860,7 +29751,7 @@
                 <a:buChar char="•"/>
               </a:pPr>
               <a:r>
-                <a:rPr lang="en-US" sz="1200" dirty="0" smtClean="0">
+                <a:rPr lang="en-US" sz="1200" dirty="0">
                   <a:latin typeface="Arial" panose="020B0604020202020204" pitchFamily="34" charset="0"/>
                   <a:cs typeface="Arial" panose="020B0604020202020204" pitchFamily="34" charset="0"/>
                 </a:rPr>
@@ -30873,7 +29764,7 @@
                 <a:buChar char="•"/>
               </a:pPr>
               <a:r>
-                <a:rPr lang="en-US" sz="1200" dirty="0" smtClean="0">
+                <a:rPr lang="en-US" sz="1200" dirty="0">
                   <a:latin typeface="Arial" panose="020B0604020202020204" pitchFamily="34" charset="0"/>
                   <a:cs typeface="Arial" panose="020B0604020202020204" pitchFamily="34" charset="0"/>
                 </a:rPr>
@@ -30886,7 +29777,7 @@
                 <a:buChar char="•"/>
               </a:pPr>
               <a:r>
-                <a:rPr lang="en-US" sz="1200" dirty="0" smtClean="0">
+                <a:rPr lang="en-US" sz="1200" dirty="0">
                   <a:latin typeface="Arial" panose="020B0604020202020204" pitchFamily="34" charset="0"/>
                   <a:cs typeface="Arial" panose="020B0604020202020204" pitchFamily="34" charset="0"/>
                 </a:rPr>
@@ -31040,7 +29931,7 @@
             <a:p>
               <a:pPr algn="ctr"/>
               <a:r>
-                <a:rPr lang="en-GB" sz="2400" dirty="0" smtClean="0">
+                <a:rPr lang="en-GB" sz="2400" dirty="0">
                   <a:latin typeface="Arial" panose="020B0604020202020204" pitchFamily="34" charset="0"/>
                   <a:cs typeface="Arial" panose="020B0604020202020204" pitchFamily="34" charset="0"/>
                 </a:rPr>
@@ -31183,7 +30074,7 @@
                 <a:buChar char="•"/>
               </a:pPr>
               <a:r>
-                <a:rPr lang="en-US" sz="1200" dirty="0" smtClean="0">
+                <a:rPr lang="en-US" sz="1200" dirty="0">
                   <a:latin typeface="Arial" panose="020B0604020202020204" pitchFamily="34" charset="0"/>
                   <a:cs typeface="Arial" panose="020B0604020202020204" pitchFamily="34" charset="0"/>
                 </a:rPr>
@@ -31196,7 +30087,7 @@
                 <a:buChar char="•"/>
               </a:pPr>
               <a:r>
-                <a:rPr lang="en-US" sz="1200" dirty="0" smtClean="0">
+                <a:rPr lang="en-US" sz="1200" dirty="0">
                   <a:latin typeface="Arial" panose="020B0604020202020204" pitchFamily="34" charset="0"/>
                   <a:cs typeface="Arial" panose="020B0604020202020204" pitchFamily="34" charset="0"/>
                 </a:rPr>
@@ -31209,7 +30100,7 @@
                 <a:buChar char="•"/>
               </a:pPr>
               <a:r>
-                <a:rPr lang="en-US" sz="1200" dirty="0" smtClean="0">
+                <a:rPr lang="en-US" sz="1200" dirty="0">
                   <a:latin typeface="Arial" panose="020B0604020202020204" pitchFamily="34" charset="0"/>
                   <a:cs typeface="Arial" panose="020B0604020202020204" pitchFamily="34" charset="0"/>
                 </a:rPr>
@@ -31222,7 +30113,7 @@
                 <a:buChar char="•"/>
               </a:pPr>
               <a:r>
-                <a:rPr lang="en-US" sz="1200" dirty="0" smtClean="0">
+                <a:rPr lang="en-US" sz="1200" dirty="0">
                   <a:latin typeface="Arial" panose="020B0604020202020204" pitchFamily="34" charset="0"/>
                   <a:cs typeface="Arial" panose="020B0604020202020204" pitchFamily="34" charset="0"/>
                 </a:rPr>
@@ -31235,7 +30126,7 @@
                 <a:buChar char="•"/>
               </a:pPr>
               <a:r>
-                <a:rPr lang="en-US" sz="1200" dirty="0" smtClean="0">
+                <a:rPr lang="en-US" sz="1200" dirty="0">
                   <a:latin typeface="Arial" panose="020B0604020202020204" pitchFamily="34" charset="0"/>
                   <a:cs typeface="Arial" panose="020B0604020202020204" pitchFamily="34" charset="0"/>
                 </a:rPr>
@@ -31248,7 +30139,7 @@
                 <a:buChar char="•"/>
               </a:pPr>
               <a:r>
-                <a:rPr lang="en-US" sz="1200" dirty="0" smtClean="0">
+                <a:rPr lang="en-US" sz="1200" dirty="0">
                   <a:latin typeface="Arial" panose="020B0604020202020204" pitchFamily="34" charset="0"/>
                   <a:cs typeface="Arial" panose="020B0604020202020204" pitchFamily="34" charset="0"/>
                 </a:rPr>
@@ -31265,14 +30156,7 @@
                   <a:latin typeface="Arial" panose="020B0604020202020204" pitchFamily="34" charset="0"/>
                   <a:cs typeface="Arial" panose="020B0604020202020204" pitchFamily="34" charset="0"/>
                 </a:rPr>
-                <a:t>Secrets </a:t>
-              </a:r>
-              <a:r>
-                <a:rPr lang="en-US" sz="1200" dirty="0" smtClean="0">
-                  <a:latin typeface="Arial" panose="020B0604020202020204" pitchFamily="34" charset="0"/>
-                  <a:cs typeface="Arial" panose="020B0604020202020204" pitchFamily="34" charset="0"/>
-                </a:rPr>
-                <a:t>management</a:t>
+                <a:t>Secrets management</a:t>
               </a:r>
             </a:p>
             <a:p>
@@ -31281,16 +30165,12 @@
                 <a:buChar char="•"/>
               </a:pPr>
               <a:r>
-                <a:rPr lang="en-US" sz="1200" dirty="0" smtClean="0">
+                <a:rPr lang="en-US" sz="1200" dirty="0">
                   <a:latin typeface="Arial" panose="020B0604020202020204" pitchFamily="34" charset="0"/>
                   <a:cs typeface="Arial" panose="020B0604020202020204" pitchFamily="34" charset="0"/>
                 </a:rPr>
                 <a:t>Stop reading this slide!</a:t>
               </a:r>
-              <a:endParaRPr lang="en-US" sz="1200" dirty="0">
-                <a:latin typeface="Arial" panose="020B0604020202020204" pitchFamily="34" charset="0"/>
-                <a:cs typeface="Arial" panose="020B0604020202020204" pitchFamily="34" charset="0"/>
-              </a:endParaRPr>
             </a:p>
           </p:txBody>
         </p:sp>
@@ -31305,17 +30185,10 @@
   <p:clrMapOvr>
     <a:masterClrMapping/>
   </p:clrMapOvr>
-  <p:timing>
-    <p:tnLst>
-      <p:par>
-        <p:cTn id="1" dur="indefinite" restart="never" nodeType="tmRoot"/>
-      </p:par>
-    </p:tnLst>
-  </p:timing>
 </p:sld>
 </file>
 
-<file path=ppt/slides/slide14.xml><?xml version="1.0" encoding="utf-8"?>
+<file path=ppt/slides/slide13.xml><?xml version="1.0" encoding="utf-8"?>
 <p:sld xmlns:a="http://schemas.openxmlformats.org/drawingml/2006/main" xmlns:r="http://schemas.openxmlformats.org/officeDocument/2006/relationships" xmlns:p="http://schemas.openxmlformats.org/presentationml/2006/main">
   <p:cSld>
     <p:spTree>
@@ -31404,22 +30277,17 @@
           <a:lstStyle/>
           <a:p>
             <a:r>
-              <a:rPr lang="en-GB" dirty="0" smtClean="0"/>
+              <a:rPr lang="en-GB" dirty="0"/>
               <a:t>Document Classification: </a:t>
             </a:r>
             <a:r>
-              <a:rPr lang="en-GB" dirty="0" smtClean="0">
+              <a:rPr lang="en-GB" dirty="0">
                 <a:solidFill>
                   <a:srgbClr val="00B050"/>
                 </a:solidFill>
               </a:rPr>
               <a:t>Green</a:t>
             </a:r>
-            <a:endParaRPr lang="en-GB" dirty="0">
-              <a:solidFill>
-                <a:srgbClr val="00B050"/>
-              </a:solidFill>
-            </a:endParaRPr>
           </a:p>
         </p:txBody>
       </p:sp>
@@ -31575,7 +30443,7 @@
               <a:p>
                 <a:pPr algn="ctr"/>
                 <a:r>
-                  <a:rPr lang="en-GB" sz="1400" dirty="0" smtClean="0">
+                  <a:rPr lang="en-GB" sz="1400" dirty="0">
                     <a:latin typeface="Arial" panose="020B0604020202020204" pitchFamily="34" charset="0"/>
                     <a:cs typeface="Arial" panose="020B0604020202020204" pitchFamily="34" charset="0"/>
                   </a:rPr>
@@ -31718,7 +30586,7 @@
                   <a:buChar char="•"/>
                 </a:pPr>
                 <a:r>
-                  <a:rPr lang="en-US" sz="800" dirty="0" smtClean="0">
+                  <a:rPr lang="en-US" sz="800" dirty="0">
                     <a:latin typeface="Arial" panose="020B0604020202020204" pitchFamily="34" charset="0"/>
                     <a:cs typeface="Arial" panose="020B0604020202020204" pitchFamily="34" charset="0"/>
                   </a:rPr>
@@ -31731,13 +30599,13 @@
                   <a:buChar char="•"/>
                 </a:pPr>
                 <a:r>
-                  <a:rPr lang="en-US" sz="800" dirty="0" err="1" smtClean="0">
+                  <a:rPr lang="en-US" sz="800" dirty="0" err="1">
                     <a:latin typeface="Arial" panose="020B0604020202020204" pitchFamily="34" charset="0"/>
                     <a:cs typeface="Arial" panose="020B0604020202020204" pitchFamily="34" charset="0"/>
                   </a:rPr>
                   <a:t>Pluralsight</a:t>
                 </a:r>
-                <a:endParaRPr lang="en-US" sz="800" dirty="0" smtClean="0">
+                <a:endParaRPr lang="en-US" sz="800" dirty="0">
                   <a:latin typeface="Arial" panose="020B0604020202020204" pitchFamily="34" charset="0"/>
                   <a:cs typeface="Arial" panose="020B0604020202020204" pitchFamily="34" charset="0"/>
                 </a:endParaRPr>
@@ -31748,7 +30616,7 @@
                   <a:buChar char="•"/>
                 </a:pPr>
                 <a:r>
-                  <a:rPr lang="en-US" sz="800" dirty="0" smtClean="0">
+                  <a:rPr lang="en-US" sz="800" dirty="0">
                     <a:latin typeface="Arial" panose="020B0604020202020204" pitchFamily="34" charset="0"/>
                     <a:cs typeface="Arial" panose="020B0604020202020204" pitchFamily="34" charset="0"/>
                   </a:rPr>
@@ -31761,7 +30629,7 @@
                   <a:buChar char="•"/>
                 </a:pPr>
                 <a:r>
-                  <a:rPr lang="en-US" sz="800" dirty="0" smtClean="0">
+                  <a:rPr lang="en-US" sz="800" dirty="0">
                     <a:latin typeface="Arial" panose="020B0604020202020204" pitchFamily="34" charset="0"/>
                     <a:cs typeface="Arial" panose="020B0604020202020204" pitchFamily="34" charset="0"/>
                   </a:rPr>
@@ -31774,13 +30642,13 @@
                   <a:buChar char="•"/>
                 </a:pPr>
                 <a:r>
-                  <a:rPr lang="en-US" sz="800" dirty="0" err="1" smtClean="0">
+                  <a:rPr lang="en-US" sz="800" dirty="0" err="1">
                     <a:latin typeface="Arial" panose="020B0604020202020204" pitchFamily="34" charset="0"/>
                     <a:cs typeface="Arial" panose="020B0604020202020204" pitchFamily="34" charset="0"/>
                   </a:rPr>
                   <a:t>Udemy</a:t>
                 </a:r>
-                <a:endParaRPr lang="en-US" sz="800" dirty="0" smtClean="0">
+                <a:endParaRPr lang="en-US" sz="800" dirty="0">
                   <a:latin typeface="Arial" panose="020B0604020202020204" pitchFamily="34" charset="0"/>
                   <a:cs typeface="Arial" panose="020B0604020202020204" pitchFamily="34" charset="0"/>
                 </a:endParaRPr>
@@ -31791,7 +30659,7 @@
                   <a:buChar char="•"/>
                 </a:pPr>
                 <a:r>
-                  <a:rPr lang="en-US" sz="800" dirty="0" smtClean="0">
+                  <a:rPr lang="en-US" sz="800" dirty="0">
                     <a:latin typeface="Arial" panose="020B0604020202020204" pitchFamily="34" charset="0"/>
                     <a:cs typeface="Arial" panose="020B0604020202020204" pitchFamily="34" charset="0"/>
                   </a:rPr>
@@ -31804,7 +30672,7 @@
                   <a:buChar char="•"/>
                 </a:pPr>
                 <a:r>
-                  <a:rPr lang="en-US" sz="800" dirty="0" smtClean="0">
+                  <a:rPr lang="en-US" sz="800" dirty="0">
                     <a:latin typeface="Arial" panose="020B0604020202020204" pitchFamily="34" charset="0"/>
                     <a:cs typeface="Arial" panose="020B0604020202020204" pitchFamily="34" charset="0"/>
                   </a:rPr>
@@ -31817,7 +30685,7 @@
                   <a:buChar char="•"/>
                 </a:pPr>
                 <a:r>
-                  <a:rPr lang="en-US" sz="800" dirty="0" smtClean="0">
+                  <a:rPr lang="en-US" sz="800" dirty="0">
                     <a:latin typeface="Arial" panose="020B0604020202020204" pitchFamily="34" charset="0"/>
                     <a:cs typeface="Arial" panose="020B0604020202020204" pitchFamily="34" charset="0"/>
                   </a:rPr>
@@ -31953,13 +30821,13 @@
                   <a:buChar char="•"/>
                 </a:pPr>
                 <a:r>
-                  <a:rPr lang="en-US" sz="800" dirty="0" err="1" smtClean="0">
+                  <a:rPr lang="en-US" sz="800" dirty="0" err="1">
                     <a:latin typeface="Arial" panose="020B0604020202020204" pitchFamily="34" charset="0"/>
                     <a:cs typeface="Arial" panose="020B0604020202020204" pitchFamily="34" charset="0"/>
                   </a:rPr>
                   <a:t>Gerrit</a:t>
                 </a:r>
-                <a:endParaRPr lang="en-US" sz="800" dirty="0" smtClean="0">
+                <a:endParaRPr lang="en-US" sz="800" dirty="0">
                   <a:latin typeface="Arial" panose="020B0604020202020204" pitchFamily="34" charset="0"/>
                   <a:cs typeface="Arial" panose="020B0604020202020204" pitchFamily="34" charset="0"/>
                 </a:endParaRPr>
@@ -31970,14 +30838,14 @@
                   <a:buChar char="•"/>
                 </a:pPr>
                 <a:r>
-                  <a:rPr lang="en-US" sz="800" dirty="0" err="1" smtClean="0">
+                  <a:rPr lang="en-US" sz="800" dirty="0" err="1">
                     <a:latin typeface="Arial" panose="020B0604020202020204" pitchFamily="34" charset="0"/>
                     <a:cs typeface="Arial" panose="020B0604020202020204" pitchFamily="34" charset="0"/>
                   </a:rPr>
                   <a:t>Github</a:t>
                 </a:r>
                 <a:r>
-                  <a:rPr lang="en-US" sz="800" dirty="0" smtClean="0">
+                  <a:rPr lang="en-US" sz="800" dirty="0">
                     <a:latin typeface="Arial" panose="020B0604020202020204" pitchFamily="34" charset="0"/>
                     <a:cs typeface="Arial" panose="020B0604020202020204" pitchFamily="34" charset="0"/>
                   </a:rPr>
@@ -31990,7 +30858,7 @@
                   <a:buChar char="•"/>
                 </a:pPr>
                 <a:r>
-                  <a:rPr lang="en-US" sz="800" dirty="0" smtClean="0">
+                  <a:rPr lang="en-US" sz="800" dirty="0">
                     <a:latin typeface="Arial" panose="020B0604020202020204" pitchFamily="34" charset="0"/>
                     <a:cs typeface="Arial" panose="020B0604020202020204" pitchFamily="34" charset="0"/>
                   </a:rPr>
@@ -32003,7 +30871,7 @@
                   <a:buChar char="•"/>
                 </a:pPr>
                 <a:r>
-                  <a:rPr lang="en-US" sz="800" dirty="0" smtClean="0">
+                  <a:rPr lang="en-US" sz="800" dirty="0">
                     <a:latin typeface="Arial" panose="020B0604020202020204" pitchFamily="34" charset="0"/>
                     <a:cs typeface="Arial" panose="020B0604020202020204" pitchFamily="34" charset="0"/>
                   </a:rPr>
@@ -32016,13 +30884,13 @@
                   <a:buChar char="•"/>
                 </a:pPr>
                 <a:r>
-                  <a:rPr lang="en-US" sz="800" dirty="0" err="1" smtClean="0">
+                  <a:rPr lang="en-US" sz="800" dirty="0" err="1">
                     <a:latin typeface="Arial" panose="020B0604020202020204" pitchFamily="34" charset="0"/>
                     <a:cs typeface="Arial" panose="020B0604020202020204" pitchFamily="34" charset="0"/>
                   </a:rPr>
                   <a:t>xUnit</a:t>
                 </a:r>
-                <a:endParaRPr lang="en-US" sz="800" dirty="0" smtClean="0">
+                <a:endParaRPr lang="en-US" sz="800" dirty="0">
                   <a:latin typeface="Arial" panose="020B0604020202020204" pitchFamily="34" charset="0"/>
                   <a:cs typeface="Arial" panose="020B0604020202020204" pitchFamily="34" charset="0"/>
                 </a:endParaRPr>
@@ -32033,7 +30901,7 @@
                   <a:buChar char="•"/>
                 </a:pPr>
                 <a:r>
-                  <a:rPr lang="en-US" sz="800" dirty="0" smtClean="0">
+                  <a:rPr lang="en-US" sz="800" dirty="0">
                     <a:latin typeface="Arial" panose="020B0604020202020204" pitchFamily="34" charset="0"/>
                     <a:cs typeface="Arial" panose="020B0604020202020204" pitchFamily="34" charset="0"/>
                   </a:rPr>
@@ -32046,7 +30914,7 @@
                   <a:buChar char="•"/>
                 </a:pPr>
                 <a:r>
-                  <a:rPr lang="en-US" sz="800" dirty="0" smtClean="0">
+                  <a:rPr lang="en-US" sz="800" dirty="0">
                     <a:latin typeface="Arial" panose="020B0604020202020204" pitchFamily="34" charset="0"/>
                     <a:cs typeface="Arial" panose="020B0604020202020204" pitchFamily="34" charset="0"/>
                   </a:rPr>
@@ -32059,7 +30927,7 @@
                   <a:buChar char="•"/>
                 </a:pPr>
                 <a:r>
-                  <a:rPr lang="en-US" sz="800" dirty="0" smtClean="0">
+                  <a:rPr lang="en-US" sz="800" dirty="0">
                     <a:latin typeface="Arial" panose="020B0604020202020204" pitchFamily="34" charset="0"/>
                     <a:cs typeface="Arial" panose="020B0604020202020204" pitchFamily="34" charset="0"/>
                   </a:rPr>
@@ -32268,7 +31136,7 @@
               <a:p>
                 <a:pPr algn="ctr"/>
                 <a:r>
-                  <a:rPr lang="en-GB" sz="1400" dirty="0" smtClean="0">
+                  <a:rPr lang="en-GB" sz="1400" dirty="0">
                     <a:latin typeface="Arial" panose="020B0604020202020204" pitchFamily="34" charset="0"/>
                     <a:cs typeface="Arial" panose="020B0604020202020204" pitchFamily="34" charset="0"/>
                   </a:rPr>
@@ -32411,7 +31279,7 @@
                   <a:buChar char="•"/>
                 </a:pPr>
                 <a:r>
-                  <a:rPr lang="en-US" sz="800" dirty="0" smtClean="0">
+                  <a:rPr lang="en-US" sz="800" dirty="0">
                     <a:latin typeface="Arial" panose="020B0604020202020204" pitchFamily="34" charset="0"/>
                     <a:cs typeface="Arial" panose="020B0604020202020204" pitchFamily="34" charset="0"/>
                   </a:rPr>
@@ -32424,7 +31292,7 @@
                   <a:buChar char="•"/>
                 </a:pPr>
                 <a:r>
-                  <a:rPr lang="en-US" sz="800" dirty="0" smtClean="0">
+                  <a:rPr lang="en-US" sz="800" dirty="0">
                     <a:latin typeface="Arial" panose="020B0604020202020204" pitchFamily="34" charset="0"/>
                     <a:cs typeface="Arial" panose="020B0604020202020204" pitchFamily="34" charset="0"/>
                   </a:rPr>
@@ -32437,13 +31305,13 @@
                   <a:buChar char="•"/>
                 </a:pPr>
                 <a:r>
-                  <a:rPr lang="en-US" sz="800" dirty="0" err="1" smtClean="0">
+                  <a:rPr lang="en-US" sz="800" dirty="0" err="1">
                     <a:latin typeface="Arial" panose="020B0604020202020204" pitchFamily="34" charset="0"/>
                     <a:cs typeface="Arial" panose="020B0604020202020204" pitchFamily="34" charset="0"/>
                   </a:rPr>
                   <a:t>Splunk</a:t>
                 </a:r>
-                <a:endParaRPr lang="en-US" sz="800" dirty="0" smtClean="0">
+                <a:endParaRPr lang="en-US" sz="800" dirty="0">
                   <a:latin typeface="Arial" panose="020B0604020202020204" pitchFamily="34" charset="0"/>
                   <a:cs typeface="Arial" panose="020B0604020202020204" pitchFamily="34" charset="0"/>
                 </a:endParaRPr>
@@ -32454,13 +31322,13 @@
                   <a:buChar char="•"/>
                 </a:pPr>
                 <a:r>
-                  <a:rPr lang="en-US" sz="800" dirty="0" err="1" smtClean="0">
+                  <a:rPr lang="en-US" sz="800" dirty="0" err="1">
                     <a:latin typeface="Arial" panose="020B0604020202020204" pitchFamily="34" charset="0"/>
                     <a:cs typeface="Arial" panose="020B0604020202020204" pitchFamily="34" charset="0"/>
                   </a:rPr>
                   <a:t>SolarWinds</a:t>
                 </a:r>
-                <a:endParaRPr lang="en-US" sz="800" dirty="0" smtClean="0">
+                <a:endParaRPr lang="en-US" sz="800" dirty="0">
                   <a:latin typeface="Arial" panose="020B0604020202020204" pitchFamily="34" charset="0"/>
                   <a:cs typeface="Arial" panose="020B0604020202020204" pitchFamily="34" charset="0"/>
                 </a:endParaRPr>
@@ -32471,20 +31339,20 @@
                   <a:buChar char="•"/>
                 </a:pPr>
                 <a:r>
-                  <a:rPr lang="en-US" sz="800" dirty="0" smtClean="0">
+                  <a:rPr lang="en-US" sz="800" dirty="0">
                     <a:latin typeface="Arial" panose="020B0604020202020204" pitchFamily="34" charset="0"/>
                     <a:cs typeface="Arial" panose="020B0604020202020204" pitchFamily="34" charset="0"/>
                   </a:rPr>
                   <a:t>RSA </a:t>
                 </a:r>
                 <a:r>
-                  <a:rPr lang="en-US" sz="800" dirty="0" err="1" smtClean="0">
+                  <a:rPr lang="en-US" sz="800" dirty="0" err="1">
                     <a:latin typeface="Arial" panose="020B0604020202020204" pitchFamily="34" charset="0"/>
                     <a:cs typeface="Arial" panose="020B0604020202020204" pitchFamily="34" charset="0"/>
                   </a:rPr>
                   <a:t>NetWitness</a:t>
                 </a:r>
-                <a:endParaRPr lang="en-US" sz="800" dirty="0" smtClean="0">
+                <a:endParaRPr lang="en-US" sz="800" dirty="0">
                   <a:latin typeface="Arial" panose="020B0604020202020204" pitchFamily="34" charset="0"/>
                   <a:cs typeface="Arial" panose="020B0604020202020204" pitchFamily="34" charset="0"/>
                 </a:endParaRPr>
@@ -32495,7 +31363,7 @@
                   <a:buChar char="•"/>
                 </a:pPr>
                 <a:r>
-                  <a:rPr lang="en-US" sz="800" dirty="0" smtClean="0">
+                  <a:rPr lang="en-US" sz="800" dirty="0">
                     <a:latin typeface="Arial" panose="020B0604020202020204" pitchFamily="34" charset="0"/>
                     <a:cs typeface="Arial" panose="020B0604020202020204" pitchFamily="34" charset="0"/>
                   </a:rPr>
@@ -32508,13 +31376,13 @@
                   <a:buChar char="•"/>
                 </a:pPr>
                 <a:r>
-                  <a:rPr lang="en-US" sz="800" dirty="0" err="1" smtClean="0">
+                  <a:rPr lang="en-US" sz="800" dirty="0" err="1">
                     <a:latin typeface="Arial" panose="020B0604020202020204" pitchFamily="34" charset="0"/>
                     <a:cs typeface="Arial" panose="020B0604020202020204" pitchFamily="34" charset="0"/>
                   </a:rPr>
                   <a:t>ThreatConnect</a:t>
                 </a:r>
-                <a:endParaRPr lang="en-US" sz="800" dirty="0" smtClean="0">
+                <a:endParaRPr lang="en-US" sz="800" dirty="0">
                   <a:latin typeface="Arial" panose="020B0604020202020204" pitchFamily="34" charset="0"/>
                   <a:cs typeface="Arial" panose="020B0604020202020204" pitchFamily="34" charset="0"/>
                 </a:endParaRPr>
@@ -32661,7 +31529,7 @@
                   <a:buChar char="•"/>
                 </a:pPr>
                 <a:r>
-                  <a:rPr lang="en-US" sz="800" dirty="0" smtClean="0">
+                  <a:rPr lang="en-US" sz="800" dirty="0">
                     <a:latin typeface="Arial" panose="020B0604020202020204" pitchFamily="34" charset="0"/>
                     <a:cs typeface="Arial" panose="020B0604020202020204" pitchFamily="34" charset="0"/>
                   </a:rPr>
@@ -32674,14 +31542,14 @@
                   <a:buChar char="•"/>
                 </a:pPr>
                 <a:r>
-                  <a:rPr lang="en-US" sz="800" dirty="0" err="1" smtClean="0">
+                  <a:rPr lang="en-US" sz="800" dirty="0" err="1">
                     <a:latin typeface="Arial" panose="020B0604020202020204" pitchFamily="34" charset="0"/>
                     <a:cs typeface="Arial" panose="020B0604020202020204" pitchFamily="34" charset="0"/>
                   </a:rPr>
                   <a:t>HashiCorp</a:t>
                 </a:r>
                 <a:r>
-                  <a:rPr lang="en-US" sz="800" dirty="0" smtClean="0">
+                  <a:rPr lang="en-US" sz="800" dirty="0">
                     <a:latin typeface="Arial" panose="020B0604020202020204" pitchFamily="34" charset="0"/>
                     <a:cs typeface="Arial" panose="020B0604020202020204" pitchFamily="34" charset="0"/>
                   </a:rPr>
@@ -32694,13 +31562,13 @@
                   <a:buChar char="•"/>
                 </a:pPr>
                 <a:r>
-                  <a:rPr lang="en-US" sz="800" dirty="0" err="1" smtClean="0">
+                  <a:rPr lang="en-US" sz="800" dirty="0" err="1">
                     <a:latin typeface="Arial" panose="020B0604020202020204" pitchFamily="34" charset="0"/>
                     <a:cs typeface="Arial" panose="020B0604020202020204" pitchFamily="34" charset="0"/>
                   </a:rPr>
                   <a:t>nmap</a:t>
                 </a:r>
-                <a:endParaRPr lang="en-US" sz="800" dirty="0" smtClean="0">
+                <a:endParaRPr lang="en-US" sz="800" dirty="0">
                   <a:latin typeface="Arial" panose="020B0604020202020204" pitchFamily="34" charset="0"/>
                   <a:cs typeface="Arial" panose="020B0604020202020204" pitchFamily="34" charset="0"/>
                 </a:endParaRPr>
@@ -32711,7 +31579,7 @@
                   <a:buChar char="•"/>
                 </a:pPr>
                 <a:r>
-                  <a:rPr lang="en-US" sz="800" dirty="0" smtClean="0">
+                  <a:rPr lang="en-US" sz="800" dirty="0">
                     <a:latin typeface="Arial" panose="020B0604020202020204" pitchFamily="34" charset="0"/>
                     <a:cs typeface="Arial" panose="020B0604020202020204" pitchFamily="34" charset="0"/>
                   </a:rPr>
@@ -32724,7 +31592,7 @@
                   <a:buChar char="•"/>
                 </a:pPr>
                 <a:r>
-                  <a:rPr lang="en-US" sz="800" dirty="0" smtClean="0">
+                  <a:rPr lang="en-US" sz="800" dirty="0">
                     <a:latin typeface="Arial" panose="020B0604020202020204" pitchFamily="34" charset="0"/>
                     <a:cs typeface="Arial" panose="020B0604020202020204" pitchFamily="34" charset="0"/>
                   </a:rPr>
@@ -32737,13 +31605,13 @@
                   <a:buChar char="•"/>
                 </a:pPr>
                 <a:r>
-                  <a:rPr lang="en-US" sz="800" dirty="0" err="1" smtClean="0">
+                  <a:rPr lang="en-US" sz="800" dirty="0" err="1">
                     <a:latin typeface="Arial" panose="020B0604020202020204" pitchFamily="34" charset="0"/>
                     <a:cs typeface="Arial" panose="020B0604020202020204" pitchFamily="34" charset="0"/>
                   </a:rPr>
                   <a:t>HackerOne</a:t>
                 </a:r>
-                <a:endParaRPr lang="en-US" sz="800" dirty="0" smtClean="0">
+                <a:endParaRPr lang="en-US" sz="800" dirty="0">
                   <a:latin typeface="Arial" panose="020B0604020202020204" pitchFamily="34" charset="0"/>
                   <a:cs typeface="Arial" panose="020B0604020202020204" pitchFamily="34" charset="0"/>
                 </a:endParaRPr>
@@ -32754,7 +31622,7 @@
                   <a:buChar char="•"/>
                 </a:pPr>
                 <a:r>
-                  <a:rPr lang="en-US" sz="800" dirty="0" smtClean="0">
+                  <a:rPr lang="en-US" sz="800" dirty="0">
                     <a:latin typeface="Arial" panose="020B0604020202020204" pitchFamily="34" charset="0"/>
                     <a:cs typeface="Arial" panose="020B0604020202020204" pitchFamily="34" charset="0"/>
                   </a:rPr>
@@ -32767,7 +31635,7 @@
                   <a:buChar char="•"/>
                 </a:pPr>
                 <a:r>
-                  <a:rPr lang="en-US" sz="800" dirty="0" smtClean="0">
+                  <a:rPr lang="en-US" sz="800" dirty="0">
                     <a:latin typeface="Arial" panose="020B0604020202020204" pitchFamily="34" charset="0"/>
                     <a:cs typeface="Arial" panose="020B0604020202020204" pitchFamily="34" charset="0"/>
                   </a:rPr>
@@ -32976,7 +31844,7 @@
               <a:p>
                 <a:pPr algn="ctr"/>
                 <a:r>
-                  <a:rPr lang="en-GB" sz="1400" dirty="0" smtClean="0">
+                  <a:rPr lang="en-GB" sz="1400" dirty="0">
                     <a:latin typeface="Arial" panose="020B0604020202020204" pitchFamily="34" charset="0"/>
                     <a:cs typeface="Arial" panose="020B0604020202020204" pitchFamily="34" charset="0"/>
                   </a:rPr>
@@ -33119,7 +31987,7 @@
                   <a:buChar char="•"/>
                 </a:pPr>
                 <a:r>
-                  <a:rPr lang="en-US" sz="800" dirty="0" smtClean="0">
+                  <a:rPr lang="en-US" sz="800" dirty="0">
                     <a:latin typeface="Arial" panose="020B0604020202020204" pitchFamily="34" charset="0"/>
                     <a:cs typeface="Arial" panose="020B0604020202020204" pitchFamily="34" charset="0"/>
                   </a:rPr>
@@ -33132,13 +32000,13 @@
                   <a:buChar char="•"/>
                 </a:pPr>
                 <a:r>
-                  <a:rPr lang="en-US" sz="800" dirty="0" err="1" smtClean="0">
+                  <a:rPr lang="en-US" sz="800" dirty="0" err="1">
                     <a:latin typeface="Arial" panose="020B0604020202020204" pitchFamily="34" charset="0"/>
                     <a:cs typeface="Arial" panose="020B0604020202020204" pitchFamily="34" charset="0"/>
                   </a:rPr>
                   <a:t>ServiceNow</a:t>
                 </a:r>
-                <a:endParaRPr lang="en-US" sz="800" dirty="0" smtClean="0">
+                <a:endParaRPr lang="en-US" sz="800" dirty="0">
                   <a:latin typeface="Arial" panose="020B0604020202020204" pitchFamily="34" charset="0"/>
                   <a:cs typeface="Arial" panose="020B0604020202020204" pitchFamily="34" charset="0"/>
                 </a:endParaRPr>
@@ -33149,7 +32017,7 @@
                   <a:buChar char="•"/>
                 </a:pPr>
                 <a:r>
-                  <a:rPr lang="en-US" sz="800" dirty="0" smtClean="0">
+                  <a:rPr lang="en-US" sz="800" dirty="0">
                     <a:latin typeface="Arial" panose="020B0604020202020204" pitchFamily="34" charset="0"/>
                     <a:cs typeface="Arial" panose="020B0604020202020204" pitchFamily="34" charset="0"/>
                   </a:rPr>
@@ -33162,13 +32030,13 @@
                   <a:buChar char="•"/>
                 </a:pPr>
                 <a:r>
-                  <a:rPr lang="en-US" sz="800" dirty="0" err="1" smtClean="0">
+                  <a:rPr lang="en-US" sz="800" dirty="0" err="1">
                     <a:latin typeface="Arial" panose="020B0604020202020204" pitchFamily="34" charset="0"/>
                     <a:cs typeface="Arial" panose="020B0604020202020204" pitchFamily="34" charset="0"/>
                   </a:rPr>
                   <a:t>Udemy</a:t>
                 </a:r>
-                <a:endParaRPr lang="en-US" sz="800" dirty="0" smtClean="0">
+                <a:endParaRPr lang="en-US" sz="800" dirty="0">
                   <a:latin typeface="Arial" panose="020B0604020202020204" pitchFamily="34" charset="0"/>
                   <a:cs typeface="Arial" panose="020B0604020202020204" pitchFamily="34" charset="0"/>
                 </a:endParaRPr>
@@ -33179,7 +32047,7 @@
                   <a:buChar char="•"/>
                 </a:pPr>
                 <a:r>
-                  <a:rPr lang="en-US" sz="800" dirty="0" smtClean="0">
+                  <a:rPr lang="en-US" sz="800" dirty="0">
                     <a:latin typeface="Arial" panose="020B0604020202020204" pitchFamily="34" charset="0"/>
                     <a:cs typeface="Arial" panose="020B0604020202020204" pitchFamily="34" charset="0"/>
                   </a:rPr>
@@ -33192,7 +32060,7 @@
                   <a:buChar char="•"/>
                 </a:pPr>
                 <a:r>
-                  <a:rPr lang="en-US" sz="800" dirty="0" smtClean="0">
+                  <a:rPr lang="en-US" sz="800" dirty="0">
                     <a:latin typeface="Arial" panose="020B0604020202020204" pitchFamily="34" charset="0"/>
                     <a:cs typeface="Arial" panose="020B0604020202020204" pitchFamily="34" charset="0"/>
                   </a:rPr>
@@ -33205,7 +32073,7 @@
                   <a:buChar char="•"/>
                 </a:pPr>
                 <a:r>
-                  <a:rPr lang="en-US" sz="800" dirty="0" smtClean="0">
+                  <a:rPr lang="en-US" sz="800" dirty="0">
                     <a:latin typeface="Arial" panose="020B0604020202020204" pitchFamily="34" charset="0"/>
                     <a:cs typeface="Arial" panose="020B0604020202020204" pitchFamily="34" charset="0"/>
                   </a:rPr>
@@ -33341,7 +32209,7 @@
                   <a:buChar char="•"/>
                 </a:pPr>
                 <a:r>
-                  <a:rPr lang="en-US" sz="800" dirty="0" smtClean="0">
+                  <a:rPr lang="en-US" sz="800" dirty="0">
                     <a:latin typeface="Arial" panose="020B0604020202020204" pitchFamily="34" charset="0"/>
                     <a:cs typeface="Arial" panose="020B0604020202020204" pitchFamily="34" charset="0"/>
                   </a:rPr>
@@ -33354,7 +32222,7 @@
                   <a:buChar char="•"/>
                 </a:pPr>
                 <a:r>
-                  <a:rPr lang="en-US" sz="800" dirty="0" smtClean="0">
+                  <a:rPr lang="en-US" sz="800" dirty="0">
                     <a:latin typeface="Arial" panose="020B0604020202020204" pitchFamily="34" charset="0"/>
                     <a:cs typeface="Arial" panose="020B0604020202020204" pitchFamily="34" charset="0"/>
                   </a:rPr>
@@ -33367,13 +32235,13 @@
                   <a:buChar char="•"/>
                 </a:pPr>
                 <a:r>
-                  <a:rPr lang="en-US" sz="800" dirty="0" err="1" smtClean="0">
+                  <a:rPr lang="en-US" sz="800" dirty="0" err="1">
                     <a:latin typeface="Arial" panose="020B0604020202020204" pitchFamily="34" charset="0"/>
                     <a:cs typeface="Arial" panose="020B0604020202020204" pitchFamily="34" charset="0"/>
                   </a:rPr>
                   <a:t>Spiceworks</a:t>
                 </a:r>
-                <a:endParaRPr lang="en-US" sz="800" dirty="0" smtClean="0">
+                <a:endParaRPr lang="en-US" sz="800" dirty="0">
                   <a:latin typeface="Arial" panose="020B0604020202020204" pitchFamily="34" charset="0"/>
                   <a:cs typeface="Arial" panose="020B0604020202020204" pitchFamily="34" charset="0"/>
                 </a:endParaRPr>
@@ -33384,13 +32252,13 @@
                   <a:buChar char="•"/>
                 </a:pPr>
                 <a:r>
-                  <a:rPr lang="en-US" sz="800" dirty="0" err="1" smtClean="0">
+                  <a:rPr lang="en-US" sz="800" dirty="0" err="1">
                     <a:latin typeface="Arial" panose="020B0604020202020204" pitchFamily="34" charset="0"/>
                     <a:cs typeface="Arial" panose="020B0604020202020204" pitchFamily="34" charset="0"/>
                   </a:rPr>
                   <a:t>BeyondTrust</a:t>
                 </a:r>
-                <a:endParaRPr lang="en-US" sz="800" dirty="0" smtClean="0">
+                <a:endParaRPr lang="en-US" sz="800" dirty="0">
                   <a:latin typeface="Arial" panose="020B0604020202020204" pitchFamily="34" charset="0"/>
                   <a:cs typeface="Arial" panose="020B0604020202020204" pitchFamily="34" charset="0"/>
                 </a:endParaRPr>
@@ -33401,20 +32269,20 @@
                   <a:buChar char="•"/>
                 </a:pPr>
                 <a:r>
-                  <a:rPr lang="en-US" sz="800" dirty="0" smtClean="0">
+                  <a:rPr lang="en-US" sz="800" dirty="0">
                     <a:latin typeface="Arial" panose="020B0604020202020204" pitchFamily="34" charset="0"/>
                     <a:cs typeface="Arial" panose="020B0604020202020204" pitchFamily="34" charset="0"/>
                   </a:rPr>
                   <a:t>AWS </a:t>
                 </a:r>
                 <a:r>
-                  <a:rPr lang="en-US" sz="800" dirty="0" err="1" smtClean="0">
+                  <a:rPr lang="en-US" sz="800" dirty="0" err="1">
                     <a:latin typeface="Arial" panose="020B0604020202020204" pitchFamily="34" charset="0"/>
                     <a:cs typeface="Arial" panose="020B0604020202020204" pitchFamily="34" charset="0"/>
                   </a:rPr>
                   <a:t>CloudTrail</a:t>
                 </a:r>
-                <a:endParaRPr lang="en-US" sz="800" dirty="0" smtClean="0">
+                <a:endParaRPr lang="en-US" sz="800" dirty="0">
                   <a:latin typeface="Arial" panose="020B0604020202020204" pitchFamily="34" charset="0"/>
                   <a:cs typeface="Arial" panose="020B0604020202020204" pitchFamily="34" charset="0"/>
                 </a:endParaRPr>
@@ -33425,7 +32293,7 @@
                   <a:buChar char="•"/>
                 </a:pPr>
                 <a:r>
-                  <a:rPr lang="en-US" sz="800" dirty="0" smtClean="0">
+                  <a:rPr lang="en-US" sz="800" dirty="0">
                     <a:latin typeface="Arial" panose="020B0604020202020204" pitchFamily="34" charset="0"/>
                     <a:cs typeface="Arial" panose="020B0604020202020204" pitchFamily="34" charset="0"/>
                   </a:rPr>
@@ -33442,19 +32310,8 @@
                     <a:latin typeface="Arial" panose="020B0604020202020204" pitchFamily="34" charset="0"/>
                     <a:cs typeface="Arial" panose="020B0604020202020204" pitchFamily="34" charset="0"/>
                   </a:rPr>
-                  <a:t>Seriously … stop reading</a:t>
+                  <a:t>Seriously … stop reading!  You will hurt your eyes.</a:t>
                 </a:r>
-                <a:r>
-                  <a:rPr lang="en-US" sz="800" dirty="0" smtClean="0">
-                    <a:latin typeface="Arial" panose="020B0604020202020204" pitchFamily="34" charset="0"/>
-                    <a:cs typeface="Arial" panose="020B0604020202020204" pitchFamily="34" charset="0"/>
-                  </a:rPr>
-                  <a:t>!  You will hurt your eyes.</a:t>
-                </a:r>
-                <a:endParaRPr lang="en-US" sz="800" dirty="0">
-                  <a:latin typeface="Arial" panose="020B0604020202020204" pitchFamily="34" charset="0"/>
-                  <a:cs typeface="Arial" panose="020B0604020202020204" pitchFamily="34" charset="0"/>
-                </a:endParaRPr>
               </a:p>
             </p:txBody>
           </p:sp>
@@ -33658,7 +32515,7 @@
               <a:p>
                 <a:pPr algn="ctr"/>
                 <a:r>
-                  <a:rPr lang="en-GB" sz="1400" dirty="0" smtClean="0">
+                  <a:rPr lang="en-GB" sz="1400" dirty="0">
                     <a:latin typeface="Arial" panose="020B0604020202020204" pitchFamily="34" charset="0"/>
                     <a:cs typeface="Arial" panose="020B0604020202020204" pitchFamily="34" charset="0"/>
                   </a:rPr>
@@ -33801,7 +32658,7 @@
                   <a:buChar char="•"/>
                 </a:pPr>
                 <a:r>
-                  <a:rPr lang="en-US" sz="800" dirty="0" smtClean="0">
+                  <a:rPr lang="en-US" sz="800" dirty="0">
                     <a:latin typeface="Arial" panose="020B0604020202020204" pitchFamily="34" charset="0"/>
                     <a:cs typeface="Arial" panose="020B0604020202020204" pitchFamily="34" charset="0"/>
                   </a:rPr>
@@ -33814,7 +32671,7 @@
                   <a:buChar char="•"/>
                 </a:pPr>
                 <a:r>
-                  <a:rPr lang="en-US" sz="800" dirty="0" smtClean="0">
+                  <a:rPr lang="en-US" sz="800" dirty="0">
                     <a:latin typeface="Arial" panose="020B0604020202020204" pitchFamily="34" charset="0"/>
                     <a:cs typeface="Arial" panose="020B0604020202020204" pitchFamily="34" charset="0"/>
                   </a:rPr>
@@ -33827,7 +32684,7 @@
                   <a:buChar char="•"/>
                 </a:pPr>
                 <a:r>
-                  <a:rPr lang="en-US" sz="800" dirty="0" smtClean="0">
+                  <a:rPr lang="en-US" sz="800" dirty="0">
                     <a:latin typeface="Arial" panose="020B0604020202020204" pitchFamily="34" charset="0"/>
                     <a:cs typeface="Arial" panose="020B0604020202020204" pitchFamily="34" charset="0"/>
                   </a:rPr>
@@ -33840,7 +32697,7 @@
                   <a:buChar char="•"/>
                 </a:pPr>
                 <a:r>
-                  <a:rPr lang="en-US" sz="800" dirty="0" smtClean="0">
+                  <a:rPr lang="en-US" sz="800" dirty="0">
                     <a:latin typeface="Arial" panose="020B0604020202020204" pitchFamily="34" charset="0"/>
                     <a:cs typeface="Arial" panose="020B0604020202020204" pitchFamily="34" charset="0"/>
                   </a:rPr>
@@ -33853,7 +32710,7 @@
                   <a:buChar char="•"/>
                 </a:pPr>
                 <a:r>
-                  <a:rPr lang="en-US" sz="800" dirty="0" smtClean="0">
+                  <a:rPr lang="en-US" sz="800" dirty="0">
                     <a:latin typeface="Arial" panose="020B0604020202020204" pitchFamily="34" charset="0"/>
                     <a:cs typeface="Arial" panose="020B0604020202020204" pitchFamily="34" charset="0"/>
                   </a:rPr>
@@ -33866,7 +32723,7 @@
                   <a:buChar char="•"/>
                 </a:pPr>
                 <a:r>
-                  <a:rPr lang="en-US" sz="800" dirty="0" smtClean="0">
+                  <a:rPr lang="en-US" sz="800" dirty="0">
                     <a:latin typeface="Arial" panose="020B0604020202020204" pitchFamily="34" charset="0"/>
                     <a:cs typeface="Arial" panose="020B0604020202020204" pitchFamily="34" charset="0"/>
                   </a:rPr>
@@ -33879,7 +32736,7 @@
                   <a:buChar char="•"/>
                 </a:pPr>
                 <a:r>
-                  <a:rPr lang="en-US" sz="800" dirty="0" smtClean="0">
+                  <a:rPr lang="en-US" sz="800" dirty="0">
                     <a:latin typeface="Arial" panose="020B0604020202020204" pitchFamily="34" charset="0"/>
                     <a:cs typeface="Arial" panose="020B0604020202020204" pitchFamily="34" charset="0"/>
                   </a:rPr>
@@ -33892,13 +32749,13 @@
                   <a:buChar char="•"/>
                 </a:pPr>
                 <a:r>
-                  <a:rPr lang="en-US" sz="800" dirty="0" err="1" smtClean="0">
+                  <a:rPr lang="en-US" sz="800" dirty="0" err="1">
                     <a:latin typeface="Arial" panose="020B0604020202020204" pitchFamily="34" charset="0"/>
                     <a:cs typeface="Arial" panose="020B0604020202020204" pitchFamily="34" charset="0"/>
                   </a:rPr>
                   <a:t>Ansible</a:t>
                 </a:r>
-                <a:endParaRPr lang="en-US" sz="800" dirty="0" smtClean="0">
+                <a:endParaRPr lang="en-US" sz="800" dirty="0">
                   <a:latin typeface="Arial" panose="020B0604020202020204" pitchFamily="34" charset="0"/>
                   <a:cs typeface="Arial" panose="020B0604020202020204" pitchFamily="34" charset="0"/>
                 </a:endParaRPr>
@@ -34032,7 +32889,7 @@
                   <a:buChar char="•"/>
                 </a:pPr>
                 <a:r>
-                  <a:rPr lang="en-US" sz="800" dirty="0" smtClean="0">
+                  <a:rPr lang="en-US" sz="800" dirty="0">
                     <a:latin typeface="Arial" panose="020B0604020202020204" pitchFamily="34" charset="0"/>
                     <a:cs typeface="Arial" panose="020B0604020202020204" pitchFamily="34" charset="0"/>
                   </a:rPr>
@@ -34045,13 +32902,13 @@
                   <a:buChar char="•"/>
                 </a:pPr>
                 <a:r>
-                  <a:rPr lang="en-US" sz="800" dirty="0" err="1" smtClean="0">
+                  <a:rPr lang="en-US" sz="800" dirty="0" err="1">
                     <a:latin typeface="Arial" panose="020B0604020202020204" pitchFamily="34" charset="0"/>
                     <a:cs typeface="Arial" panose="020B0604020202020204" pitchFamily="34" charset="0"/>
                   </a:rPr>
                   <a:t>SaltStack</a:t>
                 </a:r>
-                <a:endParaRPr lang="en-US" sz="800" dirty="0" smtClean="0">
+                <a:endParaRPr lang="en-US" sz="800" dirty="0">
                   <a:latin typeface="Arial" panose="020B0604020202020204" pitchFamily="34" charset="0"/>
                   <a:cs typeface="Arial" panose="020B0604020202020204" pitchFamily="34" charset="0"/>
                 </a:endParaRPr>
@@ -34062,20 +32919,20 @@
                   <a:buChar char="•"/>
                 </a:pPr>
                 <a:r>
-                  <a:rPr lang="en-US" sz="800" dirty="0" smtClean="0">
+                  <a:rPr lang="en-US" sz="800" dirty="0">
                     <a:latin typeface="Arial" panose="020B0604020202020204" pitchFamily="34" charset="0"/>
                     <a:cs typeface="Arial" panose="020B0604020202020204" pitchFamily="34" charset="0"/>
                   </a:rPr>
                   <a:t>AWS </a:t>
                 </a:r>
                 <a:r>
-                  <a:rPr lang="en-US" sz="800" dirty="0" err="1" smtClean="0">
+                  <a:rPr lang="en-US" sz="800" dirty="0" err="1">
                     <a:latin typeface="Arial" panose="020B0604020202020204" pitchFamily="34" charset="0"/>
                     <a:cs typeface="Arial" panose="020B0604020202020204" pitchFamily="34" charset="0"/>
                   </a:rPr>
                   <a:t>CloudFormation</a:t>
                 </a:r>
-                <a:endParaRPr lang="en-US" sz="800" dirty="0" smtClean="0">
+                <a:endParaRPr lang="en-US" sz="800" dirty="0">
                   <a:latin typeface="Arial" panose="020B0604020202020204" pitchFamily="34" charset="0"/>
                   <a:cs typeface="Arial" panose="020B0604020202020204" pitchFamily="34" charset="0"/>
                 </a:endParaRPr>
@@ -34086,7 +32943,7 @@
                   <a:buChar char="•"/>
                 </a:pPr>
                 <a:r>
-                  <a:rPr lang="en-US" sz="800" dirty="0" smtClean="0">
+                  <a:rPr lang="en-US" sz="800" dirty="0">
                     <a:latin typeface="Arial" panose="020B0604020202020204" pitchFamily="34" charset="0"/>
                     <a:cs typeface="Arial" panose="020B0604020202020204" pitchFamily="34" charset="0"/>
                   </a:rPr>
@@ -34099,7 +32956,7 @@
                   <a:buChar char="•"/>
                 </a:pPr>
                 <a:r>
-                  <a:rPr lang="en-US" sz="800" dirty="0" smtClean="0">
+                  <a:rPr lang="en-US" sz="800" dirty="0">
                     <a:latin typeface="Arial" panose="020B0604020202020204" pitchFamily="34" charset="0"/>
                     <a:cs typeface="Arial" panose="020B0604020202020204" pitchFamily="34" charset="0"/>
                   </a:rPr>
@@ -34112,7 +32969,7 @@
                   <a:buChar char="•"/>
                 </a:pPr>
                 <a:r>
-                  <a:rPr lang="en-US" sz="800" dirty="0" smtClean="0">
+                  <a:rPr lang="en-US" sz="800" dirty="0">
                     <a:latin typeface="Arial" panose="020B0604020202020204" pitchFamily="34" charset="0"/>
                     <a:cs typeface="Arial" panose="020B0604020202020204" pitchFamily="34" charset="0"/>
                   </a:rPr>
@@ -34125,7 +32982,7 @@
                   <a:buChar char="•"/>
                 </a:pPr>
                 <a:r>
-                  <a:rPr lang="en-US" sz="800" dirty="0" smtClean="0">
+                  <a:rPr lang="en-US" sz="800" dirty="0">
                     <a:latin typeface="Arial" panose="020B0604020202020204" pitchFamily="34" charset="0"/>
                     <a:cs typeface="Arial" panose="020B0604020202020204" pitchFamily="34" charset="0"/>
                   </a:rPr>
@@ -34138,7 +32995,7 @@
                   <a:buChar char="•"/>
                 </a:pPr>
                 <a:r>
-                  <a:rPr lang="en-US" sz="800" dirty="0" smtClean="0">
+                  <a:rPr lang="en-US" sz="800" dirty="0">
                     <a:latin typeface="Arial" panose="020B0604020202020204" pitchFamily="34" charset="0"/>
                     <a:cs typeface="Arial" panose="020B0604020202020204" pitchFamily="34" charset="0"/>
                   </a:rPr>
@@ -34347,7 +33204,7 @@
               <a:p>
                 <a:pPr algn="ctr"/>
                 <a:r>
-                  <a:rPr lang="en-GB" sz="1400" dirty="0" smtClean="0">
+                  <a:rPr lang="en-GB" sz="1400" dirty="0">
                     <a:latin typeface="Arial" panose="020B0604020202020204" pitchFamily="34" charset="0"/>
                     <a:cs typeface="Arial" panose="020B0604020202020204" pitchFamily="34" charset="0"/>
                   </a:rPr>
@@ -34490,7 +33347,7 @@
                   <a:buChar char="•"/>
                 </a:pPr>
                 <a:r>
-                  <a:rPr lang="en-US" sz="800" dirty="0" smtClean="0">
+                  <a:rPr lang="en-US" sz="800" dirty="0">
                     <a:latin typeface="Arial" panose="020B0604020202020204" pitchFamily="34" charset="0"/>
                     <a:cs typeface="Arial" panose="020B0604020202020204" pitchFamily="34" charset="0"/>
                   </a:rPr>
@@ -34503,13 +33360,13 @@
                   <a:buChar char="•"/>
                 </a:pPr>
                 <a:r>
-                  <a:rPr lang="en-US" sz="800" dirty="0" err="1" smtClean="0">
+                  <a:rPr lang="en-US" sz="800" dirty="0" err="1">
                     <a:latin typeface="Arial" panose="020B0604020202020204" pitchFamily="34" charset="0"/>
                     <a:cs typeface="Arial" panose="020B0604020202020204" pitchFamily="34" charset="0"/>
                   </a:rPr>
                   <a:t>NodeJS</a:t>
                 </a:r>
-                <a:endParaRPr lang="en-US" sz="800" dirty="0" smtClean="0">
+                <a:endParaRPr lang="en-US" sz="800" dirty="0">
                   <a:latin typeface="Arial" panose="020B0604020202020204" pitchFamily="34" charset="0"/>
                   <a:cs typeface="Arial" panose="020B0604020202020204" pitchFamily="34" charset="0"/>
                 </a:endParaRPr>
@@ -34520,13 +33377,13 @@
                   <a:buChar char="•"/>
                 </a:pPr>
                 <a:r>
-                  <a:rPr lang="en-US" sz="800" dirty="0" err="1" smtClean="0">
+                  <a:rPr lang="en-US" sz="800" dirty="0" err="1">
                     <a:latin typeface="Arial" panose="020B0604020202020204" pitchFamily="34" charset="0"/>
                     <a:cs typeface="Arial" panose="020B0604020202020204" pitchFamily="34" charset="0"/>
                   </a:rPr>
                   <a:t>SonarLint</a:t>
                 </a:r>
-                <a:endParaRPr lang="en-US" sz="800" dirty="0" smtClean="0">
+                <a:endParaRPr lang="en-US" sz="800" dirty="0">
                   <a:latin typeface="Arial" panose="020B0604020202020204" pitchFamily="34" charset="0"/>
                   <a:cs typeface="Arial" panose="020B0604020202020204" pitchFamily="34" charset="0"/>
                 </a:endParaRPr>
@@ -34537,13 +33394,13 @@
                   <a:buChar char="•"/>
                 </a:pPr>
                 <a:r>
-                  <a:rPr lang="en-US" sz="800" dirty="0" err="1" smtClean="0">
+                  <a:rPr lang="en-US" sz="800" dirty="0" err="1">
                     <a:latin typeface="Arial" panose="020B0604020202020204" pitchFamily="34" charset="0"/>
                     <a:cs typeface="Arial" panose="020B0604020202020204" pitchFamily="34" charset="0"/>
                   </a:rPr>
                   <a:t>DeepSource</a:t>
                 </a:r>
-                <a:endParaRPr lang="en-US" sz="800" dirty="0" smtClean="0">
+                <a:endParaRPr lang="en-US" sz="800" dirty="0">
                   <a:latin typeface="Arial" panose="020B0604020202020204" pitchFamily="34" charset="0"/>
                   <a:cs typeface="Arial" panose="020B0604020202020204" pitchFamily="34" charset="0"/>
                 </a:endParaRPr>
@@ -34554,13 +33411,13 @@
                   <a:buChar char="•"/>
                 </a:pPr>
                 <a:r>
-                  <a:rPr lang="en-US" sz="800" dirty="0" err="1" smtClean="0">
+                  <a:rPr lang="en-US" sz="800" dirty="0" err="1">
                     <a:latin typeface="Arial" panose="020B0604020202020204" pitchFamily="34" charset="0"/>
                     <a:cs typeface="Arial" panose="020B0604020202020204" pitchFamily="34" charset="0"/>
                   </a:rPr>
                   <a:t>SonarQube</a:t>
                 </a:r>
-                <a:endParaRPr lang="en-US" sz="800" dirty="0" smtClean="0">
+                <a:endParaRPr lang="en-US" sz="800" dirty="0">
                   <a:latin typeface="Arial" panose="020B0604020202020204" pitchFamily="34" charset="0"/>
                   <a:cs typeface="Arial" panose="020B0604020202020204" pitchFamily="34" charset="0"/>
                 </a:endParaRPr>
@@ -34571,13 +33428,13 @@
                   <a:buChar char="•"/>
                 </a:pPr>
                 <a:r>
-                  <a:rPr lang="en-US" sz="800" dirty="0" err="1" smtClean="0">
+                  <a:rPr lang="en-US" sz="800" dirty="0" err="1">
                     <a:latin typeface="Arial" panose="020B0604020202020204" pitchFamily="34" charset="0"/>
                     <a:cs typeface="Arial" panose="020B0604020202020204" pitchFamily="34" charset="0"/>
                   </a:rPr>
                   <a:t>JetBrains</a:t>
                 </a:r>
-                <a:endParaRPr lang="en-US" sz="800" dirty="0" smtClean="0">
+                <a:endParaRPr lang="en-US" sz="800" dirty="0">
                   <a:latin typeface="Arial" panose="020B0604020202020204" pitchFamily="34" charset="0"/>
                   <a:cs typeface="Arial" panose="020B0604020202020204" pitchFamily="34" charset="0"/>
                 </a:endParaRPr>
@@ -34588,13 +33445,13 @@
                   <a:buChar char="•"/>
                 </a:pPr>
                 <a:r>
-                  <a:rPr lang="en-US" sz="800" dirty="0" err="1" smtClean="0">
+                  <a:rPr lang="en-US" sz="800" dirty="0" err="1">
                     <a:latin typeface="Arial" panose="020B0604020202020204" pitchFamily="34" charset="0"/>
                     <a:cs typeface="Arial" panose="020B0604020202020204" pitchFamily="34" charset="0"/>
                   </a:rPr>
                   <a:t>Github</a:t>
                 </a:r>
-                <a:endParaRPr lang="en-US" sz="800" dirty="0" smtClean="0">
+                <a:endParaRPr lang="en-US" sz="800" dirty="0">
                   <a:latin typeface="Arial" panose="020B0604020202020204" pitchFamily="34" charset="0"/>
                   <a:cs typeface="Arial" panose="020B0604020202020204" pitchFamily="34" charset="0"/>
                 </a:endParaRPr>
@@ -34605,13 +33462,13 @@
                   <a:buChar char="•"/>
                 </a:pPr>
                 <a:r>
-                  <a:rPr lang="en-US" sz="800" dirty="0" err="1" smtClean="0">
+                  <a:rPr lang="en-US" sz="800" dirty="0" err="1">
                     <a:latin typeface="Arial" panose="020B0604020202020204" pitchFamily="34" charset="0"/>
                     <a:cs typeface="Arial" panose="020B0604020202020204" pitchFamily="34" charset="0"/>
                   </a:rPr>
                   <a:t>GitLab</a:t>
                 </a:r>
-                <a:endParaRPr lang="en-US" sz="800" dirty="0" smtClean="0">
+                <a:endParaRPr lang="en-US" sz="800" dirty="0">
                   <a:latin typeface="Arial" panose="020B0604020202020204" pitchFamily="34" charset="0"/>
                   <a:cs typeface="Arial" panose="020B0604020202020204" pitchFamily="34" charset="0"/>
                 </a:endParaRPr>
@@ -34745,13 +33602,13 @@
                   <a:buChar char="•"/>
                 </a:pPr>
                 <a:r>
-                  <a:rPr lang="en-US" sz="800" dirty="0" err="1" smtClean="0">
+                  <a:rPr lang="en-US" sz="800" dirty="0" err="1">
                     <a:latin typeface="Arial" panose="020B0604020202020204" pitchFamily="34" charset="0"/>
                     <a:cs typeface="Arial" panose="020B0604020202020204" pitchFamily="34" charset="0"/>
                   </a:rPr>
                   <a:t>BitBucket</a:t>
                 </a:r>
-                <a:endParaRPr lang="en-US" sz="800" dirty="0" smtClean="0">
+                <a:endParaRPr lang="en-US" sz="800" dirty="0">
                   <a:latin typeface="Arial" panose="020B0604020202020204" pitchFamily="34" charset="0"/>
                   <a:cs typeface="Arial" panose="020B0604020202020204" pitchFamily="34" charset="0"/>
                 </a:endParaRPr>
@@ -34762,7 +33619,7 @@
                   <a:buChar char="•"/>
                 </a:pPr>
                 <a:r>
-                  <a:rPr lang="en-US" sz="800" dirty="0" smtClean="0">
+                  <a:rPr lang="en-US" sz="800" dirty="0">
                     <a:latin typeface="Arial" panose="020B0604020202020204" pitchFamily="34" charset="0"/>
                     <a:cs typeface="Arial" panose="020B0604020202020204" pitchFamily="34" charset="0"/>
                   </a:rPr>
@@ -34775,14 +33632,14 @@
                   <a:buChar char="•"/>
                 </a:pPr>
                 <a:r>
-                  <a:rPr lang="en-US" sz="800" dirty="0" err="1" smtClean="0">
+                  <a:rPr lang="en-US" sz="800" dirty="0" err="1">
                     <a:latin typeface="Arial" panose="020B0604020202020204" pitchFamily="34" charset="0"/>
                     <a:cs typeface="Arial" panose="020B0604020202020204" pitchFamily="34" charset="0"/>
                   </a:rPr>
                   <a:t>Github</a:t>
                 </a:r>
                 <a:r>
-                  <a:rPr lang="en-US" sz="800" dirty="0" smtClean="0">
+                  <a:rPr lang="en-US" sz="800" dirty="0">
                     <a:latin typeface="Arial" panose="020B0604020202020204" pitchFamily="34" charset="0"/>
                     <a:cs typeface="Arial" panose="020B0604020202020204" pitchFamily="34" charset="0"/>
                   </a:rPr>
@@ -34795,7 +33652,7 @@
                   <a:buChar char="•"/>
                 </a:pPr>
                 <a:r>
-                  <a:rPr lang="en-US" sz="800" dirty="0" smtClean="0">
+                  <a:rPr lang="en-US" sz="800" dirty="0">
                     <a:latin typeface="Arial" panose="020B0604020202020204" pitchFamily="34" charset="0"/>
                     <a:cs typeface="Arial" panose="020B0604020202020204" pitchFamily="34" charset="0"/>
                   </a:rPr>
@@ -34808,13 +33665,13 @@
                   <a:buChar char="•"/>
                 </a:pPr>
                 <a:r>
-                  <a:rPr lang="en-US" sz="800" dirty="0" err="1" smtClean="0">
+                  <a:rPr lang="en-US" sz="800" dirty="0" err="1">
                     <a:latin typeface="Arial" panose="020B0604020202020204" pitchFamily="34" charset="0"/>
                     <a:cs typeface="Arial" panose="020B0604020202020204" pitchFamily="34" charset="0"/>
                   </a:rPr>
                   <a:t>Artifactory</a:t>
                 </a:r>
-                <a:endParaRPr lang="en-US" sz="800" dirty="0" smtClean="0">
+                <a:endParaRPr lang="en-US" sz="800" dirty="0">
                   <a:latin typeface="Arial" panose="020B0604020202020204" pitchFamily="34" charset="0"/>
                   <a:cs typeface="Arial" panose="020B0604020202020204" pitchFamily="34" charset="0"/>
                 </a:endParaRPr>
@@ -34825,13 +33682,13 @@
                   <a:buChar char="•"/>
                 </a:pPr>
                 <a:r>
-                  <a:rPr lang="en-US" sz="800" dirty="0" err="1" smtClean="0">
+                  <a:rPr lang="en-US" sz="800" dirty="0" err="1">
                     <a:latin typeface="Arial" panose="020B0604020202020204" pitchFamily="34" charset="0"/>
                     <a:cs typeface="Arial" panose="020B0604020202020204" pitchFamily="34" charset="0"/>
                   </a:rPr>
                   <a:t>ReSharper</a:t>
                 </a:r>
-                <a:endParaRPr lang="en-US" sz="800" dirty="0" smtClean="0">
+                <a:endParaRPr lang="en-US" sz="800" dirty="0">
                   <a:latin typeface="Arial" panose="020B0604020202020204" pitchFamily="34" charset="0"/>
                   <a:cs typeface="Arial" panose="020B0604020202020204" pitchFamily="34" charset="0"/>
                 </a:endParaRPr>
@@ -34842,7 +33699,7 @@
                   <a:buChar char="•"/>
                 </a:pPr>
                 <a:r>
-                  <a:rPr lang="en-US" sz="800" dirty="0" smtClean="0">
+                  <a:rPr lang="en-US" sz="800" dirty="0">
                     <a:latin typeface="Arial" panose="020B0604020202020204" pitchFamily="34" charset="0"/>
                     <a:cs typeface="Arial" panose="020B0604020202020204" pitchFamily="34" charset="0"/>
                   </a:rPr>
@@ -34855,13 +33712,13 @@
                   <a:buChar char="•"/>
                 </a:pPr>
                 <a:r>
-                  <a:rPr lang="en-US" sz="800" dirty="0" err="1" smtClean="0">
+                  <a:rPr lang="en-US" sz="800" dirty="0" err="1">
                     <a:latin typeface="Arial" panose="020B0604020202020204" pitchFamily="34" charset="0"/>
                     <a:cs typeface="Arial" panose="020B0604020202020204" pitchFamily="34" charset="0"/>
                   </a:rPr>
                   <a:t>VSCode</a:t>
                 </a:r>
-                <a:endParaRPr lang="en-US" sz="800" dirty="0" smtClean="0">
+                <a:endParaRPr lang="en-US" sz="800" dirty="0">
                   <a:latin typeface="Arial" panose="020B0604020202020204" pitchFamily="34" charset="0"/>
                   <a:cs typeface="Arial" panose="020B0604020202020204" pitchFamily="34" charset="0"/>
                 </a:endParaRPr>
@@ -35068,7 +33925,7 @@
               <a:p>
                 <a:pPr algn="ctr"/>
                 <a:r>
-                  <a:rPr lang="en-GB" sz="1400" dirty="0" smtClean="0">
+                  <a:rPr lang="en-GB" sz="1400" dirty="0">
                     <a:latin typeface="Arial" panose="020B0604020202020204" pitchFamily="34" charset="0"/>
                     <a:cs typeface="Arial" panose="020B0604020202020204" pitchFamily="34" charset="0"/>
                   </a:rPr>
@@ -35211,7 +34068,7 @@
                   <a:buChar char="•"/>
                 </a:pPr>
                 <a:r>
-                  <a:rPr lang="en-US" sz="800" dirty="0" smtClean="0">
+                  <a:rPr lang="en-US" sz="800" dirty="0">
                     <a:latin typeface="Arial" panose="020B0604020202020204" pitchFamily="34" charset="0"/>
                     <a:cs typeface="Arial" panose="020B0604020202020204" pitchFamily="34" charset="0"/>
                   </a:rPr>
@@ -35224,7 +34081,7 @@
                   <a:buChar char="•"/>
                 </a:pPr>
                 <a:r>
-                  <a:rPr lang="en-US" sz="800" dirty="0" smtClean="0">
+                  <a:rPr lang="en-US" sz="800" dirty="0">
                     <a:latin typeface="Arial" panose="020B0604020202020204" pitchFamily="34" charset="0"/>
                     <a:cs typeface="Arial" panose="020B0604020202020204" pitchFamily="34" charset="0"/>
                   </a:rPr>
@@ -35237,7 +34094,7 @@
                   <a:buChar char="•"/>
                 </a:pPr>
                 <a:r>
-                  <a:rPr lang="en-US" sz="800" dirty="0" smtClean="0">
+                  <a:rPr lang="en-US" sz="800" dirty="0">
                     <a:latin typeface="Arial" panose="020B0604020202020204" pitchFamily="34" charset="0"/>
                     <a:cs typeface="Arial" panose="020B0604020202020204" pitchFamily="34" charset="0"/>
                   </a:rPr>
@@ -35250,13 +34107,13 @@
                   <a:buChar char="•"/>
                 </a:pPr>
                 <a:r>
-                  <a:rPr lang="en-US" sz="800" dirty="0" err="1" smtClean="0">
+                  <a:rPr lang="en-US" sz="800" dirty="0" err="1">
                     <a:latin typeface="Arial" panose="020B0604020202020204" pitchFamily="34" charset="0"/>
                     <a:cs typeface="Arial" panose="020B0604020202020204" pitchFamily="34" charset="0"/>
                   </a:rPr>
                   <a:t>VeraCode</a:t>
                 </a:r>
-                <a:endParaRPr lang="en-US" sz="800" dirty="0" smtClean="0">
+                <a:endParaRPr lang="en-US" sz="800" dirty="0">
                   <a:latin typeface="Arial" panose="020B0604020202020204" pitchFamily="34" charset="0"/>
                   <a:cs typeface="Arial" panose="020B0604020202020204" pitchFamily="34" charset="0"/>
                 </a:endParaRPr>
@@ -35273,10 +34130,6 @@
                   </a:rPr>
                   <a:t>Fortify</a:t>
                 </a:r>
-                <a:endParaRPr lang="en-US" sz="800" dirty="0" smtClean="0">
-                  <a:latin typeface="Arial" panose="020B0604020202020204" pitchFamily="34" charset="0"/>
-                  <a:cs typeface="Arial" panose="020B0604020202020204" pitchFamily="34" charset="0"/>
-                </a:endParaRPr>
               </a:p>
               <a:p>
                 <a:pPr marL="171450" indent="-171450">
@@ -35284,7 +34137,7 @@
                   <a:buChar char="•"/>
                 </a:pPr>
                 <a:r>
-                  <a:rPr lang="en-US" sz="800" dirty="0" smtClean="0">
+                  <a:rPr lang="en-US" sz="800" dirty="0">
                     <a:latin typeface="Arial" panose="020B0604020202020204" pitchFamily="34" charset="0"/>
                     <a:cs typeface="Arial" panose="020B0604020202020204" pitchFamily="34" charset="0"/>
                   </a:rPr>
@@ -35297,13 +34150,13 @@
                   <a:buChar char="•"/>
                 </a:pPr>
                 <a:r>
-                  <a:rPr lang="en-US" sz="800" dirty="0" err="1" smtClean="0">
+                  <a:rPr lang="en-US" sz="800" dirty="0" err="1">
                     <a:latin typeface="Arial" panose="020B0604020202020204" pitchFamily="34" charset="0"/>
                     <a:cs typeface="Arial" panose="020B0604020202020204" pitchFamily="34" charset="0"/>
                   </a:rPr>
                   <a:t>TestComplete</a:t>
                 </a:r>
-                <a:endParaRPr lang="en-US" sz="800" dirty="0" smtClean="0">
+                <a:endParaRPr lang="en-US" sz="800" dirty="0">
                   <a:latin typeface="Arial" panose="020B0604020202020204" pitchFamily="34" charset="0"/>
                   <a:cs typeface="Arial" panose="020B0604020202020204" pitchFamily="34" charset="0"/>
                 </a:endParaRPr>
@@ -35314,7 +34167,7 @@
                   <a:buChar char="•"/>
                 </a:pPr>
                 <a:r>
-                  <a:rPr lang="en-US" sz="800" dirty="0" smtClean="0">
+                  <a:rPr lang="en-US" sz="800" dirty="0">
                     <a:latin typeface="Arial" panose="020B0604020202020204" pitchFamily="34" charset="0"/>
                     <a:cs typeface="Arial" panose="020B0604020202020204" pitchFamily="34" charset="0"/>
                   </a:rPr>
@@ -35450,7 +34303,7 @@
                   <a:buChar char="•"/>
                 </a:pPr>
                 <a:r>
-                  <a:rPr lang="en-US" sz="800" dirty="0" smtClean="0">
+                  <a:rPr lang="en-US" sz="800" dirty="0">
                     <a:latin typeface="Arial" panose="020B0604020202020204" pitchFamily="34" charset="0"/>
                     <a:cs typeface="Arial" panose="020B0604020202020204" pitchFamily="34" charset="0"/>
                   </a:rPr>
@@ -35463,14 +34316,14 @@
                   <a:buChar char="•"/>
                 </a:pPr>
                 <a:r>
-                  <a:rPr lang="en-US" sz="800" dirty="0" err="1" smtClean="0">
+                  <a:rPr lang="en-US" sz="800" dirty="0" err="1">
                     <a:latin typeface="Arial" panose="020B0604020202020204" pitchFamily="34" charset="0"/>
                     <a:cs typeface="Arial" panose="020B0604020202020204" pitchFamily="34" charset="0"/>
                   </a:rPr>
                   <a:t>Atlassian</a:t>
                 </a:r>
                 <a:r>
-                  <a:rPr lang="en-US" sz="800" dirty="0" smtClean="0">
+                  <a:rPr lang="en-US" sz="800" dirty="0">
                     <a:latin typeface="Arial" panose="020B0604020202020204" pitchFamily="34" charset="0"/>
                     <a:cs typeface="Arial" panose="020B0604020202020204" pitchFamily="34" charset="0"/>
                   </a:rPr>
@@ -35483,7 +34336,7 @@
                   <a:buChar char="•"/>
                 </a:pPr>
                 <a:r>
-                  <a:rPr lang="en-US" sz="800" dirty="0" smtClean="0">
+                  <a:rPr lang="en-US" sz="800" dirty="0">
                     <a:latin typeface="Arial" panose="020B0604020202020204" pitchFamily="34" charset="0"/>
                     <a:cs typeface="Arial" panose="020B0604020202020204" pitchFamily="34" charset="0"/>
                   </a:rPr>
@@ -35496,7 +34349,7 @@
                   <a:buChar char="•"/>
                 </a:pPr>
                 <a:r>
-                  <a:rPr lang="en-US" sz="800" dirty="0" smtClean="0">
+                  <a:rPr lang="en-US" sz="800" dirty="0">
                     <a:latin typeface="Arial" panose="020B0604020202020204" pitchFamily="34" charset="0"/>
                     <a:cs typeface="Arial" panose="020B0604020202020204" pitchFamily="34" charset="0"/>
                   </a:rPr>
@@ -35509,7 +34362,7 @@
                   <a:buChar char="•"/>
                 </a:pPr>
                 <a:r>
-                  <a:rPr lang="en-US" sz="800" dirty="0" smtClean="0">
+                  <a:rPr lang="en-US" sz="800" dirty="0">
                     <a:latin typeface="Arial" panose="020B0604020202020204" pitchFamily="34" charset="0"/>
                     <a:cs typeface="Arial" panose="020B0604020202020204" pitchFamily="34" charset="0"/>
                   </a:rPr>
@@ -35522,7 +34375,7 @@
                   <a:buChar char="•"/>
                 </a:pPr>
                 <a:r>
-                  <a:rPr lang="en-US" sz="800" dirty="0" smtClean="0">
+                  <a:rPr lang="en-US" sz="800" dirty="0">
                     <a:latin typeface="Arial" panose="020B0604020202020204" pitchFamily="34" charset="0"/>
                     <a:cs typeface="Arial" panose="020B0604020202020204" pitchFamily="34" charset="0"/>
                   </a:rPr>
@@ -35535,7 +34388,7 @@
                   <a:buChar char="•"/>
                 </a:pPr>
                 <a:r>
-                  <a:rPr lang="en-US" sz="800" dirty="0" smtClean="0">
+                  <a:rPr lang="en-US" sz="800" dirty="0">
                     <a:latin typeface="Arial" panose="020B0604020202020204" pitchFamily="34" charset="0"/>
                     <a:cs typeface="Arial" panose="020B0604020202020204" pitchFamily="34" charset="0"/>
                   </a:rPr>
@@ -35548,7 +34401,7 @@
                   <a:buChar char="•"/>
                 </a:pPr>
                 <a:r>
-                  <a:rPr lang="en-US" sz="800" dirty="0" smtClean="0">
+                  <a:rPr lang="en-US" sz="800" dirty="0">
                     <a:latin typeface="Arial" panose="020B0604020202020204" pitchFamily="34" charset="0"/>
                     <a:cs typeface="Arial" panose="020B0604020202020204" pitchFamily="34" charset="0"/>
                   </a:rPr>
@@ -35634,13 +34487,13 @@
               <a:t>The </a:t>
             </a:r>
             <a:r>
-              <a:rPr lang="en-GB" sz="2800" dirty="0" err="1" smtClean="0">
+              <a:rPr lang="en-GB" sz="2800" dirty="0" err="1">
                 <a:latin typeface="Arial" panose="020B0604020202020204" pitchFamily="34" charset="0"/>
                 <a:cs typeface="Arial" panose="020B0604020202020204" pitchFamily="34" charset="0"/>
               </a:rPr>
               <a:t>DevSecOps</a:t>
             </a:r>
-            <a:endParaRPr lang="en-GB" sz="2800" dirty="0" smtClean="0">
+            <a:endParaRPr lang="en-GB" sz="2800" dirty="0">
               <a:latin typeface="Arial" panose="020B0604020202020204" pitchFamily="34" charset="0"/>
               <a:cs typeface="Arial" panose="020B0604020202020204" pitchFamily="34" charset="0"/>
             </a:endParaRPr>
@@ -35648,7 +34501,7 @@
           <a:p>
             <a:pPr algn="ctr"/>
             <a:r>
-              <a:rPr lang="en-GB" sz="2800" dirty="0" smtClean="0">
+              <a:rPr lang="en-GB" sz="2800" dirty="0">
                 <a:latin typeface="Arial" panose="020B0604020202020204" pitchFamily="34" charset="0"/>
                 <a:cs typeface="Arial" panose="020B0604020202020204" pitchFamily="34" charset="0"/>
               </a:rPr>
@@ -35699,17 +34552,10 @@
   <p:clrMapOvr>
     <a:masterClrMapping/>
   </p:clrMapOvr>
-  <p:timing>
-    <p:tnLst>
-      <p:par>
-        <p:cTn id="1" dur="indefinite" restart="never" nodeType="tmRoot"/>
-      </p:par>
-    </p:tnLst>
-  </p:timing>
 </p:sld>
 </file>
 
-<file path=ppt/slides/slide15.xml><?xml version="1.0" encoding="utf-8"?>
+<file path=ppt/slides/slide14.xml><?xml version="1.0" encoding="utf-8"?>
 <p:sld xmlns:a="http://schemas.openxmlformats.org/drawingml/2006/main" xmlns:r="http://schemas.openxmlformats.org/officeDocument/2006/relationships" xmlns:p="http://schemas.openxmlformats.org/presentationml/2006/main">
   <p:cSld>
     <p:spTree>
@@ -35748,15 +34594,15 @@
           <a:p>
             <a:r>
               <a:rPr lang="en-GB" dirty="0"/>
-              <a:t>Vince’s Three “</a:t>
+              <a:t>Vince’s Five Rules of </a:t>
             </a:r>
             <a:r>
               <a:rPr lang="en-GB" dirty="0" err="1"/>
-              <a:t>i”s</a:t>
+              <a:t>DevSecOps</a:t>
             </a:r>
             <a:r>
               <a:rPr lang="en-GB" dirty="0"/>
-              <a:t> of Monitoring in the Cloud</a:t>
+              <a:t> in the Cloud</a:t>
             </a:r>
           </a:p>
         </p:txBody>
@@ -35778,428 +34624,6 @@
           <a:p>
             <a:r>
               <a:rPr lang="en-GB"/>
-              <a:t>Document classification: Green</a:t>
-            </a:r>
-            <a:endParaRPr lang="en-GB" dirty="0"/>
-          </a:p>
-        </p:txBody>
-      </p:sp>
-      <p:pic>
-        <p:nvPicPr>
-          <p:cNvPr id="5" name="Picture 4">
-            <a:extLst>
-              <a:ext uri="{FF2B5EF4-FFF2-40B4-BE49-F238E27FC236}">
-                <a16:creationId xmlns:a16="http://schemas.microsoft.com/office/drawing/2014/main" id="{6A9A8DD6-10B5-8C99-1B9D-A264A444A2F2}"/>
-              </a:ext>
-            </a:extLst>
-          </p:cNvPr>
-          <p:cNvPicPr>
-            <a:picLocks noChangeAspect="1"/>
-          </p:cNvPicPr>
-          <p:nvPr/>
-        </p:nvPicPr>
-        <p:blipFill>
-          <a:blip r:embed="rId3"/>
-          <a:stretch>
-            <a:fillRect/>
-          </a:stretch>
-        </p:blipFill>
-        <p:spPr>
-          <a:xfrm>
-            <a:off x="3596520" y="1276349"/>
-            <a:ext cx="4670425" cy="4429229"/>
-          </a:xfrm>
-          <a:prstGeom prst="rect">
-            <a:avLst/>
-          </a:prstGeom>
-        </p:spPr>
-      </p:pic>
-      <p:sp>
-        <p:nvSpPr>
-          <p:cNvPr id="6" name="TextBox 5">
-            <a:extLst>
-              <a:ext uri="{FF2B5EF4-FFF2-40B4-BE49-F238E27FC236}">
-                <a16:creationId xmlns:a16="http://schemas.microsoft.com/office/drawing/2014/main" id="{03A1A503-B631-31DD-0E87-1B64D5D9E4BC}"/>
-              </a:ext>
-            </a:extLst>
-          </p:cNvPr>
-          <p:cNvSpPr txBox="1"/>
-          <p:nvPr/>
-        </p:nvSpPr>
-        <p:spPr>
-          <a:xfrm>
-            <a:off x="5270429" y="1756122"/>
-            <a:ext cx="1322606" cy="584775"/>
-          </a:xfrm>
-          <a:prstGeom prst="rect">
-            <a:avLst/>
-          </a:prstGeom>
-          <a:noFill/>
-        </p:spPr>
-        <p:txBody>
-          <a:bodyPr wrap="none" rtlCol="0">
-            <a:spAutoFit/>
-          </a:bodyPr>
-          <a:lstStyle/>
-          <a:p>
-            <a:r>
-              <a:rPr lang="en-GB" sz="3200" dirty="0"/>
-              <a:t>People</a:t>
-            </a:r>
-          </a:p>
-        </p:txBody>
-      </p:sp>
-      <p:sp>
-        <p:nvSpPr>
-          <p:cNvPr id="7" name="TextBox 6">
-            <a:extLst>
-              <a:ext uri="{FF2B5EF4-FFF2-40B4-BE49-F238E27FC236}">
-                <a16:creationId xmlns:a16="http://schemas.microsoft.com/office/drawing/2014/main" id="{0A7E06BE-7ABB-3A0A-E785-DC1C8180CAD6}"/>
-              </a:ext>
-            </a:extLst>
-          </p:cNvPr>
-          <p:cNvSpPr txBox="1"/>
-          <p:nvPr/>
-        </p:nvSpPr>
-        <p:spPr>
-          <a:xfrm>
-            <a:off x="3873429" y="4078276"/>
-            <a:ext cx="1131913" cy="461665"/>
-          </a:xfrm>
-          <a:prstGeom prst="rect">
-            <a:avLst/>
-          </a:prstGeom>
-          <a:noFill/>
-        </p:spPr>
-        <p:txBody>
-          <a:bodyPr wrap="none" rtlCol="0">
-            <a:spAutoFit/>
-          </a:bodyPr>
-          <a:lstStyle/>
-          <a:p>
-            <a:r>
-              <a:rPr lang="en-GB" sz="2400" dirty="0"/>
-              <a:t>Process</a:t>
-            </a:r>
-          </a:p>
-        </p:txBody>
-      </p:sp>
-      <p:sp>
-        <p:nvSpPr>
-          <p:cNvPr id="8" name="TextBox 7">
-            <a:extLst>
-              <a:ext uri="{FF2B5EF4-FFF2-40B4-BE49-F238E27FC236}">
-                <a16:creationId xmlns:a16="http://schemas.microsoft.com/office/drawing/2014/main" id="{26879CB8-0388-FA77-EA6D-9D66AB1CFA01}"/>
-              </a:ext>
-            </a:extLst>
-          </p:cNvPr>
-          <p:cNvSpPr txBox="1"/>
-          <p:nvPr/>
-        </p:nvSpPr>
-        <p:spPr>
-          <a:xfrm>
-            <a:off x="6702561" y="4109054"/>
-            <a:ext cx="1357744" cy="400110"/>
-          </a:xfrm>
-          <a:prstGeom prst="rect">
-            <a:avLst/>
-          </a:prstGeom>
-          <a:noFill/>
-        </p:spPr>
-        <p:txBody>
-          <a:bodyPr wrap="none" rtlCol="0">
-            <a:spAutoFit/>
-          </a:bodyPr>
-          <a:lstStyle/>
-          <a:p>
-            <a:r>
-              <a:rPr lang="en-GB" sz="2000" dirty="0"/>
-              <a:t>Technology</a:t>
-            </a:r>
-          </a:p>
-        </p:txBody>
-      </p:sp>
-      <p:sp>
-        <p:nvSpPr>
-          <p:cNvPr id="15" name="TextBox 14">
-            <a:extLst>
-              <a:ext uri="{FF2B5EF4-FFF2-40B4-BE49-F238E27FC236}">
-                <a16:creationId xmlns:a16="http://schemas.microsoft.com/office/drawing/2014/main" id="{D7F76B21-916B-BCDA-14D8-4F3BDF940EE6}"/>
-              </a:ext>
-            </a:extLst>
-          </p:cNvPr>
-          <p:cNvSpPr txBox="1"/>
-          <p:nvPr/>
-        </p:nvSpPr>
-        <p:spPr>
-          <a:xfrm>
-            <a:off x="5270429" y="3397056"/>
-            <a:ext cx="1303562" cy="523220"/>
-          </a:xfrm>
-          <a:prstGeom prst="rect">
-            <a:avLst/>
-          </a:prstGeom>
-          <a:noFill/>
-        </p:spPr>
-        <p:txBody>
-          <a:bodyPr wrap="none" rtlCol="0">
-            <a:spAutoFit/>
-          </a:bodyPr>
-          <a:lstStyle/>
-          <a:p>
-            <a:r>
-              <a:rPr lang="en-GB" sz="2800" dirty="0">
-                <a:solidFill>
-                  <a:srgbClr val="0070C0"/>
-                </a:solidFill>
-              </a:rPr>
-              <a:t>Success</a:t>
-            </a:r>
-          </a:p>
-        </p:txBody>
-      </p:sp>
-      <p:sp>
-        <p:nvSpPr>
-          <p:cNvPr id="16" name="TextBox 15">
-            <a:extLst>
-              <a:ext uri="{FF2B5EF4-FFF2-40B4-BE49-F238E27FC236}">
-                <a16:creationId xmlns:a16="http://schemas.microsoft.com/office/drawing/2014/main" id="{156C1101-EC81-ACCB-780E-FF441CBBCEB3}"/>
-              </a:ext>
-            </a:extLst>
-          </p:cNvPr>
-          <p:cNvSpPr txBox="1"/>
-          <p:nvPr/>
-        </p:nvSpPr>
-        <p:spPr>
-          <a:xfrm>
-            <a:off x="2435352" y="1453198"/>
-            <a:ext cx="2329612" cy="1200329"/>
-          </a:xfrm>
-          <a:prstGeom prst="rect">
-            <a:avLst/>
-          </a:prstGeom>
-          <a:noFill/>
-        </p:spPr>
-        <p:txBody>
-          <a:bodyPr wrap="none" rtlCol="0">
-            <a:spAutoFit/>
-          </a:bodyPr>
-          <a:lstStyle/>
-          <a:p>
-            <a:r>
-              <a:rPr lang="en-GB" dirty="0"/>
-              <a:t>Subject Matter Experts</a:t>
-            </a:r>
-          </a:p>
-          <a:p>
-            <a:r>
-              <a:rPr lang="en-GB" dirty="0"/>
-              <a:t>Business Owners</a:t>
-            </a:r>
-          </a:p>
-          <a:p>
-            <a:r>
-              <a:rPr lang="en-GB" dirty="0"/>
-              <a:t>End Users</a:t>
-            </a:r>
-          </a:p>
-          <a:p>
-            <a:r>
-              <a:rPr lang="en-GB" dirty="0"/>
-              <a:t>Delivery team</a:t>
-            </a:r>
-          </a:p>
-        </p:txBody>
-      </p:sp>
-      <p:sp>
-        <p:nvSpPr>
-          <p:cNvPr id="17" name="TextBox 16">
-            <a:extLst>
-              <a:ext uri="{FF2B5EF4-FFF2-40B4-BE49-F238E27FC236}">
-                <a16:creationId xmlns:a16="http://schemas.microsoft.com/office/drawing/2014/main" id="{CE5CCE1F-A702-8D96-9629-5D28F77728E3}"/>
-              </a:ext>
-            </a:extLst>
-          </p:cNvPr>
-          <p:cNvSpPr txBox="1"/>
-          <p:nvPr/>
-        </p:nvSpPr>
-        <p:spPr>
-          <a:xfrm>
-            <a:off x="8543854" y="3708943"/>
-            <a:ext cx="2562433" cy="923330"/>
-          </a:xfrm>
-          <a:prstGeom prst="rect">
-            <a:avLst/>
-          </a:prstGeom>
-          <a:noFill/>
-        </p:spPr>
-        <p:txBody>
-          <a:bodyPr wrap="none" rtlCol="0">
-            <a:spAutoFit/>
-          </a:bodyPr>
-          <a:lstStyle/>
-          <a:p>
-            <a:r>
-              <a:rPr lang="en-GB" dirty="0"/>
-              <a:t>Development stack</a:t>
-            </a:r>
-          </a:p>
-          <a:p>
-            <a:r>
-              <a:rPr lang="en-GB" dirty="0"/>
-              <a:t>Collaboration tools</a:t>
-            </a:r>
-          </a:p>
-          <a:p>
-            <a:r>
-              <a:rPr lang="en-GB" dirty="0"/>
-              <a:t>Project Tracking Software</a:t>
-            </a:r>
-          </a:p>
-        </p:txBody>
-      </p:sp>
-      <p:sp>
-        <p:nvSpPr>
-          <p:cNvPr id="18" name="TextBox 17">
-            <a:extLst>
-              <a:ext uri="{FF2B5EF4-FFF2-40B4-BE49-F238E27FC236}">
-                <a16:creationId xmlns:a16="http://schemas.microsoft.com/office/drawing/2014/main" id="{E0C7202F-9929-A6D2-98DE-9C9DBE4459F7}"/>
-              </a:ext>
-            </a:extLst>
-          </p:cNvPr>
-          <p:cNvSpPr txBox="1"/>
-          <p:nvPr/>
-        </p:nvSpPr>
-        <p:spPr>
-          <a:xfrm>
-            <a:off x="1301420" y="3641175"/>
-            <a:ext cx="2267865" cy="1200329"/>
-          </a:xfrm>
-          <a:prstGeom prst="rect">
-            <a:avLst/>
-          </a:prstGeom>
-          <a:noFill/>
-        </p:spPr>
-        <p:txBody>
-          <a:bodyPr wrap="none" rtlCol="0">
-            <a:spAutoFit/>
-          </a:bodyPr>
-          <a:lstStyle/>
-          <a:p>
-            <a:r>
-              <a:rPr lang="en-GB" dirty="0"/>
-              <a:t>Requirements capture</a:t>
-            </a:r>
-          </a:p>
-          <a:p>
-            <a:r>
-              <a:rPr lang="en-GB" dirty="0"/>
-              <a:t>Data on-boarding</a:t>
-            </a:r>
-          </a:p>
-          <a:p>
-            <a:r>
-              <a:rPr lang="en-GB" dirty="0"/>
-              <a:t>Feedback</a:t>
-            </a:r>
-          </a:p>
-          <a:p>
-            <a:r>
-              <a:rPr lang="en-GB" dirty="0"/>
-              <a:t>Communications</a:t>
-            </a:r>
-          </a:p>
-        </p:txBody>
-      </p:sp>
-    </p:spTree>
-    <p:extLst>
-      <p:ext uri="{BB962C8B-B14F-4D97-AF65-F5344CB8AC3E}">
-        <p14:creationId xmlns:p14="http://schemas.microsoft.com/office/powerpoint/2010/main" val="386600717"/>
-      </p:ext>
-    </p:extLst>
-  </p:cSld>
-  <p:clrMapOvr>
-    <a:masterClrMapping/>
-  </p:clrMapOvr>
-  <p:timing>
-    <p:tnLst>
-      <p:par>
-        <p:cTn id="1" dur="indefinite" restart="never" nodeType="tmRoot"/>
-      </p:par>
-    </p:tnLst>
-  </p:timing>
-</p:sld>
-</file>
-
-<file path=ppt/slides/slide16.xml><?xml version="1.0" encoding="utf-8"?>
-<p:sld xmlns:a="http://schemas.openxmlformats.org/drawingml/2006/main" xmlns:r="http://schemas.openxmlformats.org/officeDocument/2006/relationships" xmlns:p="http://schemas.openxmlformats.org/presentationml/2006/main">
-  <p:cSld>
-    <p:spTree>
-      <p:nvGrpSpPr>
-        <p:cNvPr id="1" name=""/>
-        <p:cNvGrpSpPr/>
-        <p:nvPr/>
-      </p:nvGrpSpPr>
-      <p:grpSpPr>
-        <a:xfrm>
-          <a:off x="0" y="0"/>
-          <a:ext cx="0" cy="0"/>
-          <a:chOff x="0" y="0"/>
-          <a:chExt cx="0" cy="0"/>
-        </a:xfrm>
-      </p:grpSpPr>
-      <p:sp>
-        <p:nvSpPr>
-          <p:cNvPr id="2" name="Title 1"/>
-          <p:cNvSpPr>
-            <a:spLocks noGrp="1"/>
-          </p:cNvSpPr>
-          <p:nvPr>
-            <p:ph type="title"/>
-          </p:nvPr>
-        </p:nvSpPr>
-        <p:spPr>
-          <a:xfrm>
-            <a:off x="457200" y="457200"/>
-            <a:ext cx="11277600" cy="912814"/>
-          </a:xfrm>
-        </p:spPr>
-        <p:txBody>
-          <a:bodyPr/>
-          <a:lstStyle/>
-          <a:p>
-            <a:r>
-              <a:rPr lang="en-GB" dirty="0"/>
-              <a:t>Vince’s Five Rules of </a:t>
-            </a:r>
-            <a:r>
-              <a:rPr lang="en-GB" dirty="0" err="1"/>
-              <a:t>DevSecOps</a:t>
-            </a:r>
-            <a:r>
-              <a:rPr lang="en-GB" dirty="0"/>
-              <a:t> in the Cloud</a:t>
-            </a:r>
-          </a:p>
-        </p:txBody>
-      </p:sp>
-      <p:sp>
-        <p:nvSpPr>
-          <p:cNvPr id="3" name="Footer Placeholder 2"/>
-          <p:cNvSpPr>
-            <a:spLocks noGrp="1"/>
-          </p:cNvSpPr>
-          <p:nvPr>
-            <p:ph type="ftr" sz="quarter" idx="11"/>
-          </p:nvPr>
-        </p:nvSpPr>
-        <p:spPr/>
-        <p:txBody>
-          <a:bodyPr/>
-          <a:lstStyle/>
-          <a:p>
-            <a:r>
-              <a:rPr lang="en-GB" smtClean="0"/>
               <a:t>Document classification: GREEN</a:t>
             </a:r>
             <a:endParaRPr lang="en-GB" dirty="0"/>
@@ -36727,17 +35151,260 @@
   <p:clrMapOvr>
     <a:masterClrMapping/>
   </p:clrMapOvr>
-  <p:timing>
-    <p:tnLst>
-      <p:par>
-        <p:cTn id="1" dur="indefinite" restart="never" nodeType="tmRoot"/>
-      </p:par>
-    </p:tnLst>
-  </p:timing>
 </p:sld>
 </file>
 
-<file path=ppt/slides/slide17.xml><?xml version="1.0" encoding="utf-8"?>
+<file path=ppt/slides/slide15.xml><?xml version="1.0" encoding="utf-8"?>
+<p:sld xmlns:a="http://schemas.openxmlformats.org/drawingml/2006/main" xmlns:r="http://schemas.openxmlformats.org/officeDocument/2006/relationships" xmlns:p="http://schemas.openxmlformats.org/presentationml/2006/main">
+  <p:cSld>
+    <p:spTree>
+      <p:nvGrpSpPr>
+        <p:cNvPr id="1" name=""/>
+        <p:cNvGrpSpPr/>
+        <p:nvPr/>
+      </p:nvGrpSpPr>
+      <p:grpSpPr>
+        <a:xfrm>
+          <a:off x="0" y="0"/>
+          <a:ext cx="0" cy="0"/>
+          <a:chOff x="0" y="0"/>
+          <a:chExt cx="0" cy="0"/>
+        </a:xfrm>
+      </p:grpSpPr>
+      <p:sp>
+        <p:nvSpPr>
+          <p:cNvPr id="4" name="Footer Placeholder 3"/>
+          <p:cNvSpPr>
+            <a:spLocks noGrp="1"/>
+          </p:cNvSpPr>
+          <p:nvPr>
+            <p:ph type="ftr" sz="quarter" idx="11"/>
+          </p:nvPr>
+        </p:nvSpPr>
+        <p:spPr/>
+        <p:txBody>
+          <a:bodyPr/>
+          <a:lstStyle/>
+          <a:p>
+            <a:r>
+              <a:rPr lang="en-GB"/>
+              <a:t>Document classification: Green</a:t>
+            </a:r>
+          </a:p>
+        </p:txBody>
+      </p:sp>
+      <p:sp>
+        <p:nvSpPr>
+          <p:cNvPr id="7" name="TextBox 6"/>
+          <p:cNvSpPr txBox="1"/>
+          <p:nvPr/>
+        </p:nvSpPr>
+        <p:spPr>
+          <a:xfrm>
+            <a:off x="1853875" y="4648497"/>
+            <a:ext cx="5257800" cy="861774"/>
+          </a:xfrm>
+          <a:prstGeom prst="rect">
+            <a:avLst/>
+          </a:prstGeom>
+          <a:noFill/>
+        </p:spPr>
+        <p:txBody>
+          <a:bodyPr wrap="square" rtlCol="0">
+            <a:spAutoFit/>
+          </a:bodyPr>
+          <a:lstStyle/>
+          <a:p>
+            <a:r>
+              <a:rPr lang="en-GB" sz="3200" b="1" dirty="0"/>
+              <a:t>Vincent King</a:t>
+            </a:r>
+          </a:p>
+          <a:p>
+            <a:r>
+              <a:rPr lang="en-GB" dirty="0"/>
+              <a:t>Head of </a:t>
+            </a:r>
+            <a:r>
+              <a:rPr lang="en-GB" dirty="0" err="1"/>
+              <a:t>DevSecOps</a:t>
+            </a:r>
+            <a:r>
+              <a:rPr lang="en-GB" dirty="0"/>
+              <a:t> for Cloud Transformation</a:t>
+            </a:r>
+          </a:p>
+        </p:txBody>
+      </p:sp>
+      <p:sp>
+        <p:nvSpPr>
+          <p:cNvPr id="8" name="TextBox 7"/>
+          <p:cNvSpPr txBox="1"/>
+          <p:nvPr/>
+        </p:nvSpPr>
+        <p:spPr>
+          <a:xfrm>
+            <a:off x="3385582" y="3070306"/>
+            <a:ext cx="5316007" cy="1446550"/>
+          </a:xfrm>
+          <a:prstGeom prst="rect">
+            <a:avLst/>
+          </a:prstGeom>
+          <a:noFill/>
+        </p:spPr>
+        <p:txBody>
+          <a:bodyPr wrap="none" rtlCol="0">
+            <a:spAutoFit/>
+          </a:bodyPr>
+          <a:lstStyle/>
+          <a:p>
+            <a:r>
+              <a:rPr lang="en-GB" sz="8800" dirty="0"/>
+              <a:t>Questions?</a:t>
+            </a:r>
+          </a:p>
+        </p:txBody>
+      </p:sp>
+      <p:sp>
+        <p:nvSpPr>
+          <p:cNvPr id="19" name="Rectangle 18"/>
+          <p:cNvSpPr/>
+          <p:nvPr/>
+        </p:nvSpPr>
+        <p:spPr>
+          <a:xfrm>
+            <a:off x="1853875" y="5641913"/>
+            <a:ext cx="3260060" cy="461665"/>
+          </a:xfrm>
+          <a:prstGeom prst="rect">
+            <a:avLst/>
+          </a:prstGeom>
+        </p:spPr>
+        <p:txBody>
+          <a:bodyPr wrap="none">
+            <a:spAutoFit/>
+          </a:bodyPr>
+          <a:lstStyle/>
+          <a:p>
+            <a:pPr marL="0" marR="0" lvl="0" indent="0" algn="l" defTabSz="914400" rtl="0" eaLnBrk="1" fontAlgn="auto" latinLnBrk="0" hangingPunct="1">
+              <a:lnSpc>
+                <a:spcPct val="100000"/>
+              </a:lnSpc>
+              <a:spcBef>
+                <a:spcPts val="0"/>
+              </a:spcBef>
+              <a:spcAft>
+                <a:spcPts val="0"/>
+              </a:spcAft>
+              <a:buClrTx/>
+              <a:buSzTx/>
+              <a:buFontTx/>
+              <a:buNone/>
+              <a:tabLst/>
+              <a:defRPr/>
+            </a:pPr>
+            <a:r>
+              <a:rPr kumimoji="0" lang="en-GB" sz="2400" b="0" i="0" u="none" strike="noStrike" kern="1200" cap="none" spc="0" normalizeH="0" baseline="0" noProof="0" dirty="0">
+                <a:ln>
+                  <a:noFill/>
+                </a:ln>
+                <a:solidFill>
+                  <a:srgbClr val="000000"/>
+                </a:solidFill>
+                <a:effectLst/>
+                <a:uLnTx/>
+                <a:uFillTx/>
+                <a:latin typeface="Arial" panose="020B0604020202020204" pitchFamily="34" charset="0"/>
+                <a:ea typeface="+mn-ea"/>
+                <a:cs typeface="Arial" panose="020B0604020202020204" pitchFamily="34" charset="0"/>
+              </a:rPr>
+              <a:t>DevSecOpsVince.com</a:t>
+            </a:r>
+            <a:endParaRPr kumimoji="0" lang="en-GB" sz="1400" b="0" i="0" u="none" strike="noStrike" kern="1200" cap="none" spc="0" normalizeH="0" baseline="0" noProof="0" dirty="0">
+              <a:ln>
+                <a:noFill/>
+              </a:ln>
+              <a:solidFill>
+                <a:srgbClr val="000000"/>
+              </a:solidFill>
+              <a:effectLst/>
+              <a:uLnTx/>
+              <a:uFillTx/>
+              <a:latin typeface="Arial" panose="020B0604020202020204" pitchFamily="34" charset="0"/>
+              <a:ea typeface="+mn-ea"/>
+              <a:cs typeface="Arial" panose="020B0604020202020204" pitchFamily="34" charset="0"/>
+            </a:endParaRPr>
+          </a:p>
+        </p:txBody>
+      </p:sp>
+      <p:pic>
+        <p:nvPicPr>
+          <p:cNvPr id="22" name="Picture 21"/>
+          <p:cNvPicPr>
+            <a:picLocks noChangeAspect="1"/>
+          </p:cNvPicPr>
+          <p:nvPr/>
+        </p:nvPicPr>
+        <p:blipFill>
+          <a:blip r:embed="rId2" cstate="print">
+            <a:extLst>
+              <a:ext uri="{28A0092B-C50C-407E-A947-70E740481C1C}">
+                <a14:useLocalDpi xmlns:a14="http://schemas.microsoft.com/office/drawing/2010/main" val="0"/>
+              </a:ext>
+            </a:extLst>
+          </a:blip>
+          <a:stretch>
+            <a:fillRect/>
+          </a:stretch>
+        </p:blipFill>
+        <p:spPr>
+          <a:xfrm>
+            <a:off x="7861760" y="4721578"/>
+            <a:ext cx="3558225" cy="1757148"/>
+          </a:xfrm>
+          <a:prstGeom prst="rect">
+            <a:avLst/>
+          </a:prstGeom>
+        </p:spPr>
+      </p:pic>
+      <p:pic>
+        <p:nvPicPr>
+          <p:cNvPr id="3" name="Picture 2"/>
+          <p:cNvPicPr>
+            <a:picLocks noChangeAspect="1"/>
+          </p:cNvPicPr>
+          <p:nvPr/>
+        </p:nvPicPr>
+        <p:blipFill>
+          <a:blip r:embed="rId3"/>
+          <a:stretch>
+            <a:fillRect/>
+          </a:stretch>
+        </p:blipFill>
+        <p:spPr>
+          <a:xfrm>
+            <a:off x="427669" y="4721578"/>
+            <a:ext cx="1369233" cy="1382000"/>
+          </a:xfrm>
+          <a:prstGeom prst="rect">
+            <a:avLst/>
+          </a:prstGeom>
+        </p:spPr>
+      </p:pic>
+    </p:spTree>
+    <p:extLst>
+      <p:ext uri="{BB962C8B-B14F-4D97-AF65-F5344CB8AC3E}">
+        <p14:creationId xmlns:p14="http://schemas.microsoft.com/office/powerpoint/2010/main" val="2819155554"/>
+      </p:ext>
+    </p:extLst>
+  </p:cSld>
+  <p:clrMapOvr>
+    <a:masterClrMapping/>
+  </p:clrMapOvr>
+</p:sld>
+</file>
+
+<file path=ppt/slides/slide16.xml><?xml version="1.0" encoding="utf-8"?>
 <p:sld xmlns:a="http://schemas.openxmlformats.org/drawingml/2006/main" xmlns:r="http://schemas.openxmlformats.org/officeDocument/2006/relationships" xmlns:p="http://schemas.openxmlformats.org/presentationml/2006/main">
   <p:cSld>
     <p:spTree>
@@ -36922,6 +35589,225 @@
           </a:prstGeom>
         </p:spPr>
       </p:pic>
+      <p:pic>
+        <p:nvPicPr>
+          <p:cNvPr id="2" name="Picture 1">
+            <a:extLst>
+              <a:ext uri="{FF2B5EF4-FFF2-40B4-BE49-F238E27FC236}">
+                <a16:creationId xmlns:a16="http://schemas.microsoft.com/office/drawing/2014/main" id="{5E8273F0-6AB2-DAD5-0944-F12B7D30F4E5}"/>
+              </a:ext>
+            </a:extLst>
+          </p:cNvPr>
+          <p:cNvPicPr>
+            <a:picLocks noChangeAspect="1"/>
+          </p:cNvPicPr>
+          <p:nvPr/>
+        </p:nvPicPr>
+        <p:blipFill>
+          <a:blip r:embed="rId7" cstate="print">
+            <a:extLst>
+              <a:ext uri="{28A0092B-C50C-407E-A947-70E740481C1C}">
+                <a14:useLocalDpi xmlns:a14="http://schemas.microsoft.com/office/drawing/2010/main" val="0"/>
+              </a:ext>
+            </a:extLst>
+          </a:blip>
+          <a:stretch>
+            <a:fillRect/>
+          </a:stretch>
+        </p:blipFill>
+        <p:spPr>
+          <a:xfrm>
+            <a:off x="446400" y="1370014"/>
+            <a:ext cx="1401968" cy="1401968"/>
+          </a:xfrm>
+          <a:prstGeom prst="rect">
+            <a:avLst/>
+          </a:prstGeom>
+        </p:spPr>
+      </p:pic>
+      <p:pic>
+        <p:nvPicPr>
+          <p:cNvPr id="4" name="Picture 8" descr="https://cdn-assets-cloud.frontify.com/local/frontify/h_lNxVXLqrDqb2kyrixW3lMmUl7n-aBRzJUzyvzD7_8rM4T8YBavHo52jxwf_gydvqlXwly7FDF4dfXM1nxq266zJ5t-IODrYAZ-QLB1Lkpbq-3bitgPRXaHnm-Carpb?width=2400">
+            <a:extLst>
+              <a:ext uri="{FF2B5EF4-FFF2-40B4-BE49-F238E27FC236}">
+                <a16:creationId xmlns:a16="http://schemas.microsoft.com/office/drawing/2014/main" id="{B06A30FB-19F3-0124-CAEE-6FE3467F84F2}"/>
+              </a:ext>
+            </a:extLst>
+          </p:cNvPr>
+          <p:cNvPicPr>
+            <a:picLocks noChangeAspect="1" noChangeArrowheads="1"/>
+          </p:cNvPicPr>
+          <p:nvPr/>
+        </p:nvPicPr>
+        <p:blipFill>
+          <a:blip r:embed="rId8" cstate="print">
+            <a:extLst>
+              <a:ext uri="{28A0092B-C50C-407E-A947-70E740481C1C}">
+                <a14:useLocalDpi xmlns:a14="http://schemas.microsoft.com/office/drawing/2010/main" val="0"/>
+              </a:ext>
+            </a:extLst>
+          </a:blip>
+          <a:srcRect/>
+          <a:stretch>
+            <a:fillRect/>
+          </a:stretch>
+        </p:blipFill>
+        <p:spPr bwMode="auto">
+          <a:xfrm>
+            <a:off x="2639724" y="2251936"/>
+            <a:ext cx="1401968" cy="1401968"/>
+          </a:xfrm>
+          <a:prstGeom prst="rect">
+            <a:avLst/>
+          </a:prstGeom>
+          <a:noFill/>
+          <a:extLst>
+            <a:ext uri="{909E8E84-426E-40DD-AFC4-6F175D3DCCD1}">
+              <a14:hiddenFill xmlns:a14="http://schemas.microsoft.com/office/drawing/2010/main">
+                <a:solidFill>
+                  <a:srgbClr val="FFFFFF"/>
+                </a:solidFill>
+              </a14:hiddenFill>
+            </a:ext>
+          </a:extLst>
+        </p:spPr>
+      </p:pic>
+      <p:pic>
+        <p:nvPicPr>
+          <p:cNvPr id="5" name="Picture 2" descr="https://cdn-assets-cloud.frontify.com/local/frontify/h_lNxVXLqrDqb2kyrixW3lMmUl7n-aBRzJUzyvzD7_9BO9ltE3q1OOCfZo6Sa2lu4hurhgheSFrsN6Uqg9sObFbfnRcsb-x4wlnvnOlya05xcmlG9hid3qk4bfYHz6Uc?width=2400">
+            <a:extLst>
+              <a:ext uri="{FF2B5EF4-FFF2-40B4-BE49-F238E27FC236}">
+                <a16:creationId xmlns:a16="http://schemas.microsoft.com/office/drawing/2014/main" id="{1009E7D6-05D4-25B5-9E04-D46EC91F44C3}"/>
+              </a:ext>
+            </a:extLst>
+          </p:cNvPr>
+          <p:cNvPicPr>
+            <a:picLocks noChangeAspect="1" noChangeArrowheads="1"/>
+          </p:cNvPicPr>
+          <p:nvPr/>
+        </p:nvPicPr>
+        <p:blipFill>
+          <a:blip r:embed="rId9" cstate="print">
+            <a:extLst>
+              <a:ext uri="{28A0092B-C50C-407E-A947-70E740481C1C}">
+                <a14:useLocalDpi xmlns:a14="http://schemas.microsoft.com/office/drawing/2010/main" val="0"/>
+              </a:ext>
+            </a:extLst>
+          </a:blip>
+          <a:srcRect/>
+          <a:stretch>
+            <a:fillRect/>
+          </a:stretch>
+        </p:blipFill>
+        <p:spPr bwMode="auto">
+          <a:xfrm>
+            <a:off x="5673972" y="1650407"/>
+            <a:ext cx="1401968" cy="1401968"/>
+          </a:xfrm>
+          <a:prstGeom prst="rect">
+            <a:avLst/>
+          </a:prstGeom>
+          <a:noFill/>
+          <a:extLst>
+            <a:ext uri="{909E8E84-426E-40DD-AFC4-6F175D3DCCD1}">
+              <a14:hiddenFill xmlns:a14="http://schemas.microsoft.com/office/drawing/2010/main">
+                <a:solidFill>
+                  <a:srgbClr val="FFFFFF"/>
+                </a:solidFill>
+              </a14:hiddenFill>
+            </a:ext>
+          </a:extLst>
+        </p:spPr>
+      </p:pic>
+      <p:pic>
+        <p:nvPicPr>
+          <p:cNvPr id="6" name="Picture 6" descr="https://cdn-assets-cloud.frontify.com/local/frontify/h_lNxVXLqrDqb2kyrixW3lMmUl7n-aBRzJUzyvzD7_9Uhf5d0UJ_AbGaOOErGV1dpZfd_31MPu2MY7DreHz2YPhrtFEK32kTuVVdvw71U793k69iIq1Y3qrI7mgkSCFL?width=2400">
+            <a:extLst>
+              <a:ext uri="{FF2B5EF4-FFF2-40B4-BE49-F238E27FC236}">
+                <a16:creationId xmlns:a16="http://schemas.microsoft.com/office/drawing/2014/main" id="{073D0062-F028-2A9E-2998-A14ADAC3951E}"/>
+              </a:ext>
+            </a:extLst>
+          </p:cNvPr>
+          <p:cNvPicPr>
+            <a:picLocks noChangeAspect="1" noChangeArrowheads="1"/>
+          </p:cNvPicPr>
+          <p:nvPr/>
+        </p:nvPicPr>
+        <p:blipFill>
+          <a:blip r:embed="rId10" cstate="print">
+            <a:extLst>
+              <a:ext uri="{28A0092B-C50C-407E-A947-70E740481C1C}">
+                <a14:useLocalDpi xmlns:a14="http://schemas.microsoft.com/office/drawing/2010/main" val="0"/>
+              </a:ext>
+            </a:extLst>
+          </a:blip>
+          <a:srcRect/>
+          <a:stretch>
+            <a:fillRect/>
+          </a:stretch>
+        </p:blipFill>
+        <p:spPr bwMode="auto">
+          <a:xfrm>
+            <a:off x="3217084" y="3919958"/>
+            <a:ext cx="1484125" cy="1484125"/>
+          </a:xfrm>
+          <a:prstGeom prst="rect">
+            <a:avLst/>
+          </a:prstGeom>
+          <a:noFill/>
+          <a:extLst>
+            <a:ext uri="{909E8E84-426E-40DD-AFC4-6F175D3DCCD1}">
+              <a14:hiddenFill xmlns:a14="http://schemas.microsoft.com/office/drawing/2010/main">
+                <a:solidFill>
+                  <a:srgbClr val="FFFFFF"/>
+                </a:solidFill>
+              </a14:hiddenFill>
+            </a:ext>
+          </a:extLst>
+        </p:spPr>
+      </p:pic>
+      <p:pic>
+        <p:nvPicPr>
+          <p:cNvPr id="7" name="Picture 6">
+            <a:extLst>
+              <a:ext uri="{FF2B5EF4-FFF2-40B4-BE49-F238E27FC236}">
+                <a16:creationId xmlns:a16="http://schemas.microsoft.com/office/drawing/2014/main" id="{A8DAEC37-238B-5501-C302-F90D3EF36F13}"/>
+              </a:ext>
+            </a:extLst>
+          </p:cNvPr>
+          <p:cNvPicPr>
+            <a:picLocks noChangeAspect="1"/>
+          </p:cNvPicPr>
+          <p:nvPr/>
+        </p:nvPicPr>
+        <p:blipFill>
+          <a:blip r:embed="rId11" cstate="print">
+            <a:extLst>
+              <a:ext uri="{28A0092B-C50C-407E-A947-70E740481C1C}">
+                <a14:useLocalDpi xmlns:a14="http://schemas.microsoft.com/office/drawing/2010/main" val="0"/>
+              </a:ext>
+            </a:extLst>
+          </a:blip>
+          <a:stretch>
+            <a:fillRect/>
+          </a:stretch>
+        </p:blipFill>
+        <p:spPr>
+          <a:xfrm>
+            <a:off x="10242434" y="4286826"/>
+            <a:ext cx="1274067" cy="1271019"/>
+          </a:xfrm>
+          <a:prstGeom prst="rect">
+            <a:avLst/>
+          </a:prstGeom>
+          <a:scene3d>
+            <a:camera prst="orthographicFront">
+              <a:rot lat="0" lon="20699996" rev="0"/>
+            </a:camera>
+            <a:lightRig rig="threePt" dir="t"/>
+          </a:scene3d>
+        </p:spPr>
+      </p:pic>
     </p:spTree>
     <p:extLst>
       <p:ext uri="{BB962C8B-B14F-4D97-AF65-F5344CB8AC3E}">
@@ -36932,17 +35818,10 @@
   <p:clrMapOvr>
     <a:masterClrMapping/>
   </p:clrMapOvr>
-  <p:timing>
-    <p:tnLst>
-      <p:par>
-        <p:cTn id="1" dur="indefinite" restart="never" nodeType="tmRoot"/>
-      </p:par>
-    </p:tnLst>
-  </p:timing>
 </p:sld>
 </file>
 
-<file path=ppt/slides/slide18.xml><?xml version="1.0" encoding="utf-8"?>
+<file path=ppt/slides/slide17.xml><?xml version="1.0" encoding="utf-8"?>
 <p:sld xmlns:a="http://schemas.openxmlformats.org/drawingml/2006/main" xmlns:r="http://schemas.openxmlformats.org/officeDocument/2006/relationships" xmlns:p="http://schemas.openxmlformats.org/presentationml/2006/main">
   <p:cSld>
     <p:spTree>
@@ -36961,7 +35840,7 @@
       </p:grpSpPr>
       <p:sp>
         <p:nvSpPr>
-          <p:cNvPr id="4" name="Footer Placeholder 3"/>
+          <p:cNvPr id="2" name="Footer Placeholder 1"/>
           <p:cNvSpPr>
             <a:spLocks noGrp="1"/>
           </p:cNvSpPr>
@@ -36974,107 +35853,7 @@
           <a:bodyPr/>
           <a:lstStyle/>
           <a:p>
-            <a:r>
-              <a:rPr lang="en-GB"/>
-              <a:t>Document classification: Green</a:t>
-            </a:r>
-          </a:p>
-        </p:txBody>
-      </p:sp>
-      <p:sp>
-        <p:nvSpPr>
-          <p:cNvPr id="7" name="TextBox 6"/>
-          <p:cNvSpPr txBox="1"/>
-          <p:nvPr/>
-        </p:nvSpPr>
-        <p:spPr>
-          <a:xfrm>
-            <a:off x="1853875" y="4648497"/>
-            <a:ext cx="5257800" cy="861774"/>
-          </a:xfrm>
-          <a:prstGeom prst="rect">
-            <a:avLst/>
-          </a:prstGeom>
-          <a:noFill/>
-        </p:spPr>
-        <p:txBody>
-          <a:bodyPr wrap="square" rtlCol="0">
-            <a:spAutoFit/>
-          </a:bodyPr>
-          <a:lstStyle/>
-          <a:p>
-            <a:r>
-              <a:rPr lang="en-GB" sz="3200" b="1" dirty="0"/>
-              <a:t>Vincent King</a:t>
-            </a:r>
-          </a:p>
-          <a:p>
-            <a:r>
-              <a:rPr lang="en-GB" dirty="0"/>
-              <a:t>Head of </a:t>
-            </a:r>
-            <a:r>
-              <a:rPr lang="en-GB" dirty="0" err="1"/>
-              <a:t>DevSecOps</a:t>
-            </a:r>
-            <a:r>
-              <a:rPr lang="en-GB" dirty="0"/>
-              <a:t> for Cloud Transformation</a:t>
-            </a:r>
-          </a:p>
-        </p:txBody>
-      </p:sp>
-      <p:sp>
-        <p:nvSpPr>
-          <p:cNvPr id="8" name="TextBox 7"/>
-          <p:cNvSpPr txBox="1"/>
-          <p:nvPr/>
-        </p:nvSpPr>
-        <p:spPr>
-          <a:xfrm>
-            <a:off x="3385582" y="3070306"/>
-            <a:ext cx="5316007" cy="1446550"/>
-          </a:xfrm>
-          <a:prstGeom prst="rect">
-            <a:avLst/>
-          </a:prstGeom>
-          <a:noFill/>
-        </p:spPr>
-        <p:txBody>
-          <a:bodyPr wrap="none" rtlCol="0">
-            <a:spAutoFit/>
-          </a:bodyPr>
-          <a:lstStyle/>
-          <a:p>
-            <a:r>
-              <a:rPr lang="en-GB" sz="8800" dirty="0"/>
-              <a:t>Questions?</a:t>
-            </a:r>
-          </a:p>
-        </p:txBody>
-      </p:sp>
-      <p:sp>
-        <p:nvSpPr>
-          <p:cNvPr id="19" name="Rectangle 18"/>
-          <p:cNvSpPr/>
-          <p:nvPr/>
-        </p:nvSpPr>
-        <p:spPr>
-          <a:xfrm>
-            <a:off x="1853875" y="5641913"/>
-            <a:ext cx="3260060" cy="461665"/>
-          </a:xfrm>
-          <a:prstGeom prst="rect">
-            <a:avLst/>
-          </a:prstGeom>
-        </p:spPr>
-        <p:txBody>
-          <a:bodyPr wrap="none">
-            <a:spAutoFit/>
-          </a:bodyPr>
-          <a:lstStyle/>
-          <a:p>
-            <a:pPr marL="0" marR="0" lvl="0" indent="0" algn="l" defTabSz="914400" rtl="0" eaLnBrk="1" fontAlgn="auto" latinLnBrk="0" hangingPunct="1">
+            <a:pPr marL="0" marR="0" lvl="0" indent="0" algn="ctr" defTabSz="914400" rtl="0" eaLnBrk="1" fontAlgn="auto" latinLnBrk="0" hangingPunct="1">
               <a:lnSpc>
                 <a:spcPct val="100000"/>
               </a:lnSpc>
@@ -37092,7 +35871,483 @@
               <a:defRPr/>
             </a:pPr>
             <a:r>
-              <a:rPr kumimoji="0" lang="en-GB" sz="2400" b="0" i="0" u="none" strike="noStrike" kern="1200" cap="none" spc="0" normalizeH="0" baseline="0" noProof="0" dirty="0" smtClean="0">
+              <a:rPr kumimoji="0" lang="en-GB" sz="1200" b="0" i="0" u="none" strike="noStrike" kern="1200" cap="none" spc="0" normalizeH="0" baseline="0" noProof="0">
+                <a:ln>
+                  <a:noFill/>
+                </a:ln>
+                <a:solidFill>
+                  <a:srgbClr val="000000">
+                    <a:tint val="75000"/>
+                  </a:srgbClr>
+                </a:solidFill>
+                <a:effectLst/>
+                <a:uLnTx/>
+                <a:uFillTx/>
+                <a:latin typeface="Arial" panose="020B0604020202020204" pitchFamily="34" charset="0"/>
+                <a:ea typeface="+mn-ea"/>
+                <a:cs typeface="Arial" panose="020B0604020202020204" pitchFamily="34" charset="0"/>
+              </a:rPr>
+              <a:t>Document classification: GREEN</a:t>
+            </a:r>
+            <a:endParaRPr kumimoji="0" lang="en-GB" sz="1200" b="0" i="0" u="none" strike="noStrike" kern="1200" cap="none" spc="0" normalizeH="0" baseline="0" noProof="0" dirty="0">
+              <a:ln>
+                <a:noFill/>
+              </a:ln>
+              <a:solidFill>
+                <a:srgbClr val="000000">
+                  <a:tint val="75000"/>
+                </a:srgbClr>
+              </a:solidFill>
+              <a:effectLst/>
+              <a:uLnTx/>
+              <a:uFillTx/>
+              <a:latin typeface="Arial" panose="020B0604020202020204" pitchFamily="34" charset="0"/>
+              <a:ea typeface="+mn-ea"/>
+              <a:cs typeface="Arial" panose="020B0604020202020204" pitchFamily="34" charset="0"/>
+            </a:endParaRPr>
+          </a:p>
+        </p:txBody>
+      </p:sp>
+      <p:sp>
+        <p:nvSpPr>
+          <p:cNvPr id="4" name="Title 3"/>
+          <p:cNvSpPr>
+            <a:spLocks noGrp="1"/>
+          </p:cNvSpPr>
+          <p:nvPr>
+            <p:ph type="title"/>
+          </p:nvPr>
+        </p:nvSpPr>
+        <p:spPr/>
+        <p:txBody>
+          <a:bodyPr/>
+          <a:lstStyle/>
+          <a:p>
+            <a:r>
+              <a:rPr lang="en-GB" dirty="0"/>
+              <a:t>Title</a:t>
+            </a:r>
+          </a:p>
+        </p:txBody>
+      </p:sp>
+      <p:grpSp>
+        <p:nvGrpSpPr>
+          <p:cNvPr id="6" name="Group 5"/>
+          <p:cNvGrpSpPr/>
+          <p:nvPr/>
+        </p:nvGrpSpPr>
+        <p:grpSpPr>
+          <a:xfrm>
+            <a:off x="5075158" y="1453198"/>
+            <a:ext cx="1401969" cy="3172241"/>
+            <a:chOff x="5075158" y="1453198"/>
+            <a:chExt cx="1711618" cy="3872885"/>
+          </a:xfrm>
+        </p:grpSpPr>
+        <p:sp>
+          <p:nvSpPr>
+            <p:cNvPr id="7" name="Rectangle 6"/>
+            <p:cNvSpPr/>
+            <p:nvPr/>
+          </p:nvSpPr>
+          <p:spPr>
+            <a:xfrm>
+              <a:off x="5880734" y="3148296"/>
+              <a:ext cx="110367" cy="2177787"/>
+            </a:xfrm>
+            <a:prstGeom prst="rect">
+              <a:avLst/>
+            </a:prstGeom>
+          </p:spPr>
+          <p:style>
+            <a:lnRef idx="2">
+              <a:schemeClr val="accent1">
+                <a:shade val="50000"/>
+              </a:schemeClr>
+            </a:lnRef>
+            <a:fillRef idx="1">
+              <a:schemeClr val="accent1"/>
+            </a:fillRef>
+            <a:effectRef idx="0">
+              <a:schemeClr val="accent1"/>
+            </a:effectRef>
+            <a:fontRef idx="minor">
+              <a:schemeClr val="lt1"/>
+            </a:fontRef>
+          </p:style>
+          <p:txBody>
+            <a:bodyPr rtlCol="0" anchor="ctr"/>
+            <a:lstStyle/>
+            <a:p>
+              <a:pPr marL="0" marR="0" lvl="0" indent="0" algn="ctr" defTabSz="914400" rtl="0" eaLnBrk="1" fontAlgn="auto" latinLnBrk="0" hangingPunct="1">
+                <a:lnSpc>
+                  <a:spcPct val="100000"/>
+                </a:lnSpc>
+                <a:spcBef>
+                  <a:spcPts val="0"/>
+                </a:spcBef>
+                <a:spcAft>
+                  <a:spcPts val="0"/>
+                </a:spcAft>
+                <a:buClrTx/>
+                <a:buSzTx/>
+                <a:buFontTx/>
+                <a:buNone/>
+                <a:tabLst/>
+                <a:defRPr/>
+              </a:pPr>
+              <a:endParaRPr kumimoji="0" lang="en-GB" sz="1800" b="0" i="0" u="none" strike="noStrike" kern="1200" cap="none" spc="0" normalizeH="0" baseline="0" noProof="0">
+                <a:ln>
+                  <a:noFill/>
+                </a:ln>
+                <a:solidFill>
+                  <a:srgbClr val="FFFFFF"/>
+                </a:solidFill>
+                <a:effectLst/>
+                <a:uLnTx/>
+                <a:uFillTx/>
+                <a:latin typeface="Calibri" panose="020F0502020204030204"/>
+                <a:ea typeface="+mn-ea"/>
+                <a:cs typeface="+mn-cs"/>
+              </a:endParaRPr>
+            </a:p>
+          </p:txBody>
+        </p:sp>
+        <p:grpSp>
+          <p:nvGrpSpPr>
+            <p:cNvPr id="8" name="Group 7"/>
+            <p:cNvGrpSpPr/>
+            <p:nvPr/>
+          </p:nvGrpSpPr>
+          <p:grpSpPr>
+            <a:xfrm>
+              <a:off x="5075158" y="1453198"/>
+              <a:ext cx="1711618" cy="2494548"/>
+              <a:chOff x="2276346" y="1214618"/>
+              <a:chExt cx="2926488" cy="4265125"/>
+            </a:xfrm>
+          </p:grpSpPr>
+          <p:pic>
+            <p:nvPicPr>
+              <p:cNvPr id="9" name="Picture 8" descr="File:You shall not pass sign.svg"/>
+              <p:cNvPicPr>
+                <a:picLocks noChangeAspect="1" noChangeArrowheads="1"/>
+              </p:cNvPicPr>
+              <p:nvPr/>
+            </p:nvPicPr>
+            <p:blipFill>
+              <a:blip r:embed="rId3" cstate="print">
+                <a:extLst>
+                  <a:ext uri="{28A0092B-C50C-407E-A947-70E740481C1C}">
+                    <a14:useLocalDpi xmlns:a14="http://schemas.microsoft.com/office/drawing/2010/main" val="0"/>
+                  </a:ext>
+                </a:extLst>
+              </a:blip>
+              <a:srcRect/>
+              <a:stretch>
+                <a:fillRect/>
+              </a:stretch>
+            </p:blipFill>
+            <p:spPr bwMode="auto">
+              <a:xfrm>
+                <a:off x="2276346" y="1214618"/>
+                <a:ext cx="2926488" cy="4265125"/>
+              </a:xfrm>
+              <a:prstGeom prst="rect">
+                <a:avLst/>
+              </a:prstGeom>
+              <a:noFill/>
+              <a:extLst>
+                <a:ext uri="{909E8E84-426E-40DD-AFC4-6F175D3DCCD1}">
+                  <a14:hiddenFill xmlns:a14="http://schemas.microsoft.com/office/drawing/2010/main">
+                    <a:solidFill>
+                      <a:srgbClr val="FFFFFF"/>
+                    </a:solidFill>
+                  </a14:hiddenFill>
+                </a:ext>
+              </a:extLst>
+            </p:spPr>
+          </p:pic>
+          <p:sp>
+            <p:nvSpPr>
+              <p:cNvPr id="10" name="TextBox 9"/>
+              <p:cNvSpPr txBox="1"/>
+              <p:nvPr/>
+            </p:nvSpPr>
+            <p:spPr>
+              <a:xfrm rot="20077301">
+                <a:off x="2477970" y="4288270"/>
+                <a:ext cx="948859" cy="578852"/>
+              </a:xfrm>
+              <a:prstGeom prst="rect">
+                <a:avLst/>
+              </a:prstGeom>
+              <a:solidFill>
+                <a:schemeClr val="accent2">
+                  <a:lumMod val="75000"/>
+                </a:schemeClr>
+              </a:solidFill>
+              <a:ln>
+                <a:solidFill>
+                  <a:schemeClr val="bg1"/>
+                </a:solidFill>
+              </a:ln>
+            </p:spPr>
+            <p:txBody>
+              <a:bodyPr wrap="none" rtlCol="0">
+                <a:spAutoFit/>
+              </a:bodyPr>
+              <a:lstStyle/>
+              <a:p>
+                <a:pPr marL="0" marR="0" lvl="0" indent="0" algn="ctr" defTabSz="914400" rtl="0" eaLnBrk="1" fontAlgn="auto" latinLnBrk="0" hangingPunct="1">
+                  <a:lnSpc>
+                    <a:spcPct val="100000"/>
+                  </a:lnSpc>
+                  <a:spcBef>
+                    <a:spcPts val="0"/>
+                  </a:spcBef>
+                  <a:spcAft>
+                    <a:spcPts val="0"/>
+                  </a:spcAft>
+                  <a:buClrTx/>
+                  <a:buSzTx/>
+                  <a:buFontTx/>
+                  <a:buNone/>
+                  <a:tabLst/>
+                  <a:defRPr/>
+                </a:pPr>
+                <a:r>
+                  <a:rPr kumimoji="0" lang="en-GB" sz="1600" b="0" i="0" u="none" strike="noStrike" kern="1200" cap="none" spc="0" normalizeH="0" baseline="0" noProof="0" dirty="0">
+                    <a:ln>
+                      <a:noFill/>
+                    </a:ln>
+                    <a:solidFill>
+                      <a:srgbClr val="FFFFFF"/>
+                    </a:solidFill>
+                    <a:effectLst/>
+                    <a:uLnTx/>
+                    <a:uFillTx/>
+                    <a:latin typeface="Lucida Console" panose="020B0609040504020204" pitchFamily="49" charset="0"/>
+                    <a:ea typeface="+mn-ea"/>
+                    <a:cs typeface="+mn-cs"/>
+                  </a:rPr>
+                  <a:t>Dev</a:t>
+                </a:r>
+                <a:endParaRPr kumimoji="0" lang="en-GB" sz="4800" b="0" i="0" u="none" strike="noStrike" kern="1200" cap="none" spc="0" normalizeH="0" baseline="0" noProof="0" dirty="0">
+                  <a:ln>
+                    <a:noFill/>
+                  </a:ln>
+                  <a:solidFill>
+                    <a:srgbClr val="FFFFFF"/>
+                  </a:solidFill>
+                  <a:effectLst/>
+                  <a:uLnTx/>
+                  <a:uFillTx/>
+                  <a:latin typeface="Lucida Console" panose="020B0609040504020204" pitchFamily="49" charset="0"/>
+                  <a:ea typeface="+mn-ea"/>
+                  <a:cs typeface="+mn-cs"/>
+                </a:endParaRPr>
+              </a:p>
+            </p:txBody>
+          </p:sp>
+        </p:grpSp>
+      </p:grpSp>
+      <p:pic>
+        <p:nvPicPr>
+          <p:cNvPr id="11" name="Picture 4" descr="https://cdn-assets-cloud.frontify.com/s3/frontify-cloud-files-us/eyJwYXRoIjoiZnJvbnRpZnlcL2FjY291bnRzXC84MVwvMTQwMDg3XC9wcm9qZWN0c1wvMjcwOTIzXC9hc3NldHNcLzMyXC80ODUwNzY4XC9jMzIzNjU5NjFlNDM0OGU2MGZhZTlkZWE5NmQzOTE5Ny0xNjAzOTcxNzgxLnBuZyJ9:frontify:AK8MnPf0byW7hQMsVWbxHC5-Wl5OhXqOOocallbPm7w?width=2400"/>
+          <p:cNvPicPr>
+            <a:picLocks noChangeAspect="1" noChangeArrowheads="1"/>
+          </p:cNvPicPr>
+          <p:nvPr/>
+        </p:nvPicPr>
+        <p:blipFill>
+          <a:blip r:embed="rId4">
+            <a:extLst>
+              <a:ext uri="{28A0092B-C50C-407E-A947-70E740481C1C}">
+                <a14:useLocalDpi xmlns:a14="http://schemas.microsoft.com/office/drawing/2010/main" val="0"/>
+              </a:ext>
+            </a:extLst>
+          </a:blip>
+          <a:srcRect/>
+          <a:stretch>
+            <a:fillRect/>
+          </a:stretch>
+        </p:blipFill>
+        <p:spPr bwMode="auto">
+          <a:xfrm>
+            <a:off x="7512339" y="1699161"/>
+            <a:ext cx="3021281" cy="3021281"/>
+          </a:xfrm>
+          <a:prstGeom prst="rect">
+            <a:avLst/>
+          </a:prstGeom>
+          <a:noFill/>
+          <a:extLst>
+            <a:ext uri="{909E8E84-426E-40DD-AFC4-6F175D3DCCD1}">
+              <a14:hiddenFill xmlns:a14="http://schemas.microsoft.com/office/drawing/2010/main">
+                <a:solidFill>
+                  <a:srgbClr val="FFFFFF"/>
+                </a:solidFill>
+              </a14:hiddenFill>
+            </a:ext>
+          </a:extLst>
+        </p:spPr>
+      </p:pic>
+      <p:pic>
+        <p:nvPicPr>
+          <p:cNvPr id="12" name="Picture 6" descr="https://cdn-assets-cloud.frontify.com/s3/frontify-cloud-files-us/eyJwYXRoIjoiZnJvbnRpZnlcL2FjY291bnRzXC84MVwvMTQwMDg3XC9wcm9qZWN0c1wvMjcwOTIzXC9hc3NldHNcL2RhXC80ODUwNzY0XC9iZjU2YmFmODViMDJiMDEwOTBiM2FhMzY3M2JjZmU0NS0xNjAzOTcxNzc5LnBuZyJ9:frontify:vPx79-5-G5_QcJz6wAkKyrz6M0ElPcPyHi746lWx8Ac?width=2400"/>
+          <p:cNvPicPr>
+            <a:picLocks noChangeAspect="1" noChangeArrowheads="1"/>
+          </p:cNvPicPr>
+          <p:nvPr/>
+        </p:nvPicPr>
+        <p:blipFill>
+          <a:blip r:embed="rId5">
+            <a:extLst>
+              <a:ext uri="{28A0092B-C50C-407E-A947-70E740481C1C}">
+                <a14:useLocalDpi xmlns:a14="http://schemas.microsoft.com/office/drawing/2010/main" val="0"/>
+              </a:ext>
+            </a:extLst>
+          </a:blip>
+          <a:srcRect/>
+          <a:stretch>
+            <a:fillRect/>
+          </a:stretch>
+        </p:blipFill>
+        <p:spPr bwMode="auto">
+          <a:xfrm>
+            <a:off x="924669" y="1699161"/>
+            <a:ext cx="2838202" cy="2838202"/>
+          </a:xfrm>
+          <a:prstGeom prst="rect">
+            <a:avLst/>
+          </a:prstGeom>
+          <a:noFill/>
+          <a:extLst>
+            <a:ext uri="{909E8E84-426E-40DD-AFC4-6F175D3DCCD1}">
+              <a14:hiddenFill xmlns:a14="http://schemas.microsoft.com/office/drawing/2010/main">
+                <a:solidFill>
+                  <a:srgbClr val="FFFFFF"/>
+                </a:solidFill>
+              </a14:hiddenFill>
+            </a:ext>
+          </a:extLst>
+        </p:spPr>
+      </p:pic>
+      <p:sp>
+        <p:nvSpPr>
+          <p:cNvPr id="13" name="TextBox 12"/>
+          <p:cNvSpPr txBox="1"/>
+          <p:nvPr/>
+        </p:nvSpPr>
+        <p:spPr>
+          <a:xfrm>
+            <a:off x="1749478" y="4784257"/>
+            <a:ext cx="1295547" cy="830997"/>
+          </a:xfrm>
+          <a:prstGeom prst="rect">
+            <a:avLst/>
+          </a:prstGeom>
+          <a:solidFill>
+            <a:srgbClr val="00B050"/>
+          </a:solidFill>
+          <a:ln>
+            <a:solidFill>
+              <a:schemeClr val="bg1"/>
+            </a:solidFill>
+          </a:ln>
+        </p:spPr>
+        <p:txBody>
+          <a:bodyPr wrap="none" rtlCol="0">
+            <a:spAutoFit/>
+          </a:bodyPr>
+          <a:lstStyle/>
+          <a:p>
+            <a:pPr marL="0" marR="0" lvl="0" indent="0" algn="ctr" defTabSz="914400" rtl="0" eaLnBrk="1" fontAlgn="auto" latinLnBrk="0" hangingPunct="1">
+              <a:lnSpc>
+                <a:spcPct val="100000"/>
+              </a:lnSpc>
+              <a:spcBef>
+                <a:spcPts val="0"/>
+              </a:spcBef>
+              <a:spcAft>
+                <a:spcPts val="0"/>
+              </a:spcAft>
+              <a:buClrTx/>
+              <a:buSzTx/>
+              <a:buFontTx/>
+              <a:buNone/>
+              <a:tabLst/>
+              <a:defRPr/>
+            </a:pPr>
+            <a:r>
+              <a:rPr kumimoji="0" lang="en-GB" sz="4800" b="0" i="0" u="none" strike="noStrike" kern="1200" cap="none" spc="0" normalizeH="0" baseline="0" noProof="0" dirty="0">
+                <a:ln>
+                  <a:noFill/>
+                </a:ln>
+                <a:solidFill>
+                  <a:srgbClr val="FFFFFF"/>
+                </a:solidFill>
+                <a:effectLst/>
+                <a:uLnTx/>
+                <a:uFillTx/>
+                <a:latin typeface="Arial" panose="020B0604020202020204" pitchFamily="34" charset="0"/>
+                <a:ea typeface="+mn-ea"/>
+                <a:cs typeface="Arial" panose="020B0604020202020204" pitchFamily="34" charset="0"/>
+              </a:rPr>
+              <a:t>Dev</a:t>
+            </a:r>
+          </a:p>
+        </p:txBody>
+      </p:sp>
+      <p:sp>
+        <p:nvSpPr>
+          <p:cNvPr id="14" name="TextBox 13"/>
+          <p:cNvSpPr txBox="1"/>
+          <p:nvPr/>
+        </p:nvSpPr>
+        <p:spPr>
+          <a:xfrm>
+            <a:off x="5152502" y="4784258"/>
+            <a:ext cx="1245854" cy="830997"/>
+          </a:xfrm>
+          <a:prstGeom prst="rect">
+            <a:avLst/>
+          </a:prstGeom>
+          <a:solidFill>
+            <a:srgbClr val="0070C0"/>
+          </a:solidFill>
+          <a:ln>
+            <a:solidFill>
+              <a:schemeClr val="bg1"/>
+            </a:solidFill>
+          </a:ln>
+        </p:spPr>
+        <p:txBody>
+          <a:bodyPr wrap="none" rtlCol="0">
+            <a:spAutoFit/>
+          </a:bodyPr>
+          <a:lstStyle/>
+          <a:p>
+            <a:pPr marL="0" marR="0" lvl="0" indent="0" algn="ctr" defTabSz="914400" rtl="0" eaLnBrk="1" fontAlgn="auto" latinLnBrk="0" hangingPunct="1">
+              <a:lnSpc>
+                <a:spcPct val="100000"/>
+              </a:lnSpc>
+              <a:spcBef>
+                <a:spcPts val="0"/>
+              </a:spcBef>
+              <a:spcAft>
+                <a:spcPts val="0"/>
+              </a:spcAft>
+              <a:buClrTx/>
+              <a:buSzTx/>
+              <a:buFontTx/>
+              <a:buNone/>
+              <a:tabLst/>
+              <a:defRPr/>
+            </a:pPr>
+            <a:r>
+              <a:rPr kumimoji="0" lang="en-GB" sz="4800" b="0" i="0" u="none" strike="noStrike" kern="1200" cap="none" spc="0" normalizeH="0" baseline="0" noProof="0" dirty="0">
                 <a:ln>
                   <a:noFill/>
                 </a:ln>
@@ -37106,96 +36361,87 @@
                 <a:ea typeface="+mn-ea"/>
                 <a:cs typeface="Arial" panose="020B0604020202020204" pitchFamily="34" charset="0"/>
               </a:rPr>
-              <a:t>DevSecOpsVince.com</a:t>
-            </a:r>
-            <a:endParaRPr kumimoji="0" lang="en-GB" sz="1400" b="0" i="0" u="none" strike="noStrike" kern="1200" cap="none" spc="0" normalizeH="0" baseline="0" noProof="0" dirty="0">
-              <a:ln>
-                <a:noFill/>
-              </a:ln>
-              <a:solidFill>
-                <a:srgbClr val="000000"/>
-              </a:solidFill>
-              <a:effectLst/>
-              <a:uLnTx/>
-              <a:uFillTx/>
-              <a:latin typeface="Arial" panose="020B0604020202020204" pitchFamily="34" charset="0"/>
-              <a:ea typeface="+mn-ea"/>
-              <a:cs typeface="Arial" panose="020B0604020202020204" pitchFamily="34" charset="0"/>
-            </a:endParaRPr>
-          </a:p>
-        </p:txBody>
-      </p:sp>
-      <p:pic>
-        <p:nvPicPr>
-          <p:cNvPr id="22" name="Picture 21"/>
-          <p:cNvPicPr>
-            <a:picLocks noChangeAspect="1"/>
-          </p:cNvPicPr>
+              <a:t>Sec</a:t>
+            </a:r>
+          </a:p>
+        </p:txBody>
+      </p:sp>
+      <p:sp>
+        <p:nvSpPr>
+          <p:cNvPr id="15" name="TextBox 14"/>
+          <p:cNvSpPr txBox="1"/>
           <p:nvPr/>
-        </p:nvPicPr>
-        <p:blipFill>
-          <a:blip r:embed="rId2" cstate="print">
-            <a:extLst>
-              <a:ext uri="{28A0092B-C50C-407E-A947-70E740481C1C}">
-                <a14:useLocalDpi xmlns:a14="http://schemas.microsoft.com/office/drawing/2010/main" val="0"/>
-              </a:ext>
-            </a:extLst>
-          </a:blip>
-          <a:stretch>
-            <a:fillRect/>
-          </a:stretch>
-        </p:blipFill>
-        <p:spPr>
-          <a:xfrm>
-            <a:off x="7861760" y="4721578"/>
-            <a:ext cx="3558225" cy="1757148"/>
+        </p:nvSpPr>
+        <p:spPr>
+          <a:xfrm>
+            <a:off x="8496216" y="4784257"/>
+            <a:ext cx="1314784" cy="830997"/>
           </a:xfrm>
           <a:prstGeom prst="rect">
             <a:avLst/>
           </a:prstGeom>
-        </p:spPr>
-      </p:pic>
-      <p:pic>
-        <p:nvPicPr>
-          <p:cNvPr id="3" name="Picture 2"/>
-          <p:cNvPicPr>
-            <a:picLocks noChangeAspect="1"/>
-          </p:cNvPicPr>
-          <p:nvPr/>
-        </p:nvPicPr>
-        <p:blipFill>
-          <a:blip r:embed="rId3"/>
-          <a:stretch>
-            <a:fillRect/>
-          </a:stretch>
-        </p:blipFill>
-        <p:spPr>
-          <a:xfrm>
-            <a:off x="427669" y="4721578"/>
-            <a:ext cx="1369233" cy="1382000"/>
-          </a:xfrm>
-          <a:prstGeom prst="rect">
-            <a:avLst/>
-          </a:prstGeom>
-        </p:spPr>
-      </p:pic>
+          <a:solidFill>
+            <a:srgbClr val="00B050"/>
+          </a:solidFill>
+          <a:ln>
+            <a:solidFill>
+              <a:schemeClr val="bg1"/>
+            </a:solidFill>
+          </a:ln>
+        </p:spPr>
+        <p:txBody>
+          <a:bodyPr wrap="none" rtlCol="0">
+            <a:spAutoFit/>
+          </a:bodyPr>
+          <a:lstStyle/>
+          <a:p>
+            <a:pPr marL="0" marR="0" lvl="0" indent="0" algn="ctr" defTabSz="914400" rtl="0" eaLnBrk="1" fontAlgn="auto" latinLnBrk="0" hangingPunct="1">
+              <a:lnSpc>
+                <a:spcPct val="100000"/>
+              </a:lnSpc>
+              <a:spcBef>
+                <a:spcPts val="0"/>
+              </a:spcBef>
+              <a:spcAft>
+                <a:spcPts val="0"/>
+              </a:spcAft>
+              <a:buClrTx/>
+              <a:buSzTx/>
+              <a:buFontTx/>
+              <a:buNone/>
+              <a:tabLst/>
+              <a:defRPr/>
+            </a:pPr>
+            <a:r>
+              <a:rPr kumimoji="0" lang="en-GB" sz="4800" b="0" i="0" u="none" strike="noStrike" kern="1200" cap="none" spc="0" normalizeH="0" baseline="0" noProof="0" dirty="0">
+                <a:ln>
+                  <a:noFill/>
+                </a:ln>
+                <a:solidFill>
+                  <a:srgbClr val="FFFFFF"/>
+                </a:solidFill>
+                <a:effectLst/>
+                <a:uLnTx/>
+                <a:uFillTx/>
+                <a:latin typeface="Arial" panose="020B0604020202020204" pitchFamily="34" charset="0"/>
+                <a:ea typeface="+mn-ea"/>
+                <a:cs typeface="Arial" panose="020B0604020202020204" pitchFamily="34" charset="0"/>
+              </a:rPr>
+              <a:t>Ops</a:t>
+            </a:r>
+          </a:p>
+        </p:txBody>
+      </p:sp>
     </p:spTree>
     <p:extLst>
       <p:ext uri="{BB962C8B-B14F-4D97-AF65-F5344CB8AC3E}">
-        <p14:creationId xmlns:p14="http://schemas.microsoft.com/office/powerpoint/2010/main" val="2819155554"/>
+        <p14:creationId xmlns:p14="http://schemas.microsoft.com/office/powerpoint/2010/main" val="562706707"/>
       </p:ext>
     </p:extLst>
   </p:cSld>
   <p:clrMapOvr>
     <a:masterClrMapping/>
   </p:clrMapOvr>
-  <p:timing>
-    <p:tnLst>
-      <p:par>
-        <p:cTn id="1" dur="indefinite" restart="never" nodeType="tmRoot"/>
-      </p:par>
-    </p:tnLst>
-  </p:timing>
 </p:sld>
 </file>
 
@@ -37954,13 +37200,6 @@
   <p:clrMapOvr>
     <a:masterClrMapping/>
   </p:clrMapOvr>
-  <p:timing>
-    <p:tnLst>
-      <p:par>
-        <p:cTn id="1" dur="indefinite" restart="never" nodeType="tmRoot"/>
-      </p:par>
-    </p:tnLst>
-  </p:timing>
 </p:sld>
 </file>
 
@@ -38434,13 +37673,6 @@
   <p:clrMapOvr>
     <a:masterClrMapping/>
   </p:clrMapOvr>
-  <p:timing>
-    <p:tnLst>
-      <p:par>
-        <p:cTn id="1" dur="indefinite" restart="never" nodeType="tmRoot"/>
-      </p:par>
-    </p:tnLst>
-  </p:timing>
 </p:sld>
 </file>
 
@@ -38909,14 +38141,6 @@
   <p:clrMapOvr>
     <a:masterClrMapping/>
   </p:clrMapOvr>
-  <mc:AlternateContent xmlns:mc="http://schemas.openxmlformats.org/markup-compatibility/2006">
-    <mc:Choice xmlns:p14="http://schemas.microsoft.com/office/powerpoint/2010/main" Requires="p14">
-      <p:transition p14:dur="0"/>
-    </mc:Choice>
-    <mc:Fallback>
-      <p:transition/>
-    </mc:Fallback>
-  </mc:AlternateContent>
   <p:timing>
     <p:tnLst>
       <p:par>
@@ -39058,7 +38282,7 @@
           <a:lstStyle/>
           <a:p>
             <a:r>
-              <a:rPr lang="en-GB" smtClean="0"/>
+              <a:rPr lang="en-GB"/>
               <a:t>Document classification: GREEN</a:t>
             </a:r>
             <a:endParaRPr lang="en-GB" dirty="0"/>
@@ -39081,10 +38305,9 @@
           <a:lstStyle/>
           <a:p>
             <a:r>
-              <a:rPr lang="en-GB" dirty="0" smtClean="0"/>
+              <a:rPr lang="en-GB" dirty="0"/>
               <a:t>Where should Sec live?</a:t>
             </a:r>
-            <a:endParaRPr lang="en-GB" dirty="0"/>
           </a:p>
         </p:txBody>
       </p:sp>
@@ -39376,13 +38599,6 @@
   <p:clrMapOvr>
     <a:masterClrMapping/>
   </p:clrMapOvr>
-  <p:timing>
-    <p:tnLst>
-      <p:par>
-        <p:cTn id="1" dur="indefinite" restart="never" nodeType="tmRoot"/>
-      </p:par>
-    </p:tnLst>
-  </p:timing>
 </p:sld>
 </file>
 
@@ -39490,235 +38706,11 @@
           <a:p>
             <a:r>
               <a:rPr lang="en-GB" dirty="0"/>
-              <a:t>The “Scary” </a:t>
-            </a:r>
-            <a:r>
-              <a:rPr lang="en-GB" dirty="0" smtClean="0"/>
-              <a:t>Slide No.1</a:t>
-            </a:r>
-            <a:endParaRPr lang="en-GB" dirty="0"/>
-          </a:p>
-        </p:txBody>
-      </p:sp>
-      <p:pic>
-        <p:nvPicPr>
-          <p:cNvPr id="3" name="Picture 2">
-            <a:extLst>
-              <a:ext uri="{FF2B5EF4-FFF2-40B4-BE49-F238E27FC236}">
-                <a16:creationId xmlns:a16="http://schemas.microsoft.com/office/drawing/2014/main" id="{9424FEFE-A104-78F7-92FE-6FB4A430E2AA}"/>
-              </a:ext>
-            </a:extLst>
-          </p:cNvPr>
-          <p:cNvPicPr>
-            <a:picLocks noChangeAspect="1"/>
-          </p:cNvPicPr>
-          <p:nvPr/>
-        </p:nvPicPr>
-        <p:blipFill>
-          <a:blip r:embed="rId3" cstate="print">
-            <a:extLst>
-              <a:ext uri="{28A0092B-C50C-407E-A947-70E740481C1C}">
-                <a14:useLocalDpi xmlns:a14="http://schemas.microsoft.com/office/drawing/2010/main" val="0"/>
-              </a:ext>
-            </a:extLst>
-          </a:blip>
-          <a:stretch>
-            <a:fillRect/>
-          </a:stretch>
-        </p:blipFill>
-        <p:spPr>
-          <a:xfrm>
-            <a:off x="446400" y="1370014"/>
-            <a:ext cx="1401968" cy="1401968"/>
-          </a:xfrm>
-          <a:prstGeom prst="rect">
-            <a:avLst/>
-          </a:prstGeom>
-        </p:spPr>
-      </p:pic>
-      <p:pic>
-        <p:nvPicPr>
-          <p:cNvPr id="16" name="Picture 8" descr="https://cdn-assets-cloud.frontify.com/local/frontify/h_lNxVXLqrDqb2kyrixW3lMmUl7n-aBRzJUzyvzD7_8rM4T8YBavHo52jxwf_gydvqlXwly7FDF4dfXM1nxq266zJ5t-IODrYAZ-QLB1Lkpbq-3bitgPRXaHnm-Carpb?width=2400">
-            <a:extLst>
-              <a:ext uri="{FF2B5EF4-FFF2-40B4-BE49-F238E27FC236}">
-                <a16:creationId xmlns:a16="http://schemas.microsoft.com/office/drawing/2014/main" id="{DA61E991-F7AE-9D1E-1D57-FECE172A7455}"/>
-              </a:ext>
-            </a:extLst>
-          </p:cNvPr>
-          <p:cNvPicPr>
-            <a:picLocks noChangeAspect="1" noChangeArrowheads="1"/>
-          </p:cNvPicPr>
-          <p:nvPr/>
-        </p:nvPicPr>
-        <p:blipFill>
-          <a:blip r:embed="rId4" cstate="print">
-            <a:extLst>
-              <a:ext uri="{28A0092B-C50C-407E-A947-70E740481C1C}">
-                <a14:useLocalDpi xmlns:a14="http://schemas.microsoft.com/office/drawing/2010/main" val="0"/>
-              </a:ext>
-            </a:extLst>
-          </a:blip>
-          <a:srcRect/>
-          <a:stretch>
-            <a:fillRect/>
-          </a:stretch>
-        </p:blipFill>
-        <p:spPr bwMode="auto">
-          <a:xfrm>
-            <a:off x="2639724" y="2251936"/>
-            <a:ext cx="1401968" cy="1401968"/>
-          </a:xfrm>
-          <a:prstGeom prst="rect">
-            <a:avLst/>
-          </a:prstGeom>
-          <a:noFill/>
-          <a:extLst>
-            <a:ext uri="{909E8E84-426E-40DD-AFC4-6F175D3DCCD1}">
-              <a14:hiddenFill xmlns:a14="http://schemas.microsoft.com/office/drawing/2010/main">
-                <a:solidFill>
-                  <a:srgbClr val="FFFFFF"/>
-                </a:solidFill>
-              </a14:hiddenFill>
-            </a:ext>
-          </a:extLst>
-        </p:spPr>
-      </p:pic>
-      <p:pic>
-        <p:nvPicPr>
-          <p:cNvPr id="17" name="Picture 2" descr="https://cdn-assets-cloud.frontify.com/local/frontify/h_lNxVXLqrDqb2kyrixW3lMmUl7n-aBRzJUzyvzD7_9BO9ltE3q1OOCfZo6Sa2lu4hurhgheSFrsN6Uqg9sObFbfnRcsb-x4wlnvnOlya05xcmlG9hid3qk4bfYHz6Uc?width=2400">
-            <a:extLst>
-              <a:ext uri="{FF2B5EF4-FFF2-40B4-BE49-F238E27FC236}">
-                <a16:creationId xmlns:a16="http://schemas.microsoft.com/office/drawing/2014/main" id="{36F5F150-5AF8-2B38-D1A6-59FD766ED06B}"/>
-              </a:ext>
-            </a:extLst>
-          </p:cNvPr>
-          <p:cNvPicPr>
-            <a:picLocks noChangeAspect="1" noChangeArrowheads="1"/>
-          </p:cNvPicPr>
-          <p:nvPr/>
-        </p:nvPicPr>
-        <p:blipFill>
-          <a:blip r:embed="rId5" cstate="print">
-            <a:extLst>
-              <a:ext uri="{28A0092B-C50C-407E-A947-70E740481C1C}">
-                <a14:useLocalDpi xmlns:a14="http://schemas.microsoft.com/office/drawing/2010/main" val="0"/>
-              </a:ext>
-            </a:extLst>
-          </a:blip>
-          <a:srcRect/>
-          <a:stretch>
-            <a:fillRect/>
-          </a:stretch>
-        </p:blipFill>
-        <p:spPr bwMode="auto">
-          <a:xfrm>
-            <a:off x="5673972" y="1650407"/>
-            <a:ext cx="1401968" cy="1401968"/>
-          </a:xfrm>
-          <a:prstGeom prst="rect">
-            <a:avLst/>
-          </a:prstGeom>
-          <a:noFill/>
-          <a:extLst>
-            <a:ext uri="{909E8E84-426E-40DD-AFC4-6F175D3DCCD1}">
-              <a14:hiddenFill xmlns:a14="http://schemas.microsoft.com/office/drawing/2010/main">
-                <a:solidFill>
-                  <a:srgbClr val="FFFFFF"/>
-                </a:solidFill>
-              </a14:hiddenFill>
-            </a:ext>
-          </a:extLst>
-        </p:spPr>
-      </p:pic>
-      <p:pic>
-        <p:nvPicPr>
-          <p:cNvPr id="18" name="Picture 6" descr="https://cdn-assets-cloud.frontify.com/local/frontify/h_lNxVXLqrDqb2kyrixW3lMmUl7n-aBRzJUzyvzD7_9Uhf5d0UJ_AbGaOOErGV1dpZfd_31MPu2MY7DreHz2YPhrtFEK32kTuVVdvw71U793k69iIq1Y3qrI7mgkSCFL?width=2400">
-            <a:extLst>
-              <a:ext uri="{FF2B5EF4-FFF2-40B4-BE49-F238E27FC236}">
-                <a16:creationId xmlns:a16="http://schemas.microsoft.com/office/drawing/2014/main" id="{CB1F3EF9-86FC-E984-BC27-699E93CC3EE7}"/>
-              </a:ext>
-            </a:extLst>
-          </p:cNvPr>
-          <p:cNvPicPr>
-            <a:picLocks noChangeAspect="1" noChangeArrowheads="1"/>
-          </p:cNvPicPr>
-          <p:nvPr/>
-        </p:nvPicPr>
-        <p:blipFill>
-          <a:blip r:embed="rId6" cstate="print">
-            <a:extLst>
-              <a:ext uri="{28A0092B-C50C-407E-A947-70E740481C1C}">
-                <a14:useLocalDpi xmlns:a14="http://schemas.microsoft.com/office/drawing/2010/main" val="0"/>
-              </a:ext>
-            </a:extLst>
-          </a:blip>
-          <a:srcRect/>
-          <a:stretch>
-            <a:fillRect/>
-          </a:stretch>
-        </p:blipFill>
-        <p:spPr bwMode="auto">
-          <a:xfrm>
-            <a:off x="3217084" y="3919958"/>
-            <a:ext cx="1484125" cy="1484125"/>
-          </a:xfrm>
-          <a:prstGeom prst="rect">
-            <a:avLst/>
-          </a:prstGeom>
-          <a:noFill/>
-          <a:extLst>
-            <a:ext uri="{909E8E84-426E-40DD-AFC4-6F175D3DCCD1}">
-              <a14:hiddenFill xmlns:a14="http://schemas.microsoft.com/office/drawing/2010/main">
-                <a:solidFill>
-                  <a:srgbClr val="FFFFFF"/>
-                </a:solidFill>
-              </a14:hiddenFill>
-            </a:ext>
-          </a:extLst>
-        </p:spPr>
-      </p:pic>
-      <p:pic>
-        <p:nvPicPr>
-          <p:cNvPr id="19" name="Picture 18">
-            <a:extLst>
-              <a:ext uri="{FF2B5EF4-FFF2-40B4-BE49-F238E27FC236}">
-                <a16:creationId xmlns:a16="http://schemas.microsoft.com/office/drawing/2014/main" id="{9238B451-1FBE-22D7-D460-E60E51B6DCE7}"/>
-              </a:ext>
-            </a:extLst>
-          </p:cNvPr>
-          <p:cNvPicPr>
-            <a:picLocks noChangeAspect="1"/>
-          </p:cNvPicPr>
-          <p:nvPr/>
-        </p:nvPicPr>
-        <p:blipFill>
-          <a:blip r:embed="rId7" cstate="print">
-            <a:extLst>
-              <a:ext uri="{28A0092B-C50C-407E-A947-70E740481C1C}">
-                <a14:useLocalDpi xmlns:a14="http://schemas.microsoft.com/office/drawing/2010/main" val="0"/>
-              </a:ext>
-            </a:extLst>
-          </a:blip>
-          <a:stretch>
-            <a:fillRect/>
-          </a:stretch>
-        </p:blipFill>
-        <p:spPr>
-          <a:xfrm>
-            <a:off x="10242434" y="4286826"/>
-            <a:ext cx="1274067" cy="1271019"/>
-          </a:xfrm>
-          <a:prstGeom prst="rect">
-            <a:avLst/>
-          </a:prstGeom>
-          <a:scene3d>
-            <a:camera prst="orthographicFront">
-              <a:rot lat="0" lon="20699996" rev="0"/>
-            </a:camera>
-            <a:lightRig rig="threePt" dir="t"/>
-          </a:scene3d>
-        </p:spPr>
-      </p:pic>
+              <a:t>Scary Slide No.1</a:t>
+            </a:r>
+          </a:p>
+        </p:txBody>
+      </p:sp>
       <p:pic>
         <p:nvPicPr>
           <p:cNvPr id="2050" name="Picture 2" descr="Starbucks - Wikipedia">
@@ -39734,7 +38726,7 @@
           <p:nvPr/>
         </p:nvPicPr>
         <p:blipFill>
-          <a:blip r:embed="rId8">
+          <a:blip r:embed="rId3">
             <a:extLst>
               <a:ext uri="{28A0092B-C50C-407E-A947-70E740481C1C}">
                 <a14:useLocalDpi xmlns:a14="http://schemas.microsoft.com/office/drawing/2010/main" val="0"/>
@@ -39748,7 +38740,7 @@
         </p:blipFill>
         <p:spPr bwMode="auto">
           <a:xfrm>
-            <a:off x="8224423" y="994673"/>
+            <a:off x="5608121" y="1410304"/>
             <a:ext cx="2124075" cy="2152650"/>
           </a:xfrm>
           <a:prstGeom prst="rect">
@@ -39781,7 +38773,7 @@
           <p:nvPr/>
         </p:nvPicPr>
         <p:blipFill>
-          <a:blip r:embed="rId9">
+          <a:blip r:embed="rId4">
             <a:extLst>
               <a:ext uri="{28A0092B-C50C-407E-A947-70E740481C1C}">
                 <a14:useLocalDpi xmlns:a14="http://schemas.microsoft.com/office/drawing/2010/main" val="0"/>
@@ -39795,7 +38787,7 @@
         </p:blipFill>
         <p:spPr bwMode="auto">
           <a:xfrm>
-            <a:off x="3884096" y="3350423"/>
+            <a:off x="1011688" y="1500897"/>
             <a:ext cx="3571875" cy="1276350"/>
           </a:xfrm>
           <a:prstGeom prst="rect">
@@ -39828,7 +38820,7 @@
           <p:nvPr/>
         </p:nvPicPr>
         <p:blipFill>
-          <a:blip r:embed="rId10">
+          <a:blip r:embed="rId5">
             <a:extLst>
               <a:ext uri="{28A0092B-C50C-407E-A947-70E740481C1C}">
                 <a14:useLocalDpi xmlns:a14="http://schemas.microsoft.com/office/drawing/2010/main" val="0"/>
@@ -39842,7 +38834,7 @@
         </p:blipFill>
         <p:spPr bwMode="auto">
           <a:xfrm>
-            <a:off x="325149" y="2908131"/>
+            <a:off x="9081523" y="2486629"/>
             <a:ext cx="2314575" cy="1981200"/>
           </a:xfrm>
           <a:prstGeom prst="rect">
@@ -39875,7 +38867,7 @@
           <p:nvPr/>
         </p:nvPicPr>
         <p:blipFill>
-          <a:blip r:embed="rId11">
+          <a:blip r:embed="rId6">
             <a:extLst>
               <a:ext uri="{28A0092B-C50C-407E-A947-70E740481C1C}">
                 <a14:useLocalDpi xmlns:a14="http://schemas.microsoft.com/office/drawing/2010/main" val="0"/>
@@ -39889,7 +38881,7 @@
         </p:blipFill>
         <p:spPr bwMode="auto">
           <a:xfrm>
-            <a:off x="5608121" y="4807353"/>
+            <a:off x="1011688" y="3654414"/>
             <a:ext cx="3695700" cy="1238250"/>
           </a:xfrm>
           <a:prstGeom prst="rect">
@@ -39922,7 +38914,7 @@
           <p:nvPr/>
         </p:nvPicPr>
         <p:blipFill>
-          <a:blip r:embed="rId12">
+          <a:blip r:embed="rId7">
             <a:extLst>
               <a:ext uri="{28A0092B-C50C-407E-A947-70E740481C1C}">
                 <a14:useLocalDpi xmlns:a14="http://schemas.microsoft.com/office/drawing/2010/main" val="0"/>
@@ -39936,7 +38928,7 @@
         </p:blipFill>
         <p:spPr bwMode="auto">
           <a:xfrm>
-            <a:off x="1221395" y="5373608"/>
+            <a:off x="5033010" y="4938713"/>
             <a:ext cx="4238625" cy="1076325"/>
           </a:xfrm>
           <a:prstGeom prst="rect">
@@ -39964,13 +38956,6 @@
   <p:clrMapOvr>
     <a:masterClrMapping/>
   </p:clrMapOvr>
-  <p:timing>
-    <p:tnLst>
-      <p:par>
-        <p:cTn id="1" dur="indefinite" restart="never" nodeType="tmRoot"/>
-      </p:par>
-    </p:tnLst>
-  </p:timing>
 </p:sld>
 </file>
 
@@ -40007,7 +38992,7 @@
           <a:lstStyle/>
           <a:p>
             <a:r>
-              <a:rPr lang="en-GB" smtClean="0"/>
+              <a:rPr lang="en-GB"/>
               <a:t>Document classification: GREEN</a:t>
             </a:r>
             <a:endParaRPr lang="en-GB" dirty="0"/>
@@ -40398,21 +39383,12 @@
                 </a:solidFill>
                 <a:latin typeface="Lucida Console" panose="020B0609040504020204" pitchFamily="49" charset="0"/>
               </a:rPr>
-              <a:t>Secure code </a:t>
-            </a:r>
-            <a:r>
-              <a:rPr lang="en-GB" dirty="0" smtClean="0">
-                <a:solidFill>
-                  <a:schemeClr val="bg1"/>
-                </a:solidFill>
-                <a:latin typeface="Lucida Console" panose="020B0609040504020204" pitchFamily="49" charset="0"/>
-              </a:rPr>
-              <a:t>reuse</a:t>
-            </a:r>
-          </a:p>
-          <a:p>
-            <a:r>
-              <a:rPr lang="en-GB" dirty="0" smtClean="0">
+              <a:t>Secure code reuse</a:t>
+            </a:r>
+          </a:p>
+          <a:p>
+            <a:r>
+              <a:rPr lang="en-GB" dirty="0">
                 <a:solidFill>
                   <a:schemeClr val="bg1"/>
                 </a:solidFill>
@@ -40420,12 +39396,6 @@
               </a:rPr>
               <a:t>Strict policies</a:t>
             </a:r>
-            <a:endParaRPr lang="en-GB" dirty="0">
-              <a:solidFill>
-                <a:schemeClr val="bg1"/>
-              </a:solidFill>
-              <a:latin typeface="Lucida Console" panose="020B0609040504020204" pitchFamily="49" charset="0"/>
-            </a:endParaRPr>
           </a:p>
         </p:txBody>
       </p:sp>
@@ -40704,13 +39674,6 @@
   <p:clrMapOvr>
     <a:masterClrMapping/>
   </p:clrMapOvr>
-  <p:timing>
-    <p:tnLst>
-      <p:par>
-        <p:cTn id="1" dur="indefinite" restart="never" nodeType="tmRoot"/>
-      </p:par>
-    </p:tnLst>
-  </p:timing>
 </p:sld>
 </file>
 
@@ -40733,12 +39696,12 @@
       </p:grpSpPr>
       <p:sp>
         <p:nvSpPr>
-          <p:cNvPr id="2" name="Footer Placeholder 1"/>
+          <p:cNvPr id="4" name="Title 3"/>
           <p:cNvSpPr>
             <a:spLocks noGrp="1"/>
           </p:cNvSpPr>
           <p:nvPr>
-            <p:ph type="ftr" sz="quarter" idx="11"/>
+            <p:ph type="title"/>
           </p:nvPr>
         </p:nvSpPr>
         <p:spPr/>
@@ -40746,94 +39709,19 @@
           <a:bodyPr/>
           <a:lstStyle/>
           <a:p>
-            <a:pPr marL="0" marR="0" lvl="0" indent="0" algn="ctr" defTabSz="914400" rtl="0" eaLnBrk="1" fontAlgn="auto" latinLnBrk="0" hangingPunct="1">
-              <a:lnSpc>
-                <a:spcPct val="100000"/>
-              </a:lnSpc>
-              <a:spcBef>
-                <a:spcPts val="0"/>
-              </a:spcBef>
-              <a:spcAft>
-                <a:spcPts val="0"/>
-              </a:spcAft>
-              <a:buClrTx/>
-              <a:buSzTx/>
-              <a:buFontTx/>
-              <a:buNone/>
-              <a:tabLst/>
-              <a:defRPr/>
-            </a:pPr>
-            <a:r>
-              <a:rPr kumimoji="0" lang="en-GB" sz="1200" b="0" i="0" u="none" strike="noStrike" kern="1200" cap="none" spc="0" normalizeH="0" baseline="0" noProof="0">
-                <a:ln>
-                  <a:noFill/>
-                </a:ln>
-                <a:solidFill>
-                  <a:srgbClr val="000000">
-                    <a:tint val="75000"/>
-                  </a:srgbClr>
-                </a:solidFill>
-                <a:effectLst/>
-                <a:uLnTx/>
-                <a:uFillTx/>
-                <a:latin typeface="Arial" panose="020B0604020202020204" pitchFamily="34" charset="0"/>
-                <a:ea typeface="+mn-ea"/>
-                <a:cs typeface="Arial" panose="020B0604020202020204" pitchFamily="34" charset="0"/>
-              </a:rPr>
-              <a:t>Document classification: GREEN</a:t>
-            </a:r>
-            <a:endParaRPr kumimoji="0" lang="en-GB" sz="1200" b="0" i="0" u="none" strike="noStrike" kern="1200" cap="none" spc="0" normalizeH="0" baseline="0" noProof="0" dirty="0">
-              <a:ln>
-                <a:noFill/>
-              </a:ln>
-              <a:solidFill>
-                <a:srgbClr val="000000">
-                  <a:tint val="75000"/>
-                </a:srgbClr>
-              </a:solidFill>
-              <a:effectLst/>
-              <a:uLnTx/>
-              <a:uFillTx/>
-              <a:latin typeface="Arial" panose="020B0604020202020204" pitchFamily="34" charset="0"/>
-              <a:ea typeface="+mn-ea"/>
-              <a:cs typeface="Arial" panose="020B0604020202020204" pitchFamily="34" charset="0"/>
-            </a:endParaRPr>
-          </a:p>
-        </p:txBody>
-      </p:sp>
-      <p:sp>
-        <p:nvSpPr>
-          <p:cNvPr id="4" name="Title 3"/>
-          <p:cNvSpPr>
-            <a:spLocks noGrp="1"/>
-          </p:cNvSpPr>
-          <p:nvPr>
-            <p:ph type="title"/>
-          </p:nvPr>
-        </p:nvSpPr>
-        <p:spPr/>
-        <p:txBody>
-          <a:bodyPr/>
-          <a:lstStyle/>
-          <a:p>
             <a:r>
               <a:rPr lang="en-GB" dirty="0"/>
-              <a:t>The “Scary” </a:t>
-            </a:r>
-            <a:r>
-              <a:rPr lang="en-GB" dirty="0" smtClean="0"/>
-              <a:t>Slide No.2</a:t>
-            </a:r>
-            <a:endParaRPr lang="en-GB" dirty="0"/>
+              <a:t>Scary Slide No.2</a:t>
+            </a:r>
           </a:p>
         </p:txBody>
       </p:sp>
       <p:pic>
         <p:nvPicPr>
-          <p:cNvPr id="3" name="Picture 2">
+          <p:cNvPr id="11" name="Picture 10">
             <a:extLst>
               <a:ext uri="{FF2B5EF4-FFF2-40B4-BE49-F238E27FC236}">
-                <a16:creationId xmlns:a16="http://schemas.microsoft.com/office/drawing/2014/main" id="{9424FEFE-A104-78F7-92FE-6FB4A430E2AA}"/>
+                <a16:creationId xmlns:a16="http://schemas.microsoft.com/office/drawing/2014/main" id="{B054B931-748B-6329-5722-4052F6E5CD91}"/>
               </a:ext>
             </a:extLst>
           </p:cNvPr>
@@ -40843,445 +39731,119 @@
           <p:nvPr/>
         </p:nvPicPr>
         <p:blipFill>
-          <a:blip r:embed="rId3" cstate="print">
-            <a:extLst>
-              <a:ext uri="{28A0092B-C50C-407E-A947-70E740481C1C}">
-                <a14:useLocalDpi xmlns:a14="http://schemas.microsoft.com/office/drawing/2010/main" val="0"/>
-              </a:ext>
-            </a:extLst>
-          </a:blip>
+          <a:blip r:embed="rId3"/>
           <a:stretch>
             <a:fillRect/>
           </a:stretch>
         </p:blipFill>
         <p:spPr>
           <a:xfrm>
-            <a:off x="446400" y="1370014"/>
-            <a:ext cx="1401968" cy="1401968"/>
+            <a:off x="1552368" y="1558858"/>
+            <a:ext cx="8496093" cy="5083822"/>
           </a:xfrm>
           <a:prstGeom prst="rect">
             <a:avLst/>
           </a:prstGeom>
         </p:spPr>
       </p:pic>
-      <p:pic>
-        <p:nvPicPr>
-          <p:cNvPr id="16" name="Picture 8" descr="https://cdn-assets-cloud.frontify.com/local/frontify/h_lNxVXLqrDqb2kyrixW3lMmUl7n-aBRzJUzyvzD7_8rM4T8YBavHo52jxwf_gydvqlXwly7FDF4dfXM1nxq266zJ5t-IODrYAZ-QLB1Lkpbq-3bitgPRXaHnm-Carpb?width=2400">
+      <p:grpSp>
+        <p:nvGrpSpPr>
+          <p:cNvPr id="5" name="Group 4">
             <a:extLst>
               <a:ext uri="{FF2B5EF4-FFF2-40B4-BE49-F238E27FC236}">
-                <a16:creationId xmlns:a16="http://schemas.microsoft.com/office/drawing/2014/main" id="{DA61E991-F7AE-9D1E-1D57-FECE172A7455}"/>
+                <a16:creationId xmlns:a16="http://schemas.microsoft.com/office/drawing/2014/main" id="{2E987D2E-8AEF-97E6-34EF-3D9D23F757C4}"/>
               </a:ext>
             </a:extLst>
           </p:cNvPr>
-          <p:cNvPicPr>
-            <a:picLocks noChangeAspect="1" noChangeArrowheads="1"/>
-          </p:cNvPicPr>
+          <p:cNvGrpSpPr/>
           <p:nvPr/>
-        </p:nvPicPr>
-        <p:blipFill>
-          <a:blip r:embed="rId4" cstate="print">
-            <a:extLst>
-              <a:ext uri="{28A0092B-C50C-407E-A947-70E740481C1C}">
-                <a14:useLocalDpi xmlns:a14="http://schemas.microsoft.com/office/drawing/2010/main" val="0"/>
-              </a:ext>
-            </a:extLst>
-          </a:blip>
-          <a:srcRect/>
-          <a:stretch>
-            <a:fillRect/>
-          </a:stretch>
-        </p:blipFill>
-        <p:spPr bwMode="auto">
-          <a:xfrm>
-            <a:off x="2639724" y="2251936"/>
-            <a:ext cx="1401968" cy="1401968"/>
-          </a:xfrm>
-          <a:prstGeom prst="rect">
-            <a:avLst/>
-          </a:prstGeom>
-          <a:noFill/>
-          <a:extLst>
-            <a:ext uri="{909E8E84-426E-40DD-AFC4-6F175D3DCCD1}">
-              <a14:hiddenFill xmlns:a14="http://schemas.microsoft.com/office/drawing/2010/main">
-                <a:solidFill>
-                  <a:srgbClr val="FFFFFF"/>
-                </a:solidFill>
-              </a14:hiddenFill>
-            </a:ext>
-          </a:extLst>
-        </p:spPr>
-      </p:pic>
-      <p:pic>
-        <p:nvPicPr>
-          <p:cNvPr id="17" name="Picture 2" descr="https://cdn-assets-cloud.frontify.com/local/frontify/h_lNxVXLqrDqb2kyrixW3lMmUl7n-aBRzJUzyvzD7_9BO9ltE3q1OOCfZo6Sa2lu4hurhgheSFrsN6Uqg9sObFbfnRcsb-x4wlnvnOlya05xcmlG9hid3qk4bfYHz6Uc?width=2400">
-            <a:extLst>
-              <a:ext uri="{FF2B5EF4-FFF2-40B4-BE49-F238E27FC236}">
-                <a16:creationId xmlns:a16="http://schemas.microsoft.com/office/drawing/2014/main" id="{36F5F150-5AF8-2B38-D1A6-59FD766ED06B}"/>
-              </a:ext>
-            </a:extLst>
-          </p:cNvPr>
-          <p:cNvPicPr>
-            <a:picLocks noChangeAspect="1" noChangeArrowheads="1"/>
-          </p:cNvPicPr>
-          <p:nvPr/>
-        </p:nvPicPr>
-        <p:blipFill>
-          <a:blip r:embed="rId5" cstate="print">
-            <a:extLst>
-              <a:ext uri="{28A0092B-C50C-407E-A947-70E740481C1C}">
-                <a14:useLocalDpi xmlns:a14="http://schemas.microsoft.com/office/drawing/2010/main" val="0"/>
-              </a:ext>
-            </a:extLst>
-          </a:blip>
-          <a:srcRect/>
-          <a:stretch>
-            <a:fillRect/>
-          </a:stretch>
-        </p:blipFill>
-        <p:spPr bwMode="auto">
-          <a:xfrm>
-            <a:off x="5673972" y="1650407"/>
-            <a:ext cx="1401968" cy="1401968"/>
-          </a:xfrm>
-          <a:prstGeom prst="rect">
-            <a:avLst/>
-          </a:prstGeom>
-          <a:noFill/>
-          <a:extLst>
-            <a:ext uri="{909E8E84-426E-40DD-AFC4-6F175D3DCCD1}">
-              <a14:hiddenFill xmlns:a14="http://schemas.microsoft.com/office/drawing/2010/main">
-                <a:solidFill>
-                  <a:srgbClr val="FFFFFF"/>
-                </a:solidFill>
-              </a14:hiddenFill>
-            </a:ext>
-          </a:extLst>
-        </p:spPr>
-      </p:pic>
-      <p:pic>
-        <p:nvPicPr>
-          <p:cNvPr id="18" name="Picture 6" descr="https://cdn-assets-cloud.frontify.com/local/frontify/h_lNxVXLqrDqb2kyrixW3lMmUl7n-aBRzJUzyvzD7_9Uhf5d0UJ_AbGaOOErGV1dpZfd_31MPu2MY7DreHz2YPhrtFEK32kTuVVdvw71U793k69iIq1Y3qrI7mgkSCFL?width=2400">
-            <a:extLst>
-              <a:ext uri="{FF2B5EF4-FFF2-40B4-BE49-F238E27FC236}">
-                <a16:creationId xmlns:a16="http://schemas.microsoft.com/office/drawing/2014/main" id="{CB1F3EF9-86FC-E984-BC27-699E93CC3EE7}"/>
-              </a:ext>
-            </a:extLst>
-          </p:cNvPr>
-          <p:cNvPicPr>
-            <a:picLocks noChangeAspect="1" noChangeArrowheads="1"/>
-          </p:cNvPicPr>
-          <p:nvPr/>
-        </p:nvPicPr>
-        <p:blipFill>
-          <a:blip r:embed="rId6" cstate="print">
-            <a:extLst>
-              <a:ext uri="{28A0092B-C50C-407E-A947-70E740481C1C}">
-                <a14:useLocalDpi xmlns:a14="http://schemas.microsoft.com/office/drawing/2010/main" val="0"/>
-              </a:ext>
-            </a:extLst>
-          </a:blip>
-          <a:srcRect/>
-          <a:stretch>
-            <a:fillRect/>
-          </a:stretch>
-        </p:blipFill>
-        <p:spPr bwMode="auto">
-          <a:xfrm>
-            <a:off x="3217084" y="3919958"/>
-            <a:ext cx="1484125" cy="1484125"/>
-          </a:xfrm>
-          <a:prstGeom prst="rect">
-            <a:avLst/>
-          </a:prstGeom>
-          <a:noFill/>
-          <a:extLst>
-            <a:ext uri="{909E8E84-426E-40DD-AFC4-6F175D3DCCD1}">
-              <a14:hiddenFill xmlns:a14="http://schemas.microsoft.com/office/drawing/2010/main">
-                <a:solidFill>
-                  <a:srgbClr val="FFFFFF"/>
-                </a:solidFill>
-              </a14:hiddenFill>
-            </a:ext>
-          </a:extLst>
-        </p:spPr>
-      </p:pic>
-      <p:pic>
-        <p:nvPicPr>
-          <p:cNvPr id="19" name="Picture 18">
-            <a:extLst>
-              <a:ext uri="{FF2B5EF4-FFF2-40B4-BE49-F238E27FC236}">
-                <a16:creationId xmlns:a16="http://schemas.microsoft.com/office/drawing/2014/main" id="{9238B451-1FBE-22D7-D460-E60E51B6DCE7}"/>
-              </a:ext>
-            </a:extLst>
-          </p:cNvPr>
-          <p:cNvPicPr>
-            <a:picLocks noChangeAspect="1"/>
-          </p:cNvPicPr>
-          <p:nvPr/>
-        </p:nvPicPr>
-        <p:blipFill>
-          <a:blip r:embed="rId7" cstate="print">
-            <a:extLst>
-              <a:ext uri="{28A0092B-C50C-407E-A947-70E740481C1C}">
-                <a14:useLocalDpi xmlns:a14="http://schemas.microsoft.com/office/drawing/2010/main" val="0"/>
-              </a:ext>
-            </a:extLst>
-          </a:blip>
-          <a:stretch>
-            <a:fillRect/>
-          </a:stretch>
-        </p:blipFill>
-        <p:spPr>
-          <a:xfrm>
-            <a:off x="10242434" y="4286826"/>
-            <a:ext cx="1274067" cy="1271019"/>
-          </a:xfrm>
-          <a:prstGeom prst="rect">
-            <a:avLst/>
-          </a:prstGeom>
-          <a:scene3d>
-            <a:camera prst="orthographicFront">
-              <a:rot lat="0" lon="20699996" rev="0"/>
-            </a:camera>
-            <a:lightRig rig="threePt" dir="t"/>
-          </a:scene3d>
-        </p:spPr>
-      </p:pic>
-      <p:pic>
-        <p:nvPicPr>
-          <p:cNvPr id="2050" name="Picture 2" descr="Starbucks - Wikipedia">
-            <a:extLst>
-              <a:ext uri="{FF2B5EF4-FFF2-40B4-BE49-F238E27FC236}">
-                <a16:creationId xmlns:a16="http://schemas.microsoft.com/office/drawing/2014/main" id="{3C60C8F3-64C1-78F3-ADFA-D2B75FEAF5F6}"/>
-              </a:ext>
-            </a:extLst>
-          </p:cNvPr>
-          <p:cNvPicPr>
-            <a:picLocks noChangeAspect="1" noChangeArrowheads="1"/>
-          </p:cNvPicPr>
-          <p:nvPr/>
-        </p:nvPicPr>
-        <p:blipFill>
-          <a:blip r:embed="rId8">
-            <a:extLst>
-              <a:ext uri="{28A0092B-C50C-407E-A947-70E740481C1C}">
-                <a14:useLocalDpi xmlns:a14="http://schemas.microsoft.com/office/drawing/2010/main" val="0"/>
-              </a:ext>
-            </a:extLst>
-          </a:blip>
-          <a:srcRect/>
-          <a:stretch>
-            <a:fillRect/>
-          </a:stretch>
-        </p:blipFill>
-        <p:spPr bwMode="auto">
-          <a:xfrm>
-            <a:off x="8224423" y="994673"/>
-            <a:ext cx="2124075" cy="2152650"/>
-          </a:xfrm>
-          <a:prstGeom prst="rect">
-            <a:avLst/>
-          </a:prstGeom>
-          <a:noFill/>
-          <a:extLst>
-            <a:ext uri="{909E8E84-426E-40DD-AFC4-6F175D3DCCD1}">
-              <a14:hiddenFill xmlns:a14="http://schemas.microsoft.com/office/drawing/2010/main">
-                <a:solidFill>
-                  <a:srgbClr val="FFFFFF"/>
-                </a:solidFill>
-              </a14:hiddenFill>
-            </a:ext>
-          </a:extLst>
-        </p:spPr>
-      </p:pic>
-      <p:pic>
-        <p:nvPicPr>
-          <p:cNvPr id="2052" name="Picture 4">
-            <a:extLst>
-              <a:ext uri="{FF2B5EF4-FFF2-40B4-BE49-F238E27FC236}">
-                <a16:creationId xmlns:a16="http://schemas.microsoft.com/office/drawing/2014/main" id="{27F4DD1E-B043-C29E-5C87-E0D3A3A59E44}"/>
-              </a:ext>
-            </a:extLst>
-          </p:cNvPr>
-          <p:cNvPicPr>
-            <a:picLocks noChangeAspect="1" noChangeArrowheads="1"/>
-          </p:cNvPicPr>
-          <p:nvPr/>
-        </p:nvPicPr>
-        <p:blipFill>
-          <a:blip r:embed="rId9">
-            <a:extLst>
-              <a:ext uri="{28A0092B-C50C-407E-A947-70E740481C1C}">
-                <a14:useLocalDpi xmlns:a14="http://schemas.microsoft.com/office/drawing/2010/main" val="0"/>
-              </a:ext>
-            </a:extLst>
-          </a:blip>
-          <a:srcRect/>
-          <a:stretch>
-            <a:fillRect/>
-          </a:stretch>
-        </p:blipFill>
-        <p:spPr bwMode="auto">
-          <a:xfrm>
-            <a:off x="3884096" y="3350423"/>
-            <a:ext cx="3571875" cy="1276350"/>
-          </a:xfrm>
-          <a:prstGeom prst="rect">
-            <a:avLst/>
-          </a:prstGeom>
-          <a:noFill/>
-          <a:extLst>
-            <a:ext uri="{909E8E84-426E-40DD-AFC4-6F175D3DCCD1}">
-              <a14:hiddenFill xmlns:a14="http://schemas.microsoft.com/office/drawing/2010/main">
-                <a:solidFill>
-                  <a:srgbClr val="FFFFFF"/>
-                </a:solidFill>
-              </a14:hiddenFill>
-            </a:ext>
-          </a:extLst>
-        </p:spPr>
-      </p:pic>
-      <p:pic>
-        <p:nvPicPr>
-          <p:cNvPr id="2054" name="Picture 6" descr="Nissan Vector Logo - Download Free SVG Icon | Worldvectorlogo">
-            <a:extLst>
-              <a:ext uri="{FF2B5EF4-FFF2-40B4-BE49-F238E27FC236}">
-                <a16:creationId xmlns:a16="http://schemas.microsoft.com/office/drawing/2014/main" id="{A1274645-954B-B1FD-730E-476195B0D061}"/>
-              </a:ext>
-            </a:extLst>
-          </p:cNvPr>
-          <p:cNvPicPr>
-            <a:picLocks noChangeAspect="1" noChangeArrowheads="1"/>
-          </p:cNvPicPr>
-          <p:nvPr/>
-        </p:nvPicPr>
-        <p:blipFill>
-          <a:blip r:embed="rId10">
-            <a:extLst>
-              <a:ext uri="{28A0092B-C50C-407E-A947-70E740481C1C}">
-                <a14:useLocalDpi xmlns:a14="http://schemas.microsoft.com/office/drawing/2010/main" val="0"/>
-              </a:ext>
-            </a:extLst>
-          </a:blip>
-          <a:srcRect/>
-          <a:stretch>
-            <a:fillRect/>
-          </a:stretch>
-        </p:blipFill>
-        <p:spPr bwMode="auto">
-          <a:xfrm>
-            <a:off x="325149" y="2908131"/>
-            <a:ext cx="2314575" cy="1981200"/>
-          </a:xfrm>
-          <a:prstGeom prst="rect">
-            <a:avLst/>
-          </a:prstGeom>
-          <a:noFill/>
-          <a:extLst>
-            <a:ext uri="{909E8E84-426E-40DD-AFC4-6F175D3DCCD1}">
-              <a14:hiddenFill xmlns:a14="http://schemas.microsoft.com/office/drawing/2010/main">
-                <a:solidFill>
-                  <a:srgbClr val="FFFFFF"/>
-                </a:solidFill>
-              </a14:hiddenFill>
-            </a:ext>
-          </a:extLst>
-        </p:spPr>
-      </p:pic>
-      <p:pic>
-        <p:nvPicPr>
-          <p:cNvPr id="2056" name="Picture 8" descr="Identity | Okta">
-            <a:extLst>
-              <a:ext uri="{FF2B5EF4-FFF2-40B4-BE49-F238E27FC236}">
-                <a16:creationId xmlns:a16="http://schemas.microsoft.com/office/drawing/2014/main" id="{0DCBFED8-284D-720A-A777-4BF2A1D8B2C2}"/>
-              </a:ext>
-            </a:extLst>
-          </p:cNvPr>
-          <p:cNvPicPr>
-            <a:picLocks noChangeAspect="1" noChangeArrowheads="1"/>
-          </p:cNvPicPr>
-          <p:nvPr/>
-        </p:nvPicPr>
-        <p:blipFill>
-          <a:blip r:embed="rId11">
-            <a:extLst>
-              <a:ext uri="{28A0092B-C50C-407E-A947-70E740481C1C}">
-                <a14:useLocalDpi xmlns:a14="http://schemas.microsoft.com/office/drawing/2010/main" val="0"/>
-              </a:ext>
-            </a:extLst>
-          </a:blip>
-          <a:srcRect/>
-          <a:stretch>
-            <a:fillRect/>
-          </a:stretch>
-        </p:blipFill>
-        <p:spPr bwMode="auto">
-          <a:xfrm>
-            <a:off x="5608121" y="4807353"/>
-            <a:ext cx="3695700" cy="1238250"/>
-          </a:xfrm>
-          <a:prstGeom prst="rect">
-            <a:avLst/>
-          </a:prstGeom>
-          <a:noFill/>
-          <a:extLst>
-            <a:ext uri="{909E8E84-426E-40DD-AFC4-6F175D3DCCD1}">
-              <a14:hiddenFill xmlns:a14="http://schemas.microsoft.com/office/drawing/2010/main">
-                <a:solidFill>
-                  <a:srgbClr val="FFFFFF"/>
-                </a:solidFill>
-              </a14:hiddenFill>
-            </a:ext>
-          </a:extLst>
-        </p:spPr>
-      </p:pic>
-      <p:pic>
-        <p:nvPicPr>
-          <p:cNvPr id="2058" name="Picture 10">
-            <a:extLst>
-              <a:ext uri="{FF2B5EF4-FFF2-40B4-BE49-F238E27FC236}">
-                <a16:creationId xmlns:a16="http://schemas.microsoft.com/office/drawing/2014/main" id="{22225019-A219-F0C0-EAF5-F1459C349007}"/>
-              </a:ext>
-            </a:extLst>
-          </p:cNvPr>
-          <p:cNvPicPr>
-            <a:picLocks noChangeAspect="1" noChangeArrowheads="1"/>
-          </p:cNvPicPr>
-          <p:nvPr/>
-        </p:nvPicPr>
-        <p:blipFill>
-          <a:blip r:embed="rId12">
-            <a:extLst>
-              <a:ext uri="{28A0092B-C50C-407E-A947-70E740481C1C}">
-                <a14:useLocalDpi xmlns:a14="http://schemas.microsoft.com/office/drawing/2010/main" val="0"/>
-              </a:ext>
-            </a:extLst>
-          </a:blip>
-          <a:srcRect/>
-          <a:stretch>
-            <a:fillRect/>
-          </a:stretch>
-        </p:blipFill>
-        <p:spPr bwMode="auto">
-          <a:xfrm>
-            <a:off x="1221395" y="5373608"/>
-            <a:ext cx="4238625" cy="1076325"/>
-          </a:xfrm>
-          <a:prstGeom prst="rect">
-            <a:avLst/>
-          </a:prstGeom>
-          <a:noFill/>
-          <a:extLst>
-            <a:ext uri="{909E8E84-426E-40DD-AFC4-6F175D3DCCD1}">
-              <a14:hiddenFill xmlns:a14="http://schemas.microsoft.com/office/drawing/2010/main">
-                <a:solidFill>
-                  <a:srgbClr val="FFFFFF"/>
-                </a:solidFill>
-              </a14:hiddenFill>
-            </a:ext>
-          </a:extLst>
-        </p:spPr>
-      </p:pic>
+        </p:nvGrpSpPr>
+        <p:grpSpPr>
+          <a:xfrm>
+            <a:off x="5470225" y="1370014"/>
+            <a:ext cx="6253775" cy="1323439"/>
+            <a:chOff x="1212574" y="2027583"/>
+            <a:chExt cx="6253775" cy="1323439"/>
+          </a:xfrm>
+        </p:grpSpPr>
+        <p:sp>
+          <p:nvSpPr>
+            <p:cNvPr id="6" name="TextBox 5">
+              <a:extLst>
+                <a:ext uri="{FF2B5EF4-FFF2-40B4-BE49-F238E27FC236}">
+                  <a16:creationId xmlns:a16="http://schemas.microsoft.com/office/drawing/2014/main" id="{8D88A736-5E1B-6878-4C53-1BC1D8426F02}"/>
+                </a:ext>
+              </a:extLst>
+            </p:cNvPr>
+            <p:cNvSpPr txBox="1"/>
+            <p:nvPr/>
+          </p:nvSpPr>
+          <p:spPr>
+            <a:xfrm>
+              <a:off x="1212574" y="2027583"/>
+              <a:ext cx="1957587" cy="1323439"/>
+            </a:xfrm>
+            <a:prstGeom prst="rect">
+              <a:avLst/>
+            </a:prstGeom>
+            <a:noFill/>
+          </p:spPr>
+          <p:txBody>
+            <a:bodyPr wrap="none" rtlCol="0">
+              <a:spAutoFit/>
+            </a:bodyPr>
+            <a:lstStyle/>
+            <a:p>
+              <a:r>
+                <a:rPr lang="en-GB" sz="8000" dirty="0"/>
+                <a:t>68%</a:t>
+              </a:r>
+            </a:p>
+          </p:txBody>
+        </p:sp>
+        <p:sp>
+          <p:nvSpPr>
+            <p:cNvPr id="7" name="TextBox 6">
+              <a:extLst>
+                <a:ext uri="{FF2B5EF4-FFF2-40B4-BE49-F238E27FC236}">
+                  <a16:creationId xmlns:a16="http://schemas.microsoft.com/office/drawing/2014/main" id="{0CEF1465-26F9-B490-2DAC-21A4D2AD0A14}"/>
+                </a:ext>
+              </a:extLst>
+            </p:cNvPr>
+            <p:cNvSpPr txBox="1"/>
+            <p:nvPr/>
+          </p:nvSpPr>
+          <p:spPr>
+            <a:xfrm>
+              <a:off x="3170160" y="2175733"/>
+              <a:ext cx="4296189" cy="707886"/>
+            </a:xfrm>
+            <a:prstGeom prst="rect">
+              <a:avLst/>
+            </a:prstGeom>
+            <a:noFill/>
+          </p:spPr>
+          <p:txBody>
+            <a:bodyPr wrap="square">
+              <a:spAutoFit/>
+            </a:bodyPr>
+            <a:lstStyle/>
+            <a:p>
+              <a:r>
+                <a:rPr lang="en-GB" sz="2000" b="0" i="0" dirty="0">
+                  <a:solidFill>
+                    <a:srgbClr val="231F20"/>
+                  </a:solidFill>
+                  <a:effectLst/>
+                  <a:latin typeface="Arimo"/>
+                </a:rPr>
+                <a:t>of apps had a security flaw that fell into the OWASP Top 10</a:t>
+              </a:r>
+              <a:endParaRPr lang="en-GB" sz="2000" dirty="0"/>
+            </a:p>
+          </p:txBody>
+        </p:sp>
+      </p:grpSp>
     </p:spTree>
     <p:extLst>
       <p:ext uri="{BB962C8B-B14F-4D97-AF65-F5344CB8AC3E}">
@@ -41292,13 +39854,6 @@
   <p:clrMapOvr>
     <a:masterClrMapping/>
   </p:clrMapOvr>
-  <p:timing>
-    <p:tnLst>
-      <p:par>
-        <p:cTn id="1" dur="indefinite" restart="never" nodeType="tmRoot"/>
-      </p:par>
-    </p:tnLst>
-  </p:timing>
 </p:sld>
 </file>
 
@@ -41335,7 +39890,7 @@
           <a:lstStyle/>
           <a:p>
             <a:r>
-              <a:rPr lang="en-GB" smtClean="0"/>
+              <a:rPr lang="en-GB"/>
               <a:t>Document classification: GREEN</a:t>
             </a:r>
             <a:endParaRPr lang="en-GB" dirty="0"/>
@@ -41951,9 +40506,6 @@
               </a:rPr>
               <a:t>Gold container images</a:t>
             </a:r>
-            <a:endParaRPr lang="en-GB" dirty="0">
-              <a:latin typeface="Lucida Console" panose="020B0609040504020204" pitchFamily="49" charset="0"/>
-            </a:endParaRPr>
           </a:p>
         </p:txBody>
       </p:sp>
@@ -41967,13 +40519,6 @@
   <p:clrMapOvr>
     <a:masterClrMapping/>
   </p:clrMapOvr>
-  <p:timing>
-    <p:tnLst>
-      <p:par>
-        <p:cTn id="1" dur="indefinite" restart="never" nodeType="tmRoot"/>
-      </p:par>
-    </p:tnLst>
-  </p:timing>
 </p:sld>
 </file>
 

--- a/202301 - BCS/DevSecOps - The True Cost of Secure Transformation.pptx
+++ b/202301 - BCS/DevSecOps - The True Cost of Secure Transformation.pptx
@@ -218,7 +218,7 @@
           <a:p>
             <a:fld id="{4340E002-B88B-4BB0-BA5A-919501F4FBF2}" type="datetimeFigureOut">
               <a:rPr lang="en-GB" smtClean="0"/>
-              <a:t>24/01/2023</a:t>
+              <a:t>25/01/2023</a:t>
             </a:fld>
             <a:endParaRPr lang="en-GB"/>
           </a:p>
@@ -1525,9 +1525,17 @@
               </a:rPr>
               <a:t>Hot on the heels of Okta's source code breach, in December we had Slack experiencing a threat actor accessing their repositories using stolen (valid) tokens.</a:t>
             </a:r>
+            <a:r>
+              <a:rPr lang="en-GB" dirty="0"/>
+              <a:t/>
+            </a:r>
             <a:br>
               <a:rPr lang="en-GB" dirty="0"/>
             </a:br>
+            <a:r>
+              <a:rPr lang="en-GB" dirty="0"/>
+              <a:t/>
+            </a:r>
             <a:br>
               <a:rPr lang="en-GB" dirty="0"/>
             </a:br>
@@ -1538,9 +1546,17 @@
               </a:rPr>
               <a:t>Access tokens are an invaluable capability of working with remote services, including GitHub, but as always WE have to be careful as they can expose great power.</a:t>
             </a:r>
+            <a:r>
+              <a:rPr lang="en-GB" dirty="0"/>
+              <a:t/>
+            </a:r>
             <a:br>
               <a:rPr lang="en-GB" dirty="0"/>
             </a:br>
+            <a:r>
+              <a:rPr lang="en-GB" dirty="0"/>
+              <a:t/>
+            </a:r>
             <a:br>
               <a:rPr lang="en-GB" dirty="0"/>
             </a:br>
@@ -1551,6 +1567,10 @@
               </a:rPr>
               <a:t>Simple GitHub access token advice:</a:t>
             </a:r>
+            <a:r>
+              <a:rPr lang="en-GB" dirty="0"/>
+              <a:t/>
+            </a:r>
             <a:br>
               <a:rPr lang="en-GB" dirty="0"/>
             </a:br>
@@ -1561,6 +1581,10 @@
               </a:rPr>
               <a:t>- store tokens securely (always the first bit of advice in this type of post... don't write them down!)</a:t>
             </a:r>
+            <a:r>
+              <a:rPr lang="en-GB" dirty="0"/>
+              <a:t/>
+            </a:r>
             <a:br>
               <a:rPr lang="en-GB" dirty="0"/>
             </a:br>
@@ -1571,6 +1595,10 @@
               </a:rPr>
               <a:t>- use fine grained access tokens to enforce the principal of least privilege</a:t>
             </a:r>
+            <a:r>
+              <a:rPr lang="en-GB" dirty="0"/>
+              <a:t/>
+            </a:r>
             <a:br>
               <a:rPr lang="en-GB" dirty="0"/>
             </a:br>
@@ -1581,6 +1609,10 @@
               </a:rPr>
               <a:t>- create and enforce an expiration policy; the longer they exist, the more damage can be done</a:t>
             </a:r>
+            <a:r>
+              <a:rPr lang="en-GB" dirty="0"/>
+              <a:t/>
+            </a:r>
             <a:br>
               <a:rPr lang="en-GB" dirty="0"/>
             </a:br>
@@ -1590,6 +1622,10 @@
                 <a:latin typeface="-apple-system"/>
               </a:rPr>
               <a:t>- tokens don't just give access to code, they can allow access to Actions, so check their capabilities</a:t>
+            </a:r>
+            <a:r>
+              <a:rPr lang="en-GB" dirty="0"/>
+              <a:t/>
             </a:r>
             <a:br>
               <a:rPr lang="en-GB" dirty="0"/>
@@ -1692,9 +1728,17 @@
               </a:rPr>
               <a:t>Hot on the heels of Okta's source code breach, in December we had Slack experiencing a threat actor accessing their repositories using stolen (valid) tokens.</a:t>
             </a:r>
+            <a:r>
+              <a:rPr lang="en-GB" dirty="0"/>
+              <a:t/>
+            </a:r>
             <a:br>
               <a:rPr lang="en-GB" dirty="0"/>
             </a:br>
+            <a:r>
+              <a:rPr lang="en-GB" dirty="0"/>
+              <a:t/>
+            </a:r>
             <a:br>
               <a:rPr lang="en-GB" dirty="0"/>
             </a:br>
@@ -1705,9 +1749,17 @@
               </a:rPr>
               <a:t>Access tokens are an invaluable capability of working with remote services, including GitHub, but as always WE have to be careful as they can expose great power.</a:t>
             </a:r>
+            <a:r>
+              <a:rPr lang="en-GB" dirty="0"/>
+              <a:t/>
+            </a:r>
             <a:br>
               <a:rPr lang="en-GB" dirty="0"/>
             </a:br>
+            <a:r>
+              <a:rPr lang="en-GB" dirty="0"/>
+              <a:t/>
+            </a:r>
             <a:br>
               <a:rPr lang="en-GB" dirty="0"/>
             </a:br>
@@ -1718,6 +1770,10 @@
               </a:rPr>
               <a:t>Simple GitHub access token advice:</a:t>
             </a:r>
+            <a:r>
+              <a:rPr lang="en-GB" dirty="0"/>
+              <a:t/>
+            </a:r>
             <a:br>
               <a:rPr lang="en-GB" dirty="0"/>
             </a:br>
@@ -1728,6 +1784,10 @@
               </a:rPr>
               <a:t>- store tokens securely (always the first bit of advice in this type of post... don't write them down!)</a:t>
             </a:r>
+            <a:r>
+              <a:rPr lang="en-GB" dirty="0"/>
+              <a:t/>
+            </a:r>
             <a:br>
               <a:rPr lang="en-GB" dirty="0"/>
             </a:br>
@@ -1738,6 +1798,10 @@
               </a:rPr>
               <a:t>- use fine grained access tokens to enforce the principal of least privilege</a:t>
             </a:r>
+            <a:r>
+              <a:rPr lang="en-GB" dirty="0"/>
+              <a:t/>
+            </a:r>
             <a:br>
               <a:rPr lang="en-GB" dirty="0"/>
             </a:br>
@@ -1748,6 +1812,10 @@
               </a:rPr>
               <a:t>- create and enforce an expiration policy; the longer they exist, the more damage can be done</a:t>
             </a:r>
+            <a:r>
+              <a:rPr lang="en-GB" dirty="0"/>
+              <a:t/>
+            </a:r>
             <a:br>
               <a:rPr lang="en-GB" dirty="0"/>
             </a:br>
@@ -1757,6 +1825,10 @@
                 <a:latin typeface="-apple-system"/>
               </a:rPr>
               <a:t>- tokens don't just give access to code, they can allow access to Actions, so check their capabilities</a:t>
+            </a:r>
+            <a:r>
+              <a:rPr lang="en-GB" dirty="0"/>
+              <a:t/>
             </a:r>
             <a:br>
               <a:rPr lang="en-GB" dirty="0"/>
